--- a/oral_projet/revue_final/diaporama_revue_finale_willy.pptx
+++ b/oral_projet/revue_final/diaporama_revue_finale_willy.pptx
@@ -19,15 +19,16 @@
     <p:sldId id="283" r:id="rId13"/>
     <p:sldId id="275" r:id="rId14"/>
     <p:sldId id="268" r:id="rId15"/>
-    <p:sldId id="265" r:id="rId16"/>
-    <p:sldId id="286" r:id="rId17"/>
-    <p:sldId id="287" r:id="rId18"/>
-    <p:sldId id="292" r:id="rId19"/>
-    <p:sldId id="288" r:id="rId20"/>
-    <p:sldId id="289" r:id="rId21"/>
-    <p:sldId id="290" r:id="rId22"/>
-    <p:sldId id="291" r:id="rId23"/>
-    <p:sldId id="264" r:id="rId24"/>
+    <p:sldId id="293" r:id="rId16"/>
+    <p:sldId id="265" r:id="rId17"/>
+    <p:sldId id="286" r:id="rId18"/>
+    <p:sldId id="287" r:id="rId19"/>
+    <p:sldId id="292" r:id="rId20"/>
+    <p:sldId id="288" r:id="rId21"/>
+    <p:sldId id="289" r:id="rId22"/>
+    <p:sldId id="290" r:id="rId23"/>
+    <p:sldId id="291" r:id="rId24"/>
+    <p:sldId id="264" r:id="rId25"/>
   </p:sldIdLst>
   <p:sldSz cx="12192000" cy="6858000"/>
   <p:notesSz cx="6858000" cy="9144000"/>
@@ -132,6 +133,10 @@
     </p:ext>
   </p:extLst>
 </p:presentation>
+</file>
+
+<file path=ppt/revisionInfo.xml><?xml version="1.0" encoding="utf-8"?>
+<p1510:revInfo xmlns:a="http://schemas.openxmlformats.org/drawingml/2006/main" xmlns:r="http://schemas.openxmlformats.org/officeDocument/2006/relationships" xmlns:p1510="http://schemas.microsoft.com/office/powerpoint/2015/10/main"/>
 </file>
 
 <file path=ppt/slideLayouts/slideLayout1.xml><?xml version="1.0" encoding="utf-8"?>
@@ -11970,352 +11975,12 @@
           </a:fontRef>
         </p:style>
       </p:cxnSp>
-      <p:pic>
-        <p:nvPicPr>
-          <p:cNvPr id="57" name="Image 56">
-            <a:extLst>
-              <a:ext uri="{FF2B5EF4-FFF2-40B4-BE49-F238E27FC236}">
-                <a16:creationId xmlns:a16="http://schemas.microsoft.com/office/drawing/2014/main" id="{12B16FB2-5844-4B92-AE69-9BAC858C22BB}"/>
-              </a:ext>
-            </a:extLst>
-          </p:cNvPr>
-          <p:cNvPicPr>
-            <a:picLocks noChangeAspect="1"/>
-          </p:cNvPicPr>
-          <p:nvPr/>
-        </p:nvPicPr>
-        <p:blipFill>
-          <a:blip r:embed="rId3">
-            <a:extLst>
-              <a:ext uri="{28A0092B-C50C-407E-A947-70E740481C1C}">
-                <a14:useLocalDpi xmlns:a14="http://schemas.microsoft.com/office/drawing/2010/main" val="0"/>
-              </a:ext>
-            </a:extLst>
-          </a:blip>
-          <a:stretch>
-            <a:fillRect/>
-          </a:stretch>
-        </p:blipFill>
-        <p:spPr>
-          <a:xfrm>
-            <a:off x="9681085" y="238153"/>
-            <a:ext cx="1802101" cy="569807"/>
-          </a:xfrm>
-          <a:prstGeom prst="rect">
-            <a:avLst/>
-          </a:prstGeom>
-        </p:spPr>
-      </p:pic>
-      <p:cxnSp>
-        <p:nvCxnSpPr>
-          <p:cNvPr id="58" name="Connecteur droit 57">
-            <a:extLst>
-              <a:ext uri="{FF2B5EF4-FFF2-40B4-BE49-F238E27FC236}">
-                <a16:creationId xmlns:a16="http://schemas.microsoft.com/office/drawing/2014/main" id="{01599350-F8B0-4FDC-B003-981189A8D654}"/>
-              </a:ext>
-            </a:extLst>
-          </p:cNvPr>
-          <p:cNvCxnSpPr>
-            <a:cxnSpLocks/>
-          </p:cNvCxnSpPr>
-          <p:nvPr/>
-        </p:nvCxnSpPr>
-        <p:spPr>
-          <a:xfrm>
-            <a:off x="2573222" y="454803"/>
-            <a:ext cx="6829482" cy="10398"/>
-          </a:xfrm>
-          <a:prstGeom prst="line">
-            <a:avLst/>
-          </a:prstGeom>
-        </p:spPr>
-        <p:style>
-          <a:lnRef idx="3">
-            <a:schemeClr val="dk1"/>
-          </a:lnRef>
-          <a:fillRef idx="0">
-            <a:schemeClr val="dk1"/>
-          </a:fillRef>
-          <a:effectRef idx="2">
-            <a:schemeClr val="dk1"/>
-          </a:effectRef>
-          <a:fontRef idx="minor">
-            <a:schemeClr val="tx1"/>
-          </a:fontRef>
-        </p:style>
-      </p:cxnSp>
-      <p:cxnSp>
-        <p:nvCxnSpPr>
-          <p:cNvPr id="59" name="Connecteur droit 58">
-            <a:extLst>
-              <a:ext uri="{FF2B5EF4-FFF2-40B4-BE49-F238E27FC236}">
-                <a16:creationId xmlns:a16="http://schemas.microsoft.com/office/drawing/2014/main" id="{BC6E6150-6054-4785-84EC-0C46D82034C2}"/>
-              </a:ext>
-            </a:extLst>
-          </p:cNvPr>
-          <p:cNvCxnSpPr>
-            <a:cxnSpLocks/>
-          </p:cNvCxnSpPr>
-          <p:nvPr/>
-        </p:nvCxnSpPr>
-        <p:spPr>
-          <a:xfrm>
-            <a:off x="738231" y="454803"/>
-            <a:ext cx="344203" cy="484764"/>
-          </a:xfrm>
-          <a:prstGeom prst="line">
-            <a:avLst/>
-          </a:prstGeom>
-        </p:spPr>
-        <p:style>
-          <a:lnRef idx="3">
-            <a:schemeClr val="dk1"/>
-          </a:lnRef>
-          <a:fillRef idx="0">
-            <a:schemeClr val="dk1"/>
-          </a:fillRef>
-          <a:effectRef idx="2">
-            <a:schemeClr val="dk1"/>
-          </a:effectRef>
-          <a:fontRef idx="minor">
-            <a:schemeClr val="tx1"/>
-          </a:fontRef>
-        </p:style>
-      </p:cxnSp>
-      <p:cxnSp>
-        <p:nvCxnSpPr>
-          <p:cNvPr id="60" name="Connecteur droit 59">
-            <a:extLst>
-              <a:ext uri="{FF2B5EF4-FFF2-40B4-BE49-F238E27FC236}">
-                <a16:creationId xmlns:a16="http://schemas.microsoft.com/office/drawing/2014/main" id="{CBC9961A-8EC2-4287-A398-BCA4138D409D}"/>
-              </a:ext>
-            </a:extLst>
-          </p:cNvPr>
-          <p:cNvCxnSpPr>
-            <a:cxnSpLocks/>
-          </p:cNvCxnSpPr>
-          <p:nvPr/>
-        </p:nvCxnSpPr>
-        <p:spPr>
-          <a:xfrm>
-            <a:off x="1082434" y="938268"/>
-            <a:ext cx="1146585" cy="0"/>
-          </a:xfrm>
-          <a:prstGeom prst="line">
-            <a:avLst/>
-          </a:prstGeom>
-        </p:spPr>
-        <p:style>
-          <a:lnRef idx="3">
-            <a:schemeClr val="dk1"/>
-          </a:lnRef>
-          <a:fillRef idx="0">
-            <a:schemeClr val="dk1"/>
-          </a:fillRef>
-          <a:effectRef idx="2">
-            <a:schemeClr val="dk1"/>
-          </a:effectRef>
-          <a:fontRef idx="minor">
-            <a:schemeClr val="tx1"/>
-          </a:fontRef>
-        </p:style>
-      </p:cxnSp>
-      <p:cxnSp>
-        <p:nvCxnSpPr>
-          <p:cNvPr id="61" name="Connecteur droit 60">
-            <a:extLst>
-              <a:ext uri="{FF2B5EF4-FFF2-40B4-BE49-F238E27FC236}">
-                <a16:creationId xmlns:a16="http://schemas.microsoft.com/office/drawing/2014/main" id="{152B7C45-2543-4665-BC07-4DB71CA9F337}"/>
-              </a:ext>
-            </a:extLst>
-          </p:cNvPr>
-          <p:cNvCxnSpPr>
-            <a:cxnSpLocks/>
-          </p:cNvCxnSpPr>
-          <p:nvPr/>
-        </p:nvCxnSpPr>
-        <p:spPr>
-          <a:xfrm>
-            <a:off x="9402704" y="465201"/>
-            <a:ext cx="344203" cy="495163"/>
-          </a:xfrm>
-          <a:prstGeom prst="line">
-            <a:avLst/>
-          </a:prstGeom>
-        </p:spPr>
-        <p:style>
-          <a:lnRef idx="3">
-            <a:schemeClr val="dk1"/>
-          </a:lnRef>
-          <a:fillRef idx="0">
-            <a:schemeClr val="dk1"/>
-          </a:fillRef>
-          <a:effectRef idx="2">
-            <a:schemeClr val="dk1"/>
-          </a:effectRef>
-          <a:fontRef idx="minor">
-            <a:schemeClr val="tx1"/>
-          </a:fontRef>
-        </p:style>
-      </p:cxnSp>
-      <p:cxnSp>
-        <p:nvCxnSpPr>
-          <p:cNvPr id="62" name="Connecteur droit 61">
-            <a:extLst>
-              <a:ext uri="{FF2B5EF4-FFF2-40B4-BE49-F238E27FC236}">
-                <a16:creationId xmlns:a16="http://schemas.microsoft.com/office/drawing/2014/main" id="{00A84DC3-A112-46A3-B71C-04D85339323D}"/>
-              </a:ext>
-            </a:extLst>
-          </p:cNvPr>
-          <p:cNvCxnSpPr>
-            <a:cxnSpLocks/>
-          </p:cNvCxnSpPr>
-          <p:nvPr/>
-        </p:nvCxnSpPr>
-        <p:spPr>
-          <a:xfrm flipH="1">
-            <a:off x="11370469" y="448308"/>
-            <a:ext cx="364332" cy="501657"/>
-          </a:xfrm>
-          <a:prstGeom prst="line">
-            <a:avLst/>
-          </a:prstGeom>
-        </p:spPr>
-        <p:style>
-          <a:lnRef idx="3">
-            <a:schemeClr val="dk1"/>
-          </a:lnRef>
-          <a:fillRef idx="0">
-            <a:schemeClr val="dk1"/>
-          </a:fillRef>
-          <a:effectRef idx="2">
-            <a:schemeClr val="dk1"/>
-          </a:effectRef>
-          <a:fontRef idx="minor">
-            <a:schemeClr val="tx1"/>
-          </a:fontRef>
-        </p:style>
-      </p:cxnSp>
-      <p:cxnSp>
-        <p:nvCxnSpPr>
-          <p:cNvPr id="63" name="Connecteur droit 62">
-            <a:extLst>
-              <a:ext uri="{FF2B5EF4-FFF2-40B4-BE49-F238E27FC236}">
-                <a16:creationId xmlns:a16="http://schemas.microsoft.com/office/drawing/2014/main" id="{C50788C6-8F68-44EC-AB54-94C1D2FE554D}"/>
-              </a:ext>
-            </a:extLst>
-          </p:cNvPr>
-          <p:cNvCxnSpPr>
-            <a:cxnSpLocks/>
-          </p:cNvCxnSpPr>
-          <p:nvPr/>
-        </p:nvCxnSpPr>
-        <p:spPr>
-          <a:xfrm>
-            <a:off x="9743203" y="949965"/>
-            <a:ext cx="1627266" cy="0"/>
-          </a:xfrm>
-          <a:prstGeom prst="line">
-            <a:avLst/>
-          </a:prstGeom>
-        </p:spPr>
-        <p:style>
-          <a:lnRef idx="3">
-            <a:schemeClr val="dk1"/>
-          </a:lnRef>
-          <a:fillRef idx="0">
-            <a:schemeClr val="dk1"/>
-          </a:fillRef>
-          <a:effectRef idx="2">
-            <a:schemeClr val="dk1"/>
-          </a:effectRef>
-          <a:fontRef idx="minor">
-            <a:schemeClr val="tx1"/>
-          </a:fontRef>
-        </p:style>
-      </p:cxnSp>
-      <p:cxnSp>
-        <p:nvCxnSpPr>
-          <p:cNvPr id="64" name="Connecteur droit 63">
-            <a:extLst>
-              <a:ext uri="{FF2B5EF4-FFF2-40B4-BE49-F238E27FC236}">
-                <a16:creationId xmlns:a16="http://schemas.microsoft.com/office/drawing/2014/main" id="{BC4D4E5F-5636-45CB-873C-EC085AB307A3}"/>
-              </a:ext>
-            </a:extLst>
-          </p:cNvPr>
-          <p:cNvCxnSpPr>
-            <a:cxnSpLocks/>
-          </p:cNvCxnSpPr>
-          <p:nvPr/>
-        </p:nvCxnSpPr>
-        <p:spPr>
-          <a:xfrm>
-            <a:off x="11715750" y="454801"/>
-            <a:ext cx="476249" cy="10400"/>
-          </a:xfrm>
-          <a:prstGeom prst="line">
-            <a:avLst/>
-          </a:prstGeom>
-        </p:spPr>
-        <p:style>
-          <a:lnRef idx="3">
-            <a:schemeClr val="dk1"/>
-          </a:lnRef>
-          <a:fillRef idx="0">
-            <a:schemeClr val="dk1"/>
-          </a:fillRef>
-          <a:effectRef idx="2">
-            <a:schemeClr val="dk1"/>
-          </a:effectRef>
-          <a:fontRef idx="minor">
-            <a:schemeClr val="tx1"/>
-          </a:fontRef>
-        </p:style>
-      </p:cxnSp>
-      <p:cxnSp>
-        <p:nvCxnSpPr>
-          <p:cNvPr id="65" name="Connecteur droit 64">
-            <a:extLst>
-              <a:ext uri="{FF2B5EF4-FFF2-40B4-BE49-F238E27FC236}">
-                <a16:creationId xmlns:a16="http://schemas.microsoft.com/office/drawing/2014/main" id="{E6F6B4C5-0E3B-46C9-859D-EE774175D36F}"/>
-              </a:ext>
-            </a:extLst>
-          </p:cNvPr>
-          <p:cNvCxnSpPr>
-            <a:cxnSpLocks/>
-          </p:cNvCxnSpPr>
-          <p:nvPr/>
-        </p:nvCxnSpPr>
-        <p:spPr>
-          <a:xfrm flipH="1">
-            <a:off x="2216372" y="446356"/>
-            <a:ext cx="364332" cy="501657"/>
-          </a:xfrm>
-          <a:prstGeom prst="line">
-            <a:avLst/>
-          </a:prstGeom>
-        </p:spPr>
-        <p:style>
-          <a:lnRef idx="3">
-            <a:schemeClr val="dk1"/>
-          </a:lnRef>
-          <a:fillRef idx="0">
-            <a:schemeClr val="dk1"/>
-          </a:fillRef>
-          <a:effectRef idx="2">
-            <a:schemeClr val="dk1"/>
-          </a:effectRef>
-          <a:fontRef idx="minor">
-            <a:schemeClr val="tx1"/>
-          </a:fontRef>
-        </p:style>
-      </p:cxnSp>
       <p:sp>
         <p:nvSpPr>
-          <p:cNvPr id="2" name="ZoneTexte 1">
-            <a:extLst>
-              <a:ext uri="{FF2B5EF4-FFF2-40B4-BE49-F238E27FC236}">
-                <a16:creationId xmlns:a16="http://schemas.microsoft.com/office/drawing/2014/main" id="{E8762E70-88D2-4566-9A54-94377E9A9CC8}"/>
+          <p:cNvPr id="9" name="ZoneTexte 8">
+            <a:extLst>
+              <a:ext uri="{FF2B5EF4-FFF2-40B4-BE49-F238E27FC236}">
+                <a16:creationId xmlns:a16="http://schemas.microsoft.com/office/drawing/2014/main" id="{82010251-0AD2-4DAA-8E6B-7CA6A2301A9E}"/>
               </a:ext>
             </a:extLst>
           </p:cNvPr>
@@ -12324,8 +11989,8 @@
         </p:nvSpPr>
         <p:spPr>
           <a:xfrm>
-            <a:off x="3724451" y="479953"/>
-            <a:ext cx="4743098" cy="769441"/>
+            <a:off x="3610620" y="537156"/>
+            <a:ext cx="4970760" cy="769441"/>
           </a:xfrm>
           <a:prstGeom prst="rect">
             <a:avLst/>
@@ -12338,295 +12003,89 @@
           </a:bodyPr>
           <a:lstStyle/>
           <a:p>
+            <a:pPr marL="0" marR="0" lvl="0" indent="0" algn="ctr" defTabSz="914400" rtl="0" eaLnBrk="1" fontAlgn="auto" latinLnBrk="0" hangingPunct="1">
+              <a:lnSpc>
+                <a:spcPct val="100000"/>
+              </a:lnSpc>
+              <a:spcBef>
+                <a:spcPts val="0"/>
+              </a:spcBef>
+              <a:spcAft>
+                <a:spcPts val="0"/>
+              </a:spcAft>
+              <a:buClrTx/>
+              <a:buSzTx/>
+              <a:buFontTx/>
+              <a:buNone/>
+              <a:tabLst/>
+              <a:defRPr/>
+            </a:pPr>
             <a:r>
-              <a:rPr lang="fr-FR" sz="4400" dirty="0">
+              <a:rPr kumimoji="0" lang="fr-FR" sz="4400" b="0" i="0" u="none" strike="noStrike" kern="1200" cap="none" spc="0" normalizeH="0" baseline="0" noProof="0" dirty="0">
+                <a:ln>
+                  <a:noFill/>
+                </a:ln>
+                <a:solidFill>
+                  <a:prstClr val="black"/>
+                </a:solidFill>
+                <a:effectLst/>
+                <a:uLnTx/>
+                <a:uFillTx/>
                 <a:latin typeface="Berlin Sans FB" panose="020E0602020502020306" pitchFamily="34" charset="0"/>
+                <a:ea typeface="+mn-ea"/>
+                <a:cs typeface="+mn-cs"/>
               </a:rPr>
-              <a:t>Schéma de câblage</a:t>
+              <a:t>Test du </a:t>
             </a:r>
+            <a:r>
+              <a:rPr kumimoji="0" lang="fr-FR" sz="4400" b="0" i="0" u="none" strike="noStrike" kern="1200" cap="none" spc="0" normalizeH="0" baseline="0" noProof="0" dirty="0" err="1">
+                <a:ln>
+                  <a:noFill/>
+                </a:ln>
+                <a:solidFill>
+                  <a:prstClr val="black"/>
+                </a:solidFill>
+                <a:effectLst/>
+                <a:uLnTx/>
+                <a:uFillTx/>
+                <a:latin typeface="Berlin Sans FB" panose="020E0602020502020306" pitchFamily="34" charset="0"/>
+                <a:ea typeface="+mn-ea"/>
+                <a:cs typeface="+mn-cs"/>
+              </a:rPr>
+              <a:t>solarimètre</a:t>
+            </a:r>
+            <a:endParaRPr kumimoji="0" lang="fr-FR" sz="4400" b="0" i="0" u="none" strike="noStrike" kern="1200" cap="none" spc="0" normalizeH="0" baseline="0" noProof="0" dirty="0">
+              <a:ln>
+                <a:noFill/>
+              </a:ln>
+              <a:solidFill>
+                <a:prstClr val="black"/>
+              </a:solidFill>
+              <a:effectLst/>
+              <a:uLnTx/>
+              <a:uFillTx/>
+              <a:latin typeface="Berlin Sans FB" panose="020E0602020502020306" pitchFamily="34" charset="0"/>
+              <a:ea typeface="+mn-ea"/>
+              <a:cs typeface="+mn-cs"/>
+            </a:endParaRPr>
           </a:p>
         </p:txBody>
       </p:sp>
       <p:sp>
         <p:nvSpPr>
-          <p:cNvPr id="7" name="ZoneTexte 6">
-            <a:extLst>
-              <a:ext uri="{FF2B5EF4-FFF2-40B4-BE49-F238E27FC236}">
-                <a16:creationId xmlns:a16="http://schemas.microsoft.com/office/drawing/2014/main" id="{576F8507-5DF6-48C0-B58E-23A9FA051E5F}"/>
-              </a:ext>
-            </a:extLst>
-          </p:cNvPr>
-          <p:cNvSpPr txBox="1"/>
+          <p:cNvPr id="21" name="Chevron 27">
+            <a:extLst>
+              <a:ext uri="{FF2B5EF4-FFF2-40B4-BE49-F238E27FC236}">
+                <a16:creationId xmlns:a16="http://schemas.microsoft.com/office/drawing/2014/main" id="{BBE2CCB7-140E-4E17-B8D3-566216A5CA99}"/>
+              </a:ext>
+            </a:extLst>
+          </p:cNvPr>
+          <p:cNvSpPr/>
           <p:nvPr/>
         </p:nvSpPr>
         <p:spPr>
           <a:xfrm>
-            <a:off x="2786946" y="5639919"/>
-            <a:ext cx="2314673" cy="646331"/>
-          </a:xfrm>
-          <a:prstGeom prst="rect">
-            <a:avLst/>
-          </a:prstGeom>
-          <a:noFill/>
-        </p:spPr>
-        <p:txBody>
-          <a:bodyPr wrap="square" rtlCol="0">
-            <a:spAutoFit/>
-          </a:bodyPr>
-          <a:lstStyle/>
-          <a:p>
-            <a:pPr algn="ctr"/>
-            <a:r>
-              <a:rPr lang="fr-FR" i="1" dirty="0">
-                <a:solidFill>
-                  <a:schemeClr val="tx1">
-                    <a:lumMod val="50000"/>
-                    <a:lumOff val="50000"/>
-                  </a:schemeClr>
-                </a:solidFill>
-              </a:rPr>
-              <a:t>Arduino à la Raspberry</a:t>
-            </a:r>
-          </a:p>
-          <a:p>
-            <a:pPr algn="ctr"/>
-            <a:r>
-              <a:rPr lang="fr-FR" i="1" dirty="0">
-                <a:solidFill>
-                  <a:schemeClr val="tx1">
-                    <a:lumMod val="50000"/>
-                    <a:lumOff val="50000"/>
-                  </a:schemeClr>
-                </a:solidFill>
-              </a:rPr>
-              <a:t>Solution 1</a:t>
-            </a:r>
-          </a:p>
-        </p:txBody>
-      </p:sp>
-      <p:pic>
-        <p:nvPicPr>
-          <p:cNvPr id="27" name="Image 26" descr="Une image contenant équipement électronique, circuit&#10;&#10;Description générée avec un niveau de confiance très élevé">
-            <a:extLst>
-              <a:ext uri="{FF2B5EF4-FFF2-40B4-BE49-F238E27FC236}">
-                <a16:creationId xmlns:a16="http://schemas.microsoft.com/office/drawing/2014/main" id="{DBA050FF-C656-405F-BA86-E3D4A972E99A}"/>
-              </a:ext>
-            </a:extLst>
-          </p:cNvPr>
-          <p:cNvPicPr>
-            <a:picLocks noChangeAspect="1"/>
-          </p:cNvPicPr>
-          <p:nvPr/>
-        </p:nvPicPr>
-        <p:blipFill>
-          <a:blip r:embed="rId4">
-            <a:extLst>
-              <a:ext uri="{28A0092B-C50C-407E-A947-70E740481C1C}">
-                <a14:useLocalDpi xmlns:a14="http://schemas.microsoft.com/office/drawing/2010/main" val="0"/>
-              </a:ext>
-            </a:extLst>
-          </a:blip>
-          <a:stretch>
-            <a:fillRect/>
-          </a:stretch>
-        </p:blipFill>
-        <p:spPr>
-          <a:xfrm>
-            <a:off x="1196144" y="1733093"/>
-            <a:ext cx="5056613" cy="3792460"/>
-          </a:xfrm>
-          <a:prstGeom prst="rect">
-            <a:avLst/>
-          </a:prstGeom>
-        </p:spPr>
-      </p:pic>
-      <p:pic>
-        <p:nvPicPr>
-          <p:cNvPr id="28" name="Image 27" descr="Une image contenant équipement électronique, circuit&#10;&#10;Description générée avec un niveau de confiance très élevé">
-            <a:extLst>
-              <a:ext uri="{FF2B5EF4-FFF2-40B4-BE49-F238E27FC236}">
-                <a16:creationId xmlns:a16="http://schemas.microsoft.com/office/drawing/2014/main" id="{169E8B7E-1F55-452F-BC96-F1749FD9BE9B}"/>
-              </a:ext>
-            </a:extLst>
-          </p:cNvPr>
-          <p:cNvPicPr>
-            <a:picLocks noChangeAspect="1"/>
-          </p:cNvPicPr>
-          <p:nvPr/>
-        </p:nvPicPr>
-        <p:blipFill>
-          <a:blip r:embed="rId5">
-            <a:extLst>
-              <a:ext uri="{28A0092B-C50C-407E-A947-70E740481C1C}">
-                <a14:useLocalDpi xmlns:a14="http://schemas.microsoft.com/office/drawing/2010/main" val="0"/>
-              </a:ext>
-            </a:extLst>
-          </a:blip>
-          <a:stretch>
-            <a:fillRect/>
-          </a:stretch>
-        </p:blipFill>
-        <p:spPr>
-          <a:xfrm>
-            <a:off x="6190619" y="1733095"/>
-            <a:ext cx="5056612" cy="3792458"/>
-          </a:xfrm>
-          <a:prstGeom prst="rect">
-            <a:avLst/>
-          </a:prstGeom>
-        </p:spPr>
-      </p:pic>
-      <p:sp>
-        <p:nvSpPr>
-          <p:cNvPr id="29" name="ZoneTexte 28">
-            <a:extLst>
-              <a:ext uri="{FF2B5EF4-FFF2-40B4-BE49-F238E27FC236}">
-                <a16:creationId xmlns:a16="http://schemas.microsoft.com/office/drawing/2014/main" id="{A3E32818-57C2-4E5D-BF6A-C7EF59B7224D}"/>
-              </a:ext>
-            </a:extLst>
-          </p:cNvPr>
-          <p:cNvSpPr txBox="1"/>
-          <p:nvPr/>
-        </p:nvSpPr>
-        <p:spPr>
-          <a:xfrm>
-            <a:off x="7428530" y="5639920"/>
-            <a:ext cx="2314673" cy="646331"/>
-          </a:xfrm>
-          <a:prstGeom prst="rect">
-            <a:avLst/>
-          </a:prstGeom>
-          <a:noFill/>
-        </p:spPr>
-        <p:txBody>
-          <a:bodyPr wrap="square" rtlCol="0">
-            <a:spAutoFit/>
-          </a:bodyPr>
-          <a:lstStyle/>
-          <a:p>
-            <a:pPr algn="ctr"/>
-            <a:r>
-              <a:rPr lang="fr-FR" i="1" dirty="0">
-                <a:solidFill>
-                  <a:schemeClr val="tx1">
-                    <a:lumMod val="50000"/>
-                    <a:lumOff val="50000"/>
-                  </a:schemeClr>
-                </a:solidFill>
-              </a:rPr>
-              <a:t>Arduino à la Raspberry</a:t>
-            </a:r>
-          </a:p>
-          <a:p>
-            <a:pPr algn="ctr"/>
-            <a:r>
-              <a:rPr lang="fr-FR" i="1" dirty="0">
-                <a:solidFill>
-                  <a:schemeClr val="tx1">
-                    <a:lumMod val="50000"/>
-                    <a:lumOff val="50000"/>
-                  </a:schemeClr>
-                </a:solidFill>
-              </a:rPr>
-              <a:t>Solution 2</a:t>
-            </a:r>
-          </a:p>
-        </p:txBody>
-      </p:sp>
-      <p:pic>
-        <p:nvPicPr>
-          <p:cNvPr id="4" name="Image 3">
-            <a:extLst>
-              <a:ext uri="{FF2B5EF4-FFF2-40B4-BE49-F238E27FC236}">
-                <a16:creationId xmlns:a16="http://schemas.microsoft.com/office/drawing/2014/main" id="{1FB83829-ABAD-4494-8E6B-8FE799334243}"/>
-              </a:ext>
-            </a:extLst>
-          </p:cNvPr>
-          <p:cNvPicPr>
-            <a:picLocks noChangeAspect="1"/>
-          </p:cNvPicPr>
-          <p:nvPr/>
-        </p:nvPicPr>
-        <p:blipFill>
-          <a:blip r:embed="rId6">
-            <a:extLst>
-              <a:ext uri="{28A0092B-C50C-407E-A947-70E740481C1C}">
-                <a14:useLocalDpi xmlns:a14="http://schemas.microsoft.com/office/drawing/2010/main" val="0"/>
-              </a:ext>
-            </a:extLst>
-          </a:blip>
-          <a:stretch>
-            <a:fillRect/>
-          </a:stretch>
-        </p:blipFill>
-        <p:spPr>
-          <a:xfrm>
-            <a:off x="5174732" y="4626747"/>
-            <a:ext cx="543101" cy="501657"/>
-          </a:xfrm>
-          <a:prstGeom prst="rect">
-            <a:avLst/>
-          </a:prstGeom>
-        </p:spPr>
-      </p:pic>
-      <p:sp>
-        <p:nvSpPr>
-          <p:cNvPr id="31" name="ZoneTexte 30">
-            <a:extLst>
-              <a:ext uri="{FF2B5EF4-FFF2-40B4-BE49-F238E27FC236}">
-                <a16:creationId xmlns:a16="http://schemas.microsoft.com/office/drawing/2014/main" id="{25A32223-6EF1-4E00-A2AD-78866120EFF2}"/>
-              </a:ext>
-            </a:extLst>
-          </p:cNvPr>
-          <p:cNvSpPr txBox="1"/>
-          <p:nvPr/>
-        </p:nvSpPr>
-        <p:spPr>
-          <a:xfrm>
-            <a:off x="4639809" y="5156221"/>
-            <a:ext cx="1612948" cy="369332"/>
-          </a:xfrm>
-          <a:prstGeom prst="rect">
-            <a:avLst/>
-          </a:prstGeom>
-          <a:noFill/>
-        </p:spPr>
-        <p:txBody>
-          <a:bodyPr wrap="square" rtlCol="0">
-            <a:spAutoFit/>
-          </a:bodyPr>
-          <a:lstStyle/>
-          <a:p>
-            <a:pPr algn="ctr"/>
-            <a:r>
-              <a:rPr lang="fr-FR" b="1" dirty="0">
-                <a:solidFill>
-                  <a:schemeClr val="tx1">
-                    <a:lumMod val="50000"/>
-                    <a:lumOff val="50000"/>
-                  </a:schemeClr>
-                </a:solidFill>
-              </a:rPr>
-              <a:t>Encapsulation</a:t>
-            </a:r>
-          </a:p>
-        </p:txBody>
-      </p:sp>
-      <p:sp>
-        <p:nvSpPr>
-          <p:cNvPr id="30" name="Chevron 27">
-            <a:extLst>
-              <a:ext uri="{FF2B5EF4-FFF2-40B4-BE49-F238E27FC236}">
-                <a16:creationId xmlns:a16="http://schemas.microsoft.com/office/drawing/2014/main" id="{7C7D6AB1-CCBE-4344-964F-FAC13C429260}"/>
-              </a:ext>
-            </a:extLst>
-          </p:cNvPr>
-          <p:cNvSpPr/>
-          <p:nvPr/>
-        </p:nvSpPr>
-        <p:spPr>
-          <a:xfrm>
-            <a:off x="6644164" y="6326658"/>
+            <a:off x="5749495" y="6326658"/>
             <a:ext cx="1528493" cy="247736"/>
           </a:xfrm>
           <a:prstGeom prst="chevron">
@@ -12675,10 +12134,10 @@
       </p:sp>
       <p:sp>
         <p:nvSpPr>
-          <p:cNvPr id="33" name="Chevron 27">
-            <a:extLst>
-              <a:ext uri="{FF2B5EF4-FFF2-40B4-BE49-F238E27FC236}">
-                <a16:creationId xmlns:a16="http://schemas.microsoft.com/office/drawing/2014/main" id="{6C7023E4-8F49-46C0-A3EC-50B30E8BAD1A}"/>
+          <p:cNvPr id="27" name="Chevron 27">
+            <a:extLst>
+              <a:ext uri="{FF2B5EF4-FFF2-40B4-BE49-F238E27FC236}">
+                <a16:creationId xmlns:a16="http://schemas.microsoft.com/office/drawing/2014/main" id="{C21549B6-DA3A-4FA9-AE68-A5CD02E4FFEC}"/>
               </a:ext>
             </a:extLst>
           </p:cNvPr>
@@ -12731,10 +12190,10 @@
       </p:sp>
       <p:sp>
         <p:nvSpPr>
-          <p:cNvPr id="34" name="Chevron 27">
-            <a:extLst>
-              <a:ext uri="{FF2B5EF4-FFF2-40B4-BE49-F238E27FC236}">
-                <a16:creationId xmlns:a16="http://schemas.microsoft.com/office/drawing/2014/main" id="{4B3DF106-4962-4B0E-BC5F-A6BFD1F27198}"/>
+          <p:cNvPr id="28" name="Chevron 27">
+            <a:extLst>
+              <a:ext uri="{FF2B5EF4-FFF2-40B4-BE49-F238E27FC236}">
+                <a16:creationId xmlns:a16="http://schemas.microsoft.com/office/drawing/2014/main" id="{D41FC679-94DE-4891-8715-EF049C706DA3}"/>
               </a:ext>
             </a:extLst>
           </p:cNvPr>
@@ -12787,10 +12246,10 @@
       </p:sp>
       <p:sp>
         <p:nvSpPr>
-          <p:cNvPr id="35" name="Chevron 27">
-            <a:extLst>
-              <a:ext uri="{FF2B5EF4-FFF2-40B4-BE49-F238E27FC236}">
-                <a16:creationId xmlns:a16="http://schemas.microsoft.com/office/drawing/2014/main" id="{C75AD9A8-9F67-4506-B055-9EF8F467E9FF}"/>
+          <p:cNvPr id="29" name="Chevron 27">
+            <a:extLst>
+              <a:ext uri="{FF2B5EF4-FFF2-40B4-BE49-F238E27FC236}">
+                <a16:creationId xmlns:a16="http://schemas.microsoft.com/office/drawing/2014/main" id="{AB6CB836-2547-4F7C-A62B-DFE6EA888AD9}"/>
               </a:ext>
             </a:extLst>
           </p:cNvPr>
@@ -12843,10 +12302,10 @@
       </p:sp>
       <p:sp>
         <p:nvSpPr>
-          <p:cNvPr id="36" name="Chevron 27">
-            <a:extLst>
-              <a:ext uri="{FF2B5EF4-FFF2-40B4-BE49-F238E27FC236}">
-                <a16:creationId xmlns:a16="http://schemas.microsoft.com/office/drawing/2014/main" id="{8B322EE0-391B-423B-8B31-9F05B302E438}"/>
+          <p:cNvPr id="30" name="Chevron 27">
+            <a:extLst>
+              <a:ext uri="{FF2B5EF4-FFF2-40B4-BE49-F238E27FC236}">
+                <a16:creationId xmlns:a16="http://schemas.microsoft.com/office/drawing/2014/main" id="{68A7C575-3CDA-4362-84B2-009DB66090C5}"/>
               </a:ext>
             </a:extLst>
           </p:cNvPr>
@@ -12899,10 +12358,10 @@
       </p:sp>
       <p:sp>
         <p:nvSpPr>
-          <p:cNvPr id="37" name="Chevron 27">
-            <a:extLst>
-              <a:ext uri="{FF2B5EF4-FFF2-40B4-BE49-F238E27FC236}">
-                <a16:creationId xmlns:a16="http://schemas.microsoft.com/office/drawing/2014/main" id="{02FB0F8F-0E8B-4A13-8AF6-ED0A3478B504}"/>
+          <p:cNvPr id="31" name="Chevron 27">
+            <a:extLst>
+              <a:ext uri="{FF2B5EF4-FFF2-40B4-BE49-F238E27FC236}">
+                <a16:creationId xmlns:a16="http://schemas.microsoft.com/office/drawing/2014/main" id="{6F09ABD1-2A6D-4921-87A8-2FEDC1FB89AC}"/>
               </a:ext>
             </a:extLst>
           </p:cNvPr>
@@ -12955,10 +12414,10 @@
       </p:sp>
       <p:sp>
         <p:nvSpPr>
-          <p:cNvPr id="38" name="Chevron 27">
-            <a:extLst>
-              <a:ext uri="{FF2B5EF4-FFF2-40B4-BE49-F238E27FC236}">
-                <a16:creationId xmlns:a16="http://schemas.microsoft.com/office/drawing/2014/main" id="{65EAC1D6-D21C-44BB-B6EC-C3729EC3C3D0}"/>
+          <p:cNvPr id="33" name="Chevron 27">
+            <a:extLst>
+              <a:ext uri="{FF2B5EF4-FFF2-40B4-BE49-F238E27FC236}">
+                <a16:creationId xmlns:a16="http://schemas.microsoft.com/office/drawing/2014/main" id="{D60BE564-FCD0-4F37-A175-525B7DDD5AEE}"/>
               </a:ext>
             </a:extLst>
           </p:cNvPr>
@@ -13011,10 +12470,10 @@
       </p:sp>
       <p:sp>
         <p:nvSpPr>
-          <p:cNvPr id="39" name="Chevron 27">
-            <a:extLst>
-              <a:ext uri="{FF2B5EF4-FFF2-40B4-BE49-F238E27FC236}">
-                <a16:creationId xmlns:a16="http://schemas.microsoft.com/office/drawing/2014/main" id="{C76F8248-02D1-4257-8401-9583C53FEA0A}"/>
+          <p:cNvPr id="34" name="Chevron 27">
+            <a:extLst>
+              <a:ext uri="{FF2B5EF4-FFF2-40B4-BE49-F238E27FC236}">
+                <a16:creationId xmlns:a16="http://schemas.microsoft.com/office/drawing/2014/main" id="{27A4B971-84CC-49E8-A864-7484C8B53EC2}"/>
               </a:ext>
             </a:extLst>
           </p:cNvPr>
@@ -13023,7 +12482,7 @@
         </p:nvSpPr>
         <p:spPr>
           <a:xfrm>
-            <a:off x="5767224" y="6317891"/>
+            <a:off x="7379689" y="6317891"/>
             <a:ext cx="796323" cy="247736"/>
           </a:xfrm>
           <a:prstGeom prst="chevron">
@@ -13067,10 +12526,10 @@
       </p:sp>
       <p:sp>
         <p:nvSpPr>
-          <p:cNvPr id="40" name="Chevron 27">
-            <a:extLst>
-              <a:ext uri="{FF2B5EF4-FFF2-40B4-BE49-F238E27FC236}">
-                <a16:creationId xmlns:a16="http://schemas.microsoft.com/office/drawing/2014/main" id="{27945FAB-33C2-4720-8F79-6CFA16DD6AAE}"/>
+          <p:cNvPr id="35" name="Chevron 27">
+            <a:extLst>
+              <a:ext uri="{FF2B5EF4-FFF2-40B4-BE49-F238E27FC236}">
+                <a16:creationId xmlns:a16="http://schemas.microsoft.com/office/drawing/2014/main" id="{18058C96-61B2-4EEE-AE15-97852950F08E}"/>
               </a:ext>
             </a:extLst>
           </p:cNvPr>
@@ -13123,10 +12582,10 @@
       </p:sp>
       <p:sp>
         <p:nvSpPr>
-          <p:cNvPr id="41" name="Chevron 27">
-            <a:extLst>
-              <a:ext uri="{FF2B5EF4-FFF2-40B4-BE49-F238E27FC236}">
-                <a16:creationId xmlns:a16="http://schemas.microsoft.com/office/drawing/2014/main" id="{E461D0E2-F6C0-4ED4-91FC-B59583319BD2}"/>
+          <p:cNvPr id="36" name="Chevron 27">
+            <a:extLst>
+              <a:ext uri="{FF2B5EF4-FFF2-40B4-BE49-F238E27FC236}">
+                <a16:creationId xmlns:a16="http://schemas.microsoft.com/office/drawing/2014/main" id="{4FC16470-9C51-4515-89BA-12C6DB1251F0}"/>
               </a:ext>
             </a:extLst>
           </p:cNvPr>
@@ -13179,10 +12638,10 @@
       </p:sp>
       <p:sp>
         <p:nvSpPr>
-          <p:cNvPr id="42" name="Chevron 27">
-            <a:extLst>
-              <a:ext uri="{FF2B5EF4-FFF2-40B4-BE49-F238E27FC236}">
-                <a16:creationId xmlns:a16="http://schemas.microsoft.com/office/drawing/2014/main" id="{4373AC13-A437-4C90-970B-F02B19FC5E0A}"/>
+          <p:cNvPr id="37" name="Chevron 27">
+            <a:extLst>
+              <a:ext uri="{FF2B5EF4-FFF2-40B4-BE49-F238E27FC236}">
+                <a16:creationId xmlns:a16="http://schemas.microsoft.com/office/drawing/2014/main" id="{5F099764-FECF-43E7-99A0-185608B51ECD}"/>
               </a:ext>
             </a:extLst>
           </p:cNvPr>
@@ -13235,10 +12694,10 @@
       </p:sp>
       <p:sp>
         <p:nvSpPr>
-          <p:cNvPr id="43" name="Chevron 27">
-            <a:extLst>
-              <a:ext uri="{FF2B5EF4-FFF2-40B4-BE49-F238E27FC236}">
-                <a16:creationId xmlns:a16="http://schemas.microsoft.com/office/drawing/2014/main" id="{4E4E8B53-0ED4-45D5-9AD7-3B50EFB0271A}"/>
+          <p:cNvPr id="38" name="Chevron 27">
+            <a:extLst>
+              <a:ext uri="{FF2B5EF4-FFF2-40B4-BE49-F238E27FC236}">
+                <a16:creationId xmlns:a16="http://schemas.microsoft.com/office/drawing/2014/main" id="{BA637B75-BC1C-4449-82B5-49811B52CBB1}"/>
               </a:ext>
             </a:extLst>
           </p:cNvPr>
@@ -13289,10 +12748,148 @@
           </a:p>
         </p:txBody>
       </p:sp>
+      <p:pic>
+        <p:nvPicPr>
+          <p:cNvPr id="3" name="Image 2" descr="Une image contenant intérieur, table&#10;&#10;Description générée avec un niveau de confiance élevé">
+            <a:extLst>
+              <a:ext uri="{FF2B5EF4-FFF2-40B4-BE49-F238E27FC236}">
+                <a16:creationId xmlns:a16="http://schemas.microsoft.com/office/drawing/2014/main" id="{EEE10667-1DA1-4EE0-BD61-8F0169DAF724}"/>
+              </a:ext>
+            </a:extLst>
+          </p:cNvPr>
+          <p:cNvPicPr>
+            <a:picLocks noChangeAspect="1"/>
+          </p:cNvPicPr>
+          <p:nvPr/>
+        </p:nvPicPr>
+        <p:blipFill>
+          <a:blip r:embed="rId4">
+            <a:extLst>
+              <a:ext uri="{28A0092B-C50C-407E-A947-70E740481C1C}">
+                <a14:useLocalDpi xmlns:a14="http://schemas.microsoft.com/office/drawing/2010/main" val="0"/>
+              </a:ext>
+            </a:extLst>
+          </a:blip>
+          <a:stretch>
+            <a:fillRect/>
+          </a:stretch>
+        </p:blipFill>
+        <p:spPr>
+          <a:xfrm>
+            <a:off x="1200753" y="1662418"/>
+            <a:ext cx="2859703" cy="3805432"/>
+          </a:xfrm>
+          <a:prstGeom prst="rect">
+            <a:avLst/>
+          </a:prstGeom>
+          <a:ln>
+            <a:noFill/>
+          </a:ln>
+          <a:effectLst>
+            <a:outerShdw blurRad="292100" dist="139700" dir="2700000" algn="tl" rotWithShape="0">
+              <a:srgbClr val="333333">
+                <a:alpha val="65000"/>
+              </a:srgbClr>
+            </a:outerShdw>
+          </a:effectLst>
+        </p:spPr>
+      </p:pic>
+      <p:pic>
+        <p:nvPicPr>
+          <p:cNvPr id="7" name="Image 6" descr="Une image contenant périphérique&#10;&#10;Description générée avec un niveau de confiance élevé">
+            <a:extLst>
+              <a:ext uri="{FF2B5EF4-FFF2-40B4-BE49-F238E27FC236}">
+                <a16:creationId xmlns:a16="http://schemas.microsoft.com/office/drawing/2014/main" id="{13BE6C23-F343-429C-BBEE-551E924F85AC}"/>
+              </a:ext>
+            </a:extLst>
+          </p:cNvPr>
+          <p:cNvPicPr>
+            <a:picLocks noChangeAspect="1"/>
+          </p:cNvPicPr>
+          <p:nvPr/>
+        </p:nvPicPr>
+        <p:blipFill>
+          <a:blip r:embed="rId5">
+            <a:extLst>
+              <a:ext uri="{28A0092B-C50C-407E-A947-70E740481C1C}">
+                <a14:useLocalDpi xmlns:a14="http://schemas.microsoft.com/office/drawing/2010/main" val="0"/>
+              </a:ext>
+            </a:extLst>
+          </a:blip>
+          <a:stretch>
+            <a:fillRect/>
+          </a:stretch>
+        </p:blipFill>
+        <p:spPr>
+          <a:xfrm>
+            <a:off x="5025657" y="2229799"/>
+            <a:ext cx="1924612" cy="2670669"/>
+          </a:xfrm>
+          <a:prstGeom prst="rect">
+            <a:avLst/>
+          </a:prstGeom>
+          <a:ln>
+            <a:noFill/>
+          </a:ln>
+          <a:effectLst>
+            <a:outerShdw blurRad="292100" dist="139700" dir="2700000" algn="tl" rotWithShape="0">
+              <a:srgbClr val="333333">
+                <a:alpha val="65000"/>
+              </a:srgbClr>
+            </a:outerShdw>
+          </a:effectLst>
+        </p:spPr>
+      </p:pic>
+      <p:pic>
+        <p:nvPicPr>
+          <p:cNvPr id="12" name="Image 11" descr="Une image contenant capture d’écran&#10;&#10;Description générée avec un niveau de confiance très élevé">
+            <a:extLst>
+              <a:ext uri="{FF2B5EF4-FFF2-40B4-BE49-F238E27FC236}">
+                <a16:creationId xmlns:a16="http://schemas.microsoft.com/office/drawing/2014/main" id="{FAF92E3E-DF11-4DB6-9C78-F4C46106257D}"/>
+              </a:ext>
+            </a:extLst>
+          </p:cNvPr>
+          <p:cNvPicPr>
+            <a:picLocks noChangeAspect="1"/>
+          </p:cNvPicPr>
+          <p:nvPr/>
+        </p:nvPicPr>
+        <p:blipFill>
+          <a:blip r:embed="rId6">
+            <a:extLst>
+              <a:ext uri="{28A0092B-C50C-407E-A947-70E740481C1C}">
+                <a14:useLocalDpi xmlns:a14="http://schemas.microsoft.com/office/drawing/2010/main" val="0"/>
+              </a:ext>
+            </a:extLst>
+          </a:blip>
+          <a:stretch>
+            <a:fillRect/>
+          </a:stretch>
+        </p:blipFill>
+        <p:spPr>
+          <a:xfrm>
+            <a:off x="8131546" y="2076969"/>
+            <a:ext cx="2240865" cy="2976328"/>
+          </a:xfrm>
+          <a:prstGeom prst="rect">
+            <a:avLst/>
+          </a:prstGeom>
+          <a:ln>
+            <a:noFill/>
+          </a:ln>
+          <a:effectLst>
+            <a:outerShdw blurRad="292100" dist="139700" dir="2700000" algn="tl" rotWithShape="0">
+              <a:srgbClr val="333333">
+                <a:alpha val="65000"/>
+              </a:srgbClr>
+            </a:outerShdw>
+          </a:effectLst>
+        </p:spPr>
+      </p:pic>
     </p:spTree>
     <p:extLst>
       <p:ext uri="{BB962C8B-B14F-4D97-AF65-F5344CB8AC3E}">
-        <p14:creationId xmlns:p14="http://schemas.microsoft.com/office/powerpoint/2010/main" val="4293470173"/>
+        <p14:creationId xmlns:p14="http://schemas.microsoft.com/office/powerpoint/2010/main" val="1159537092"/>
       </p:ext>
     </p:extLst>
   </p:cSld>
@@ -14085,47 +13682,12 @@
           </a:fontRef>
         </p:style>
       </p:cxnSp>
-      <p:pic>
-        <p:nvPicPr>
-          <p:cNvPr id="33" name="Image 32">
-            <a:extLst>
-              <a:ext uri="{FF2B5EF4-FFF2-40B4-BE49-F238E27FC236}">
-                <a16:creationId xmlns:a16="http://schemas.microsoft.com/office/drawing/2014/main" id="{403CB0DA-52DA-40AC-9C3C-DEF6A3723A50}"/>
-              </a:ext>
-            </a:extLst>
-          </p:cNvPr>
-          <p:cNvPicPr>
-            <a:picLocks noChangeAspect="1"/>
-          </p:cNvPicPr>
-          <p:nvPr/>
-        </p:nvPicPr>
-        <p:blipFill rotWithShape="1">
-          <a:blip r:embed="rId4">
-            <a:extLst>
-              <a:ext uri="{28A0092B-C50C-407E-A947-70E740481C1C}">
-                <a14:useLocalDpi xmlns:a14="http://schemas.microsoft.com/office/drawing/2010/main" val="0"/>
-              </a:ext>
-            </a:extLst>
-          </a:blip>
-          <a:srcRect l="10900" t="1936" r="7840" b="12527"/>
-          <a:stretch/>
-        </p:blipFill>
-        <p:spPr>
-          <a:xfrm>
-            <a:off x="5744767" y="1314426"/>
-            <a:ext cx="5040541" cy="3979375"/>
-          </a:xfrm>
-          <a:prstGeom prst="rect">
-            <a:avLst/>
-          </a:prstGeom>
-        </p:spPr>
-      </p:pic>
       <p:sp>
         <p:nvSpPr>
-          <p:cNvPr id="34" name="ZoneTexte 33">
-            <a:extLst>
-              <a:ext uri="{FF2B5EF4-FFF2-40B4-BE49-F238E27FC236}">
-                <a16:creationId xmlns:a16="http://schemas.microsoft.com/office/drawing/2014/main" id="{34BE5FA5-D0FF-4142-BC97-AA7ABE10F555}"/>
+          <p:cNvPr id="2" name="ZoneTexte 1">
+            <a:extLst>
+              <a:ext uri="{FF2B5EF4-FFF2-40B4-BE49-F238E27FC236}">
+                <a16:creationId xmlns:a16="http://schemas.microsoft.com/office/drawing/2014/main" id="{E8762E70-88D2-4566-9A54-94377E9A9CC8}"/>
               </a:ext>
             </a:extLst>
           </p:cNvPr>
@@ -14134,8 +13696,45 @@
         </p:nvSpPr>
         <p:spPr>
           <a:xfrm>
-            <a:off x="7107700" y="5289689"/>
-            <a:ext cx="2314673" cy="369332"/>
+            <a:off x="3724451" y="479953"/>
+            <a:ext cx="4743098" cy="769441"/>
+          </a:xfrm>
+          <a:prstGeom prst="rect">
+            <a:avLst/>
+          </a:prstGeom>
+          <a:noFill/>
+        </p:spPr>
+        <p:txBody>
+          <a:bodyPr wrap="square" rtlCol="0">
+            <a:spAutoFit/>
+          </a:bodyPr>
+          <a:lstStyle/>
+          <a:p>
+            <a:r>
+              <a:rPr lang="fr-FR" sz="4400" dirty="0">
+                <a:latin typeface="Berlin Sans FB" panose="020E0602020502020306" pitchFamily="34" charset="0"/>
+              </a:rPr>
+              <a:t>Schéma de câblage</a:t>
+            </a:r>
+          </a:p>
+        </p:txBody>
+      </p:sp>
+      <p:sp>
+        <p:nvSpPr>
+          <p:cNvPr id="7" name="ZoneTexte 6">
+            <a:extLst>
+              <a:ext uri="{FF2B5EF4-FFF2-40B4-BE49-F238E27FC236}">
+                <a16:creationId xmlns:a16="http://schemas.microsoft.com/office/drawing/2014/main" id="{576F8507-5DF6-48C0-B58E-23A9FA051E5F}"/>
+              </a:ext>
+            </a:extLst>
+          </p:cNvPr>
+          <p:cNvSpPr txBox="1"/>
+          <p:nvPr/>
+        </p:nvSpPr>
+        <p:spPr>
+          <a:xfrm>
+            <a:off x="2786946" y="5639919"/>
+            <a:ext cx="2314673" cy="646331"/>
           </a:xfrm>
           <a:prstGeom prst="rect">
             <a:avLst/>
@@ -14158,17 +13757,239 @@
                   </a:schemeClr>
                 </a:solidFill>
               </a:rPr>
-              <a:t>Boucle 4-20 mA</a:t>
+              <a:t>Arduino à la Raspberry</a:t>
+            </a:r>
+          </a:p>
+          <a:p>
+            <a:pPr algn="ctr"/>
+            <a:r>
+              <a:rPr lang="fr-FR" i="1" dirty="0">
+                <a:solidFill>
+                  <a:schemeClr val="tx1">
+                    <a:lumMod val="50000"/>
+                    <a:lumOff val="50000"/>
+                  </a:schemeClr>
+                </a:solidFill>
+              </a:rPr>
+              <a:t>Solution 1</a:t>
+            </a:r>
+          </a:p>
+        </p:txBody>
+      </p:sp>
+      <p:pic>
+        <p:nvPicPr>
+          <p:cNvPr id="27" name="Image 26" descr="Une image contenant équipement électronique, circuit&#10;&#10;Description générée avec un niveau de confiance très élevé">
+            <a:extLst>
+              <a:ext uri="{FF2B5EF4-FFF2-40B4-BE49-F238E27FC236}">
+                <a16:creationId xmlns:a16="http://schemas.microsoft.com/office/drawing/2014/main" id="{DBA050FF-C656-405F-BA86-E3D4A972E99A}"/>
+              </a:ext>
+            </a:extLst>
+          </p:cNvPr>
+          <p:cNvPicPr>
+            <a:picLocks noChangeAspect="1"/>
+          </p:cNvPicPr>
+          <p:nvPr/>
+        </p:nvPicPr>
+        <p:blipFill>
+          <a:blip r:embed="rId4">
+            <a:extLst>
+              <a:ext uri="{28A0092B-C50C-407E-A947-70E740481C1C}">
+                <a14:useLocalDpi xmlns:a14="http://schemas.microsoft.com/office/drawing/2010/main" val="0"/>
+              </a:ext>
+            </a:extLst>
+          </a:blip>
+          <a:stretch>
+            <a:fillRect/>
+          </a:stretch>
+        </p:blipFill>
+        <p:spPr>
+          <a:xfrm>
+            <a:off x="1196144" y="1733093"/>
+            <a:ext cx="5056613" cy="3792460"/>
+          </a:xfrm>
+          <a:prstGeom prst="rect">
+            <a:avLst/>
+          </a:prstGeom>
+        </p:spPr>
+      </p:pic>
+      <p:pic>
+        <p:nvPicPr>
+          <p:cNvPr id="28" name="Image 27" descr="Une image contenant équipement électronique, circuit&#10;&#10;Description générée avec un niveau de confiance très élevé">
+            <a:extLst>
+              <a:ext uri="{FF2B5EF4-FFF2-40B4-BE49-F238E27FC236}">
+                <a16:creationId xmlns:a16="http://schemas.microsoft.com/office/drawing/2014/main" id="{169E8B7E-1F55-452F-BC96-F1749FD9BE9B}"/>
+              </a:ext>
+            </a:extLst>
+          </p:cNvPr>
+          <p:cNvPicPr>
+            <a:picLocks noChangeAspect="1"/>
+          </p:cNvPicPr>
+          <p:nvPr/>
+        </p:nvPicPr>
+        <p:blipFill>
+          <a:blip r:embed="rId5">
+            <a:extLst>
+              <a:ext uri="{28A0092B-C50C-407E-A947-70E740481C1C}">
+                <a14:useLocalDpi xmlns:a14="http://schemas.microsoft.com/office/drawing/2010/main" val="0"/>
+              </a:ext>
+            </a:extLst>
+          </a:blip>
+          <a:stretch>
+            <a:fillRect/>
+          </a:stretch>
+        </p:blipFill>
+        <p:spPr>
+          <a:xfrm>
+            <a:off x="6190619" y="1733095"/>
+            <a:ext cx="5056612" cy="3792458"/>
+          </a:xfrm>
+          <a:prstGeom prst="rect">
+            <a:avLst/>
+          </a:prstGeom>
+        </p:spPr>
+      </p:pic>
+      <p:sp>
+        <p:nvSpPr>
+          <p:cNvPr id="29" name="ZoneTexte 28">
+            <a:extLst>
+              <a:ext uri="{FF2B5EF4-FFF2-40B4-BE49-F238E27FC236}">
+                <a16:creationId xmlns:a16="http://schemas.microsoft.com/office/drawing/2014/main" id="{A3E32818-57C2-4E5D-BF6A-C7EF59B7224D}"/>
+              </a:ext>
+            </a:extLst>
+          </p:cNvPr>
+          <p:cNvSpPr txBox="1"/>
+          <p:nvPr/>
+        </p:nvSpPr>
+        <p:spPr>
+          <a:xfrm>
+            <a:off x="7428530" y="5639920"/>
+            <a:ext cx="2314673" cy="646331"/>
+          </a:xfrm>
+          <a:prstGeom prst="rect">
+            <a:avLst/>
+          </a:prstGeom>
+          <a:noFill/>
+        </p:spPr>
+        <p:txBody>
+          <a:bodyPr wrap="square" rtlCol="0">
+            <a:spAutoFit/>
+          </a:bodyPr>
+          <a:lstStyle/>
+          <a:p>
+            <a:pPr algn="ctr"/>
+            <a:r>
+              <a:rPr lang="fr-FR" i="1" dirty="0">
+                <a:solidFill>
+                  <a:schemeClr val="tx1">
+                    <a:lumMod val="50000"/>
+                    <a:lumOff val="50000"/>
+                  </a:schemeClr>
+                </a:solidFill>
+              </a:rPr>
+              <a:t>Arduino à la Raspberry</a:t>
+            </a:r>
+          </a:p>
+          <a:p>
+            <a:pPr algn="ctr"/>
+            <a:r>
+              <a:rPr lang="fr-FR" i="1" dirty="0">
+                <a:solidFill>
+                  <a:schemeClr val="tx1">
+                    <a:lumMod val="50000"/>
+                    <a:lumOff val="50000"/>
+                  </a:schemeClr>
+                </a:solidFill>
+              </a:rPr>
+              <a:t>Solution 2</a:t>
+            </a:r>
+          </a:p>
+        </p:txBody>
+      </p:sp>
+      <p:pic>
+        <p:nvPicPr>
+          <p:cNvPr id="4" name="Image 3">
+            <a:extLst>
+              <a:ext uri="{FF2B5EF4-FFF2-40B4-BE49-F238E27FC236}">
+                <a16:creationId xmlns:a16="http://schemas.microsoft.com/office/drawing/2014/main" id="{1FB83829-ABAD-4494-8E6B-8FE799334243}"/>
+              </a:ext>
+            </a:extLst>
+          </p:cNvPr>
+          <p:cNvPicPr>
+            <a:picLocks noChangeAspect="1"/>
+          </p:cNvPicPr>
+          <p:nvPr/>
+        </p:nvPicPr>
+        <p:blipFill>
+          <a:blip r:embed="rId6">
+            <a:extLst>
+              <a:ext uri="{28A0092B-C50C-407E-A947-70E740481C1C}">
+                <a14:useLocalDpi xmlns:a14="http://schemas.microsoft.com/office/drawing/2010/main" val="0"/>
+              </a:ext>
+            </a:extLst>
+          </a:blip>
+          <a:stretch>
+            <a:fillRect/>
+          </a:stretch>
+        </p:blipFill>
+        <p:spPr>
+          <a:xfrm>
+            <a:off x="5174732" y="4626747"/>
+            <a:ext cx="543101" cy="501657"/>
+          </a:xfrm>
+          <a:prstGeom prst="rect">
+            <a:avLst/>
+          </a:prstGeom>
+        </p:spPr>
+      </p:pic>
+      <p:sp>
+        <p:nvSpPr>
+          <p:cNvPr id="31" name="ZoneTexte 30">
+            <a:extLst>
+              <a:ext uri="{FF2B5EF4-FFF2-40B4-BE49-F238E27FC236}">
+                <a16:creationId xmlns:a16="http://schemas.microsoft.com/office/drawing/2014/main" id="{25A32223-6EF1-4E00-A2AD-78866120EFF2}"/>
+              </a:ext>
+            </a:extLst>
+          </p:cNvPr>
+          <p:cNvSpPr txBox="1"/>
+          <p:nvPr/>
+        </p:nvSpPr>
+        <p:spPr>
+          <a:xfrm>
+            <a:off x="4639809" y="5156221"/>
+            <a:ext cx="1612948" cy="369332"/>
+          </a:xfrm>
+          <a:prstGeom prst="rect">
+            <a:avLst/>
+          </a:prstGeom>
+          <a:noFill/>
+        </p:spPr>
+        <p:txBody>
+          <a:bodyPr wrap="square" rtlCol="0">
+            <a:spAutoFit/>
+          </a:bodyPr>
+          <a:lstStyle/>
+          <a:p>
+            <a:pPr algn="ctr"/>
+            <a:r>
+              <a:rPr lang="fr-FR" b="1" dirty="0">
+                <a:solidFill>
+                  <a:schemeClr val="tx1">
+                    <a:lumMod val="50000"/>
+                    <a:lumOff val="50000"/>
+                  </a:schemeClr>
+                </a:solidFill>
+              </a:rPr>
+              <a:t>Encapsulation</a:t>
             </a:r>
           </a:p>
         </p:txBody>
       </p:sp>
       <p:sp>
         <p:nvSpPr>
-          <p:cNvPr id="25" name="Chevron 27">
-            <a:extLst>
-              <a:ext uri="{FF2B5EF4-FFF2-40B4-BE49-F238E27FC236}">
-                <a16:creationId xmlns:a16="http://schemas.microsoft.com/office/drawing/2014/main" id="{4238EA87-79D5-486B-BCAA-84EAC37908A1}"/>
+          <p:cNvPr id="30" name="Chevron 27">
+            <a:extLst>
+              <a:ext uri="{FF2B5EF4-FFF2-40B4-BE49-F238E27FC236}">
+                <a16:creationId xmlns:a16="http://schemas.microsoft.com/office/drawing/2014/main" id="{7C7D6AB1-CCBE-4344-964F-FAC13C429260}"/>
               </a:ext>
             </a:extLst>
           </p:cNvPr>
@@ -14226,10 +14047,10 @@
       </p:sp>
       <p:sp>
         <p:nvSpPr>
-          <p:cNvPr id="27" name="Chevron 27">
-            <a:extLst>
-              <a:ext uri="{FF2B5EF4-FFF2-40B4-BE49-F238E27FC236}">
-                <a16:creationId xmlns:a16="http://schemas.microsoft.com/office/drawing/2014/main" id="{44096FD9-35F3-437D-9170-AB67EB45DD07}"/>
+          <p:cNvPr id="33" name="Chevron 27">
+            <a:extLst>
+              <a:ext uri="{FF2B5EF4-FFF2-40B4-BE49-F238E27FC236}">
+                <a16:creationId xmlns:a16="http://schemas.microsoft.com/office/drawing/2014/main" id="{6C7023E4-8F49-46C0-A3EC-50B30E8BAD1A}"/>
               </a:ext>
             </a:extLst>
           </p:cNvPr>
@@ -14282,10 +14103,10 @@
       </p:sp>
       <p:sp>
         <p:nvSpPr>
-          <p:cNvPr id="28" name="Chevron 27">
-            <a:extLst>
-              <a:ext uri="{FF2B5EF4-FFF2-40B4-BE49-F238E27FC236}">
-                <a16:creationId xmlns:a16="http://schemas.microsoft.com/office/drawing/2014/main" id="{F8CAA98B-3DDF-46DE-B152-7CDA6FDB99E1}"/>
+          <p:cNvPr id="34" name="Chevron 27">
+            <a:extLst>
+              <a:ext uri="{FF2B5EF4-FFF2-40B4-BE49-F238E27FC236}">
+                <a16:creationId xmlns:a16="http://schemas.microsoft.com/office/drawing/2014/main" id="{4B3DF106-4962-4B0E-BC5F-A6BFD1F27198}"/>
               </a:ext>
             </a:extLst>
           </p:cNvPr>
@@ -14338,10 +14159,10 @@
       </p:sp>
       <p:sp>
         <p:nvSpPr>
-          <p:cNvPr id="29" name="Chevron 27">
-            <a:extLst>
-              <a:ext uri="{FF2B5EF4-FFF2-40B4-BE49-F238E27FC236}">
-                <a16:creationId xmlns:a16="http://schemas.microsoft.com/office/drawing/2014/main" id="{572FF2CA-5866-466F-B31D-7F8BD5FF02DD}"/>
+          <p:cNvPr id="35" name="Chevron 27">
+            <a:extLst>
+              <a:ext uri="{FF2B5EF4-FFF2-40B4-BE49-F238E27FC236}">
+                <a16:creationId xmlns:a16="http://schemas.microsoft.com/office/drawing/2014/main" id="{C75AD9A8-9F67-4506-B055-9EF8F467E9FF}"/>
               </a:ext>
             </a:extLst>
           </p:cNvPr>
@@ -14394,10 +14215,10 @@
       </p:sp>
       <p:sp>
         <p:nvSpPr>
-          <p:cNvPr id="30" name="Chevron 27">
-            <a:extLst>
-              <a:ext uri="{FF2B5EF4-FFF2-40B4-BE49-F238E27FC236}">
-                <a16:creationId xmlns:a16="http://schemas.microsoft.com/office/drawing/2014/main" id="{4B13C497-BEF4-4AC5-A420-44A5B9C3C3F0}"/>
+          <p:cNvPr id="36" name="Chevron 27">
+            <a:extLst>
+              <a:ext uri="{FF2B5EF4-FFF2-40B4-BE49-F238E27FC236}">
+                <a16:creationId xmlns:a16="http://schemas.microsoft.com/office/drawing/2014/main" id="{8B322EE0-391B-423B-8B31-9F05B302E438}"/>
               </a:ext>
             </a:extLst>
           </p:cNvPr>
@@ -14450,10 +14271,10 @@
       </p:sp>
       <p:sp>
         <p:nvSpPr>
-          <p:cNvPr id="31" name="Chevron 27">
-            <a:extLst>
-              <a:ext uri="{FF2B5EF4-FFF2-40B4-BE49-F238E27FC236}">
-                <a16:creationId xmlns:a16="http://schemas.microsoft.com/office/drawing/2014/main" id="{FA27B3FE-B2F6-444B-8D15-57778B9FF2B8}"/>
+          <p:cNvPr id="37" name="Chevron 27">
+            <a:extLst>
+              <a:ext uri="{FF2B5EF4-FFF2-40B4-BE49-F238E27FC236}">
+                <a16:creationId xmlns:a16="http://schemas.microsoft.com/office/drawing/2014/main" id="{02FB0F8F-0E8B-4A13-8AF6-ED0A3478B504}"/>
               </a:ext>
             </a:extLst>
           </p:cNvPr>
@@ -14506,10 +14327,10 @@
       </p:sp>
       <p:sp>
         <p:nvSpPr>
-          <p:cNvPr id="35" name="Chevron 27">
-            <a:extLst>
-              <a:ext uri="{FF2B5EF4-FFF2-40B4-BE49-F238E27FC236}">
-                <a16:creationId xmlns:a16="http://schemas.microsoft.com/office/drawing/2014/main" id="{5A433D94-067A-4C62-81BE-FE9D3ECBAB2C}"/>
+          <p:cNvPr id="38" name="Chevron 27">
+            <a:extLst>
+              <a:ext uri="{FF2B5EF4-FFF2-40B4-BE49-F238E27FC236}">
+                <a16:creationId xmlns:a16="http://schemas.microsoft.com/office/drawing/2014/main" id="{65EAC1D6-D21C-44BB-B6EC-C3729EC3C3D0}"/>
               </a:ext>
             </a:extLst>
           </p:cNvPr>
@@ -14562,10 +14383,10 @@
       </p:sp>
       <p:sp>
         <p:nvSpPr>
-          <p:cNvPr id="36" name="Chevron 27">
-            <a:extLst>
-              <a:ext uri="{FF2B5EF4-FFF2-40B4-BE49-F238E27FC236}">
-                <a16:creationId xmlns:a16="http://schemas.microsoft.com/office/drawing/2014/main" id="{4A02F1C4-1022-41A5-AF61-357AF4C38AC2}"/>
+          <p:cNvPr id="39" name="Chevron 27">
+            <a:extLst>
+              <a:ext uri="{FF2B5EF4-FFF2-40B4-BE49-F238E27FC236}">
+                <a16:creationId xmlns:a16="http://schemas.microsoft.com/office/drawing/2014/main" id="{C76F8248-02D1-4257-8401-9583C53FEA0A}"/>
               </a:ext>
             </a:extLst>
           </p:cNvPr>
@@ -14618,10 +14439,10 @@
       </p:sp>
       <p:sp>
         <p:nvSpPr>
-          <p:cNvPr id="37" name="Chevron 27">
-            <a:extLst>
-              <a:ext uri="{FF2B5EF4-FFF2-40B4-BE49-F238E27FC236}">
-                <a16:creationId xmlns:a16="http://schemas.microsoft.com/office/drawing/2014/main" id="{B0A050AF-27CB-47DC-AFDC-0FBAF0635CE3}"/>
+          <p:cNvPr id="40" name="Chevron 27">
+            <a:extLst>
+              <a:ext uri="{FF2B5EF4-FFF2-40B4-BE49-F238E27FC236}">
+                <a16:creationId xmlns:a16="http://schemas.microsoft.com/office/drawing/2014/main" id="{27945FAB-33C2-4720-8F79-6CFA16DD6AAE}"/>
               </a:ext>
             </a:extLst>
           </p:cNvPr>
@@ -14674,10 +14495,10 @@
       </p:sp>
       <p:sp>
         <p:nvSpPr>
-          <p:cNvPr id="38" name="Chevron 27">
-            <a:extLst>
-              <a:ext uri="{FF2B5EF4-FFF2-40B4-BE49-F238E27FC236}">
-                <a16:creationId xmlns:a16="http://schemas.microsoft.com/office/drawing/2014/main" id="{BEE9B928-402C-4D5A-A871-F73D9E4C22A1}"/>
+          <p:cNvPr id="41" name="Chevron 27">
+            <a:extLst>
+              <a:ext uri="{FF2B5EF4-FFF2-40B4-BE49-F238E27FC236}">
+                <a16:creationId xmlns:a16="http://schemas.microsoft.com/office/drawing/2014/main" id="{E461D0E2-F6C0-4ED4-91FC-B59583319BD2}"/>
               </a:ext>
             </a:extLst>
           </p:cNvPr>
@@ -14730,10 +14551,10 @@
       </p:sp>
       <p:sp>
         <p:nvSpPr>
-          <p:cNvPr id="39" name="Chevron 27">
-            <a:extLst>
-              <a:ext uri="{FF2B5EF4-FFF2-40B4-BE49-F238E27FC236}">
-                <a16:creationId xmlns:a16="http://schemas.microsoft.com/office/drawing/2014/main" id="{347969AC-8619-40E0-AB51-98B17EC61F7D}"/>
+          <p:cNvPr id="42" name="Chevron 27">
+            <a:extLst>
+              <a:ext uri="{FF2B5EF4-FFF2-40B4-BE49-F238E27FC236}">
+                <a16:creationId xmlns:a16="http://schemas.microsoft.com/office/drawing/2014/main" id="{4373AC13-A437-4C90-970B-F02B19FC5E0A}"/>
               </a:ext>
             </a:extLst>
           </p:cNvPr>
@@ -14786,10 +14607,10 @@
       </p:sp>
       <p:sp>
         <p:nvSpPr>
-          <p:cNvPr id="40" name="Chevron 27">
-            <a:extLst>
-              <a:ext uri="{FF2B5EF4-FFF2-40B4-BE49-F238E27FC236}">
-                <a16:creationId xmlns:a16="http://schemas.microsoft.com/office/drawing/2014/main" id="{49651F3A-E85D-4B84-B76D-7A5443C1BFFC}"/>
+          <p:cNvPr id="43" name="Chevron 27">
+            <a:extLst>
+              <a:ext uri="{FF2B5EF4-FFF2-40B4-BE49-F238E27FC236}">
+                <a16:creationId xmlns:a16="http://schemas.microsoft.com/office/drawing/2014/main" id="{4E4E8B53-0ED4-45D5-9AD7-3B50EFB0271A}"/>
               </a:ext>
             </a:extLst>
           </p:cNvPr>
@@ -14840,142 +14661,10 @@
           </a:p>
         </p:txBody>
       </p:sp>
-      <p:pic>
-        <p:nvPicPr>
-          <p:cNvPr id="3" name="Image 2" descr="Une image contenant équipement électronique, circuit&#10;&#10;Description générée avec un niveau de confiance élevé">
-            <a:extLst>
-              <a:ext uri="{FF2B5EF4-FFF2-40B4-BE49-F238E27FC236}">
-                <a16:creationId xmlns:a16="http://schemas.microsoft.com/office/drawing/2014/main" id="{D46783FE-9067-44E2-A401-97FC9F396C40}"/>
-              </a:ext>
-            </a:extLst>
-          </p:cNvPr>
-          <p:cNvPicPr>
-            <a:picLocks noChangeAspect="1"/>
-          </p:cNvPicPr>
-          <p:nvPr/>
-        </p:nvPicPr>
-        <p:blipFill rotWithShape="1">
-          <a:blip r:embed="rId5">
-            <a:extLst>
-              <a:ext uri="{28A0092B-C50C-407E-A947-70E740481C1C}">
-                <a14:useLocalDpi xmlns:a14="http://schemas.microsoft.com/office/drawing/2010/main" val="0"/>
-              </a:ext>
-            </a:extLst>
-          </a:blip>
-          <a:srcRect l="53824"/>
-          <a:stretch/>
-        </p:blipFill>
-        <p:spPr>
-          <a:xfrm>
-            <a:off x="910332" y="1927886"/>
-            <a:ext cx="3958419" cy="3200400"/>
-          </a:xfrm>
-          <a:prstGeom prst="rect">
-            <a:avLst/>
-          </a:prstGeom>
-        </p:spPr>
-      </p:pic>
-      <p:sp>
-        <p:nvSpPr>
-          <p:cNvPr id="4" name="Rectangle 3">
-            <a:extLst>
-              <a:ext uri="{FF2B5EF4-FFF2-40B4-BE49-F238E27FC236}">
-                <a16:creationId xmlns:a16="http://schemas.microsoft.com/office/drawing/2014/main" id="{D6216651-C296-4C47-B8EF-93800D3788E0}"/>
-              </a:ext>
-            </a:extLst>
-          </p:cNvPr>
-          <p:cNvSpPr/>
-          <p:nvPr/>
-        </p:nvSpPr>
-        <p:spPr>
-          <a:xfrm>
-            <a:off x="1410511" y="1927886"/>
-            <a:ext cx="1021404" cy="708294"/>
-          </a:xfrm>
-          <a:prstGeom prst="rect">
-            <a:avLst/>
-          </a:prstGeom>
-          <a:solidFill>
-            <a:schemeClr val="bg1"/>
-          </a:solidFill>
-          <a:ln>
-            <a:solidFill>
-              <a:schemeClr val="bg1"/>
-            </a:solidFill>
-          </a:ln>
-        </p:spPr>
-        <p:style>
-          <a:lnRef idx="2">
-            <a:schemeClr val="accent1">
-              <a:shade val="50000"/>
-            </a:schemeClr>
-          </a:lnRef>
-          <a:fillRef idx="1">
-            <a:schemeClr val="accent1"/>
-          </a:fillRef>
-          <a:effectRef idx="0">
-            <a:schemeClr val="accent1"/>
-          </a:effectRef>
-          <a:fontRef idx="minor">
-            <a:schemeClr val="lt1"/>
-          </a:fontRef>
-        </p:style>
-        <p:txBody>
-          <a:bodyPr rtlCol="0" anchor="ctr"/>
-          <a:lstStyle/>
-          <a:p>
-            <a:pPr algn="ctr"/>
-            <a:endParaRPr lang="fr-FR"/>
-          </a:p>
-        </p:txBody>
-      </p:sp>
-      <p:sp>
-        <p:nvSpPr>
-          <p:cNvPr id="41" name="ZoneTexte 40">
-            <a:extLst>
-              <a:ext uri="{FF2B5EF4-FFF2-40B4-BE49-F238E27FC236}">
-                <a16:creationId xmlns:a16="http://schemas.microsoft.com/office/drawing/2014/main" id="{29EB082E-54A5-449A-8E40-DA678FBA99DD}"/>
-              </a:ext>
-            </a:extLst>
-          </p:cNvPr>
-          <p:cNvSpPr txBox="1"/>
-          <p:nvPr/>
-        </p:nvSpPr>
-        <p:spPr>
-          <a:xfrm>
-            <a:off x="2063114" y="5257423"/>
-            <a:ext cx="2314673" cy="369332"/>
-          </a:xfrm>
-          <a:prstGeom prst="rect">
-            <a:avLst/>
-          </a:prstGeom>
-          <a:noFill/>
-        </p:spPr>
-        <p:txBody>
-          <a:bodyPr wrap="square" rtlCol="0">
-            <a:spAutoFit/>
-          </a:bodyPr>
-          <a:lstStyle/>
-          <a:p>
-            <a:pPr algn="ctr"/>
-            <a:r>
-              <a:rPr lang="fr-FR" i="1" dirty="0">
-                <a:solidFill>
-                  <a:schemeClr val="tx1">
-                    <a:lumMod val="50000"/>
-                    <a:lumOff val="50000"/>
-                  </a:schemeClr>
-                </a:solidFill>
-              </a:rPr>
-              <a:t>Shield + Arduino</a:t>
-            </a:r>
-          </a:p>
-        </p:txBody>
-      </p:sp>
     </p:spTree>
     <p:extLst>
       <p:ext uri="{BB962C8B-B14F-4D97-AF65-F5344CB8AC3E}">
-        <p14:creationId xmlns:p14="http://schemas.microsoft.com/office/powerpoint/2010/main" val="1380369082"/>
+        <p14:creationId xmlns:p14="http://schemas.microsoft.com/office/powerpoint/2010/main" val="4293470173"/>
       </p:ext>
     </p:extLst>
   </p:cSld>
@@ -15428,12 +15117,387 @@
           </a:fontRef>
         </p:style>
       </p:cxnSp>
+      <p:pic>
+        <p:nvPicPr>
+          <p:cNvPr id="57" name="Image 56">
+            <a:extLst>
+              <a:ext uri="{FF2B5EF4-FFF2-40B4-BE49-F238E27FC236}">
+                <a16:creationId xmlns:a16="http://schemas.microsoft.com/office/drawing/2014/main" id="{12B16FB2-5844-4B92-AE69-9BAC858C22BB}"/>
+              </a:ext>
+            </a:extLst>
+          </p:cNvPr>
+          <p:cNvPicPr>
+            <a:picLocks noChangeAspect="1"/>
+          </p:cNvPicPr>
+          <p:nvPr/>
+        </p:nvPicPr>
+        <p:blipFill>
+          <a:blip r:embed="rId3">
+            <a:extLst>
+              <a:ext uri="{28A0092B-C50C-407E-A947-70E740481C1C}">
+                <a14:useLocalDpi xmlns:a14="http://schemas.microsoft.com/office/drawing/2010/main" val="0"/>
+              </a:ext>
+            </a:extLst>
+          </a:blip>
+          <a:stretch>
+            <a:fillRect/>
+          </a:stretch>
+        </p:blipFill>
+        <p:spPr>
+          <a:xfrm>
+            <a:off x="9681085" y="238153"/>
+            <a:ext cx="1802101" cy="569807"/>
+          </a:xfrm>
+          <a:prstGeom prst="rect">
+            <a:avLst/>
+          </a:prstGeom>
+        </p:spPr>
+      </p:pic>
+      <p:cxnSp>
+        <p:nvCxnSpPr>
+          <p:cNvPr id="58" name="Connecteur droit 57">
+            <a:extLst>
+              <a:ext uri="{FF2B5EF4-FFF2-40B4-BE49-F238E27FC236}">
+                <a16:creationId xmlns:a16="http://schemas.microsoft.com/office/drawing/2014/main" id="{01599350-F8B0-4FDC-B003-981189A8D654}"/>
+              </a:ext>
+            </a:extLst>
+          </p:cNvPr>
+          <p:cNvCxnSpPr>
+            <a:cxnSpLocks/>
+          </p:cNvCxnSpPr>
+          <p:nvPr/>
+        </p:nvCxnSpPr>
+        <p:spPr>
+          <a:xfrm>
+            <a:off x="2573222" y="454803"/>
+            <a:ext cx="6829482" cy="10398"/>
+          </a:xfrm>
+          <a:prstGeom prst="line">
+            <a:avLst/>
+          </a:prstGeom>
+        </p:spPr>
+        <p:style>
+          <a:lnRef idx="3">
+            <a:schemeClr val="dk1"/>
+          </a:lnRef>
+          <a:fillRef idx="0">
+            <a:schemeClr val="dk1"/>
+          </a:fillRef>
+          <a:effectRef idx="2">
+            <a:schemeClr val="dk1"/>
+          </a:effectRef>
+          <a:fontRef idx="minor">
+            <a:schemeClr val="tx1"/>
+          </a:fontRef>
+        </p:style>
+      </p:cxnSp>
+      <p:cxnSp>
+        <p:nvCxnSpPr>
+          <p:cNvPr id="59" name="Connecteur droit 58">
+            <a:extLst>
+              <a:ext uri="{FF2B5EF4-FFF2-40B4-BE49-F238E27FC236}">
+                <a16:creationId xmlns:a16="http://schemas.microsoft.com/office/drawing/2014/main" id="{BC6E6150-6054-4785-84EC-0C46D82034C2}"/>
+              </a:ext>
+            </a:extLst>
+          </p:cNvPr>
+          <p:cNvCxnSpPr>
+            <a:cxnSpLocks/>
+          </p:cNvCxnSpPr>
+          <p:nvPr/>
+        </p:nvCxnSpPr>
+        <p:spPr>
+          <a:xfrm>
+            <a:off x="738231" y="454803"/>
+            <a:ext cx="344203" cy="484764"/>
+          </a:xfrm>
+          <a:prstGeom prst="line">
+            <a:avLst/>
+          </a:prstGeom>
+        </p:spPr>
+        <p:style>
+          <a:lnRef idx="3">
+            <a:schemeClr val="dk1"/>
+          </a:lnRef>
+          <a:fillRef idx="0">
+            <a:schemeClr val="dk1"/>
+          </a:fillRef>
+          <a:effectRef idx="2">
+            <a:schemeClr val="dk1"/>
+          </a:effectRef>
+          <a:fontRef idx="minor">
+            <a:schemeClr val="tx1"/>
+          </a:fontRef>
+        </p:style>
+      </p:cxnSp>
+      <p:cxnSp>
+        <p:nvCxnSpPr>
+          <p:cNvPr id="60" name="Connecteur droit 59">
+            <a:extLst>
+              <a:ext uri="{FF2B5EF4-FFF2-40B4-BE49-F238E27FC236}">
+                <a16:creationId xmlns:a16="http://schemas.microsoft.com/office/drawing/2014/main" id="{CBC9961A-8EC2-4287-A398-BCA4138D409D}"/>
+              </a:ext>
+            </a:extLst>
+          </p:cNvPr>
+          <p:cNvCxnSpPr>
+            <a:cxnSpLocks/>
+          </p:cNvCxnSpPr>
+          <p:nvPr/>
+        </p:nvCxnSpPr>
+        <p:spPr>
+          <a:xfrm>
+            <a:off x="1082434" y="938268"/>
+            <a:ext cx="1146585" cy="0"/>
+          </a:xfrm>
+          <a:prstGeom prst="line">
+            <a:avLst/>
+          </a:prstGeom>
+        </p:spPr>
+        <p:style>
+          <a:lnRef idx="3">
+            <a:schemeClr val="dk1"/>
+          </a:lnRef>
+          <a:fillRef idx="0">
+            <a:schemeClr val="dk1"/>
+          </a:fillRef>
+          <a:effectRef idx="2">
+            <a:schemeClr val="dk1"/>
+          </a:effectRef>
+          <a:fontRef idx="minor">
+            <a:schemeClr val="tx1"/>
+          </a:fontRef>
+        </p:style>
+      </p:cxnSp>
+      <p:cxnSp>
+        <p:nvCxnSpPr>
+          <p:cNvPr id="61" name="Connecteur droit 60">
+            <a:extLst>
+              <a:ext uri="{FF2B5EF4-FFF2-40B4-BE49-F238E27FC236}">
+                <a16:creationId xmlns:a16="http://schemas.microsoft.com/office/drawing/2014/main" id="{152B7C45-2543-4665-BC07-4DB71CA9F337}"/>
+              </a:ext>
+            </a:extLst>
+          </p:cNvPr>
+          <p:cNvCxnSpPr>
+            <a:cxnSpLocks/>
+          </p:cNvCxnSpPr>
+          <p:nvPr/>
+        </p:nvCxnSpPr>
+        <p:spPr>
+          <a:xfrm>
+            <a:off x="9402704" y="465201"/>
+            <a:ext cx="344203" cy="495163"/>
+          </a:xfrm>
+          <a:prstGeom prst="line">
+            <a:avLst/>
+          </a:prstGeom>
+        </p:spPr>
+        <p:style>
+          <a:lnRef idx="3">
+            <a:schemeClr val="dk1"/>
+          </a:lnRef>
+          <a:fillRef idx="0">
+            <a:schemeClr val="dk1"/>
+          </a:fillRef>
+          <a:effectRef idx="2">
+            <a:schemeClr val="dk1"/>
+          </a:effectRef>
+          <a:fontRef idx="minor">
+            <a:schemeClr val="tx1"/>
+          </a:fontRef>
+        </p:style>
+      </p:cxnSp>
+      <p:cxnSp>
+        <p:nvCxnSpPr>
+          <p:cNvPr id="62" name="Connecteur droit 61">
+            <a:extLst>
+              <a:ext uri="{FF2B5EF4-FFF2-40B4-BE49-F238E27FC236}">
+                <a16:creationId xmlns:a16="http://schemas.microsoft.com/office/drawing/2014/main" id="{00A84DC3-A112-46A3-B71C-04D85339323D}"/>
+              </a:ext>
+            </a:extLst>
+          </p:cNvPr>
+          <p:cNvCxnSpPr>
+            <a:cxnSpLocks/>
+          </p:cNvCxnSpPr>
+          <p:nvPr/>
+        </p:nvCxnSpPr>
+        <p:spPr>
+          <a:xfrm flipH="1">
+            <a:off x="11370469" y="448308"/>
+            <a:ext cx="364332" cy="501657"/>
+          </a:xfrm>
+          <a:prstGeom prst="line">
+            <a:avLst/>
+          </a:prstGeom>
+        </p:spPr>
+        <p:style>
+          <a:lnRef idx="3">
+            <a:schemeClr val="dk1"/>
+          </a:lnRef>
+          <a:fillRef idx="0">
+            <a:schemeClr val="dk1"/>
+          </a:fillRef>
+          <a:effectRef idx="2">
+            <a:schemeClr val="dk1"/>
+          </a:effectRef>
+          <a:fontRef idx="minor">
+            <a:schemeClr val="tx1"/>
+          </a:fontRef>
+        </p:style>
+      </p:cxnSp>
+      <p:cxnSp>
+        <p:nvCxnSpPr>
+          <p:cNvPr id="63" name="Connecteur droit 62">
+            <a:extLst>
+              <a:ext uri="{FF2B5EF4-FFF2-40B4-BE49-F238E27FC236}">
+                <a16:creationId xmlns:a16="http://schemas.microsoft.com/office/drawing/2014/main" id="{C50788C6-8F68-44EC-AB54-94C1D2FE554D}"/>
+              </a:ext>
+            </a:extLst>
+          </p:cNvPr>
+          <p:cNvCxnSpPr>
+            <a:cxnSpLocks/>
+          </p:cNvCxnSpPr>
+          <p:nvPr/>
+        </p:nvCxnSpPr>
+        <p:spPr>
+          <a:xfrm>
+            <a:off x="9743203" y="949965"/>
+            <a:ext cx="1627266" cy="0"/>
+          </a:xfrm>
+          <a:prstGeom prst="line">
+            <a:avLst/>
+          </a:prstGeom>
+        </p:spPr>
+        <p:style>
+          <a:lnRef idx="3">
+            <a:schemeClr val="dk1"/>
+          </a:lnRef>
+          <a:fillRef idx="0">
+            <a:schemeClr val="dk1"/>
+          </a:fillRef>
+          <a:effectRef idx="2">
+            <a:schemeClr val="dk1"/>
+          </a:effectRef>
+          <a:fontRef idx="minor">
+            <a:schemeClr val="tx1"/>
+          </a:fontRef>
+        </p:style>
+      </p:cxnSp>
+      <p:cxnSp>
+        <p:nvCxnSpPr>
+          <p:cNvPr id="64" name="Connecteur droit 63">
+            <a:extLst>
+              <a:ext uri="{FF2B5EF4-FFF2-40B4-BE49-F238E27FC236}">
+                <a16:creationId xmlns:a16="http://schemas.microsoft.com/office/drawing/2014/main" id="{BC4D4E5F-5636-45CB-873C-EC085AB307A3}"/>
+              </a:ext>
+            </a:extLst>
+          </p:cNvPr>
+          <p:cNvCxnSpPr>
+            <a:cxnSpLocks/>
+          </p:cNvCxnSpPr>
+          <p:nvPr/>
+        </p:nvCxnSpPr>
+        <p:spPr>
+          <a:xfrm>
+            <a:off x="11715750" y="454801"/>
+            <a:ext cx="476249" cy="10400"/>
+          </a:xfrm>
+          <a:prstGeom prst="line">
+            <a:avLst/>
+          </a:prstGeom>
+        </p:spPr>
+        <p:style>
+          <a:lnRef idx="3">
+            <a:schemeClr val="dk1"/>
+          </a:lnRef>
+          <a:fillRef idx="0">
+            <a:schemeClr val="dk1"/>
+          </a:fillRef>
+          <a:effectRef idx="2">
+            <a:schemeClr val="dk1"/>
+          </a:effectRef>
+          <a:fontRef idx="minor">
+            <a:schemeClr val="tx1"/>
+          </a:fontRef>
+        </p:style>
+      </p:cxnSp>
+      <p:cxnSp>
+        <p:nvCxnSpPr>
+          <p:cNvPr id="65" name="Connecteur droit 64">
+            <a:extLst>
+              <a:ext uri="{FF2B5EF4-FFF2-40B4-BE49-F238E27FC236}">
+                <a16:creationId xmlns:a16="http://schemas.microsoft.com/office/drawing/2014/main" id="{E6F6B4C5-0E3B-46C9-859D-EE774175D36F}"/>
+              </a:ext>
+            </a:extLst>
+          </p:cNvPr>
+          <p:cNvCxnSpPr>
+            <a:cxnSpLocks/>
+          </p:cNvCxnSpPr>
+          <p:nvPr/>
+        </p:nvCxnSpPr>
+        <p:spPr>
+          <a:xfrm flipH="1">
+            <a:off x="2216372" y="446356"/>
+            <a:ext cx="364332" cy="501657"/>
+          </a:xfrm>
+          <a:prstGeom prst="line">
+            <a:avLst/>
+          </a:prstGeom>
+        </p:spPr>
+        <p:style>
+          <a:lnRef idx="3">
+            <a:schemeClr val="dk1"/>
+          </a:lnRef>
+          <a:fillRef idx="0">
+            <a:schemeClr val="dk1"/>
+          </a:fillRef>
+          <a:effectRef idx="2">
+            <a:schemeClr val="dk1"/>
+          </a:effectRef>
+          <a:fontRef idx="minor">
+            <a:schemeClr val="tx1"/>
+          </a:fontRef>
+        </p:style>
+      </p:cxnSp>
+      <p:pic>
+        <p:nvPicPr>
+          <p:cNvPr id="33" name="Image 32">
+            <a:extLst>
+              <a:ext uri="{FF2B5EF4-FFF2-40B4-BE49-F238E27FC236}">
+                <a16:creationId xmlns:a16="http://schemas.microsoft.com/office/drawing/2014/main" id="{403CB0DA-52DA-40AC-9C3C-DEF6A3723A50}"/>
+              </a:ext>
+            </a:extLst>
+          </p:cNvPr>
+          <p:cNvPicPr>
+            <a:picLocks noChangeAspect="1"/>
+          </p:cNvPicPr>
+          <p:nvPr/>
+        </p:nvPicPr>
+        <p:blipFill rotWithShape="1">
+          <a:blip r:embed="rId4">
+            <a:extLst>
+              <a:ext uri="{28A0092B-C50C-407E-A947-70E740481C1C}">
+                <a14:useLocalDpi xmlns:a14="http://schemas.microsoft.com/office/drawing/2010/main" val="0"/>
+              </a:ext>
+            </a:extLst>
+          </a:blip>
+          <a:srcRect l="10900" t="1936" r="7840" b="12527"/>
+          <a:stretch/>
+        </p:blipFill>
+        <p:spPr>
+          <a:xfrm>
+            <a:off x="5744767" y="1314426"/>
+            <a:ext cx="5040541" cy="3979375"/>
+          </a:xfrm>
+          <a:prstGeom prst="rect">
+            <a:avLst/>
+          </a:prstGeom>
+        </p:spPr>
+      </p:pic>
       <p:sp>
         <p:nvSpPr>
-          <p:cNvPr id="9" name="ZoneTexte 8">
-            <a:extLst>
-              <a:ext uri="{FF2B5EF4-FFF2-40B4-BE49-F238E27FC236}">
-                <a16:creationId xmlns:a16="http://schemas.microsoft.com/office/drawing/2014/main" id="{82010251-0AD2-4DAA-8E6B-7CA6A2301A9E}"/>
+          <p:cNvPr id="34" name="ZoneTexte 33">
+            <a:extLst>
+              <a:ext uri="{FF2B5EF4-FFF2-40B4-BE49-F238E27FC236}">
+                <a16:creationId xmlns:a16="http://schemas.microsoft.com/office/drawing/2014/main" id="{34BE5FA5-D0FF-4142-BC97-AA7ABE10F555}"/>
               </a:ext>
             </a:extLst>
           </p:cNvPr>
@@ -15442,8 +15506,8 @@
         </p:nvSpPr>
         <p:spPr>
           <a:xfrm>
-            <a:off x="3610620" y="537156"/>
-            <a:ext cx="4970760" cy="769441"/>
+            <a:off x="7107700" y="5289689"/>
+            <a:ext cx="2314673" cy="369332"/>
           </a:xfrm>
           <a:prstGeom prst="rect">
             <a:avLst/>
@@ -15456,84 +15520,27 @@
           </a:bodyPr>
           <a:lstStyle/>
           <a:p>
-            <a:pPr marL="0" marR="0" lvl="0" indent="0" algn="ctr" defTabSz="914400" rtl="0" eaLnBrk="1" fontAlgn="auto" latinLnBrk="0" hangingPunct="1">
-              <a:lnSpc>
-                <a:spcPct val="100000"/>
-              </a:lnSpc>
-              <a:spcBef>
-                <a:spcPts val="0"/>
-              </a:spcBef>
-              <a:spcAft>
-                <a:spcPts val="0"/>
-              </a:spcAft>
-              <a:buClrTx/>
-              <a:buSzTx/>
-              <a:buFontTx/>
-              <a:buNone/>
-              <a:tabLst/>
-              <a:defRPr/>
-            </a:pPr>
+            <a:pPr algn="ctr"/>
             <a:r>
-              <a:rPr kumimoji="0" lang="fr-FR" sz="4400" b="0" i="0" u="none" strike="noStrike" kern="1200" cap="none" spc="0" normalizeH="0" baseline="0" noProof="0" dirty="0">
-                <a:ln>
-                  <a:noFill/>
-                </a:ln>
+              <a:rPr lang="fr-FR" i="1" dirty="0">
                 <a:solidFill>
-                  <a:prstClr val="black"/>
+                  <a:schemeClr val="tx1">
+                    <a:lumMod val="50000"/>
+                    <a:lumOff val="50000"/>
+                  </a:schemeClr>
                 </a:solidFill>
-                <a:effectLst/>
-                <a:uLnTx/>
-                <a:uFillTx/>
-                <a:latin typeface="Berlin Sans FB" panose="020E0602020502020306" pitchFamily="34" charset="0"/>
-                <a:ea typeface="+mn-ea"/>
-                <a:cs typeface="+mn-cs"/>
               </a:rPr>
-              <a:t>Base de données</a:t>
+              <a:t>Boucle 4-20 mA</a:t>
             </a:r>
           </a:p>
         </p:txBody>
       </p:sp>
-      <p:pic>
-        <p:nvPicPr>
-          <p:cNvPr id="21" name="Image 20">
-            <a:extLst>
-              <a:ext uri="{FF2B5EF4-FFF2-40B4-BE49-F238E27FC236}">
-                <a16:creationId xmlns:a16="http://schemas.microsoft.com/office/drawing/2014/main" id="{3EA42D52-CF19-486F-9B97-2DFA691BBDE6}"/>
-              </a:ext>
-            </a:extLst>
-          </p:cNvPr>
-          <p:cNvPicPr>
-            <a:picLocks noChangeAspect="1"/>
-          </p:cNvPicPr>
-          <p:nvPr/>
-        </p:nvPicPr>
-        <p:blipFill rotWithShape="1">
-          <a:blip r:embed="rId4">
-            <a:extLst>
-              <a:ext uri="{28A0092B-C50C-407E-A947-70E740481C1C}">
-                <a14:useLocalDpi xmlns:a14="http://schemas.microsoft.com/office/drawing/2010/main" val="0"/>
-              </a:ext>
-            </a:extLst>
-          </a:blip>
-          <a:srcRect l="6990" t="5348" r="6847" b="5239"/>
-          <a:stretch/>
-        </p:blipFill>
-        <p:spPr>
-          <a:xfrm>
-            <a:off x="1653628" y="1401718"/>
-            <a:ext cx="8884744" cy="4782963"/>
-          </a:xfrm>
-          <a:prstGeom prst="rect">
-            <a:avLst/>
-          </a:prstGeom>
-        </p:spPr>
-      </p:pic>
       <p:sp>
         <p:nvSpPr>
-          <p:cNvPr id="15" name="Chevron 27">
-            <a:extLst>
-              <a:ext uri="{FF2B5EF4-FFF2-40B4-BE49-F238E27FC236}">
-                <a16:creationId xmlns:a16="http://schemas.microsoft.com/office/drawing/2014/main" id="{CBE81A27-AFE2-4B7C-8F89-8E2783264290}"/>
+          <p:cNvPr id="25" name="Chevron 27">
+            <a:extLst>
+              <a:ext uri="{FF2B5EF4-FFF2-40B4-BE49-F238E27FC236}">
+                <a16:creationId xmlns:a16="http://schemas.microsoft.com/office/drawing/2014/main" id="{4238EA87-79D5-486B-BCAA-84EAC37908A1}"/>
               </a:ext>
             </a:extLst>
           </p:cNvPr>
@@ -15542,7 +15549,7 @@
         </p:nvSpPr>
         <p:spPr>
           <a:xfrm>
-            <a:off x="7566190" y="6317891"/>
+            <a:off x="6644164" y="6326658"/>
             <a:ext cx="1528493" cy="247736"/>
           </a:xfrm>
           <a:prstGeom prst="chevron">
@@ -15591,10 +15598,10 @@
       </p:sp>
       <p:sp>
         <p:nvSpPr>
-          <p:cNvPr id="17" name="Chevron 27">
-            <a:extLst>
-              <a:ext uri="{FF2B5EF4-FFF2-40B4-BE49-F238E27FC236}">
-                <a16:creationId xmlns:a16="http://schemas.microsoft.com/office/drawing/2014/main" id="{63C86950-CF9C-4EE6-8A31-B76BDB2C082A}"/>
+          <p:cNvPr id="27" name="Chevron 27">
+            <a:extLst>
+              <a:ext uri="{FF2B5EF4-FFF2-40B4-BE49-F238E27FC236}">
+                <a16:creationId xmlns:a16="http://schemas.microsoft.com/office/drawing/2014/main" id="{44096FD9-35F3-437D-9170-AB67EB45DD07}"/>
               </a:ext>
             </a:extLst>
           </p:cNvPr>
@@ -15647,10 +15654,10 @@
       </p:sp>
       <p:sp>
         <p:nvSpPr>
-          <p:cNvPr id="18" name="Chevron 27">
-            <a:extLst>
-              <a:ext uri="{FF2B5EF4-FFF2-40B4-BE49-F238E27FC236}">
-                <a16:creationId xmlns:a16="http://schemas.microsoft.com/office/drawing/2014/main" id="{E42A5D13-D301-4D6E-B886-D2EDDA651598}"/>
+          <p:cNvPr id="28" name="Chevron 27">
+            <a:extLst>
+              <a:ext uri="{FF2B5EF4-FFF2-40B4-BE49-F238E27FC236}">
+                <a16:creationId xmlns:a16="http://schemas.microsoft.com/office/drawing/2014/main" id="{F8CAA98B-3DDF-46DE-B152-7CDA6FDB99E1}"/>
               </a:ext>
             </a:extLst>
           </p:cNvPr>
@@ -15703,10 +15710,10 @@
       </p:sp>
       <p:sp>
         <p:nvSpPr>
-          <p:cNvPr id="19" name="Chevron 27">
-            <a:extLst>
-              <a:ext uri="{FF2B5EF4-FFF2-40B4-BE49-F238E27FC236}">
-                <a16:creationId xmlns:a16="http://schemas.microsoft.com/office/drawing/2014/main" id="{4477BF0A-78EC-4400-BCA6-57AFCDCF96BC}"/>
+          <p:cNvPr id="29" name="Chevron 27">
+            <a:extLst>
+              <a:ext uri="{FF2B5EF4-FFF2-40B4-BE49-F238E27FC236}">
+                <a16:creationId xmlns:a16="http://schemas.microsoft.com/office/drawing/2014/main" id="{572FF2CA-5866-466F-B31D-7F8BD5FF02DD}"/>
               </a:ext>
             </a:extLst>
           </p:cNvPr>
@@ -15759,10 +15766,10 @@
       </p:sp>
       <p:sp>
         <p:nvSpPr>
-          <p:cNvPr id="22" name="Chevron 27">
-            <a:extLst>
-              <a:ext uri="{FF2B5EF4-FFF2-40B4-BE49-F238E27FC236}">
-                <a16:creationId xmlns:a16="http://schemas.microsoft.com/office/drawing/2014/main" id="{3890119A-37AE-43C3-AA6A-82D5A0AD80C2}"/>
+          <p:cNvPr id="30" name="Chevron 27">
+            <a:extLst>
+              <a:ext uri="{FF2B5EF4-FFF2-40B4-BE49-F238E27FC236}">
+                <a16:creationId xmlns:a16="http://schemas.microsoft.com/office/drawing/2014/main" id="{4B13C497-BEF4-4AC5-A420-44A5B9C3C3F0}"/>
               </a:ext>
             </a:extLst>
           </p:cNvPr>
@@ -15815,10 +15822,10 @@
       </p:sp>
       <p:sp>
         <p:nvSpPr>
-          <p:cNvPr id="24" name="Chevron 27">
-            <a:extLst>
-              <a:ext uri="{FF2B5EF4-FFF2-40B4-BE49-F238E27FC236}">
-                <a16:creationId xmlns:a16="http://schemas.microsoft.com/office/drawing/2014/main" id="{161D449B-8836-4ED8-BEE9-8BE8E5E1584A}"/>
+          <p:cNvPr id="31" name="Chevron 27">
+            <a:extLst>
+              <a:ext uri="{FF2B5EF4-FFF2-40B4-BE49-F238E27FC236}">
+                <a16:creationId xmlns:a16="http://schemas.microsoft.com/office/drawing/2014/main" id="{FA27B3FE-B2F6-444B-8D15-57778B9FF2B8}"/>
               </a:ext>
             </a:extLst>
           </p:cNvPr>
@@ -15871,10 +15878,10 @@
       </p:sp>
       <p:sp>
         <p:nvSpPr>
-          <p:cNvPr id="25" name="Chevron 27">
-            <a:extLst>
-              <a:ext uri="{FF2B5EF4-FFF2-40B4-BE49-F238E27FC236}">
-                <a16:creationId xmlns:a16="http://schemas.microsoft.com/office/drawing/2014/main" id="{206D55AF-9574-4180-9DAD-D2AEEE5A2C40}"/>
+          <p:cNvPr id="35" name="Chevron 27">
+            <a:extLst>
+              <a:ext uri="{FF2B5EF4-FFF2-40B4-BE49-F238E27FC236}">
+                <a16:creationId xmlns:a16="http://schemas.microsoft.com/office/drawing/2014/main" id="{5A433D94-067A-4C62-81BE-FE9D3ECBAB2C}"/>
               </a:ext>
             </a:extLst>
           </p:cNvPr>
@@ -15927,10 +15934,10 @@
       </p:sp>
       <p:sp>
         <p:nvSpPr>
-          <p:cNvPr id="27" name="Chevron 27">
-            <a:extLst>
-              <a:ext uri="{FF2B5EF4-FFF2-40B4-BE49-F238E27FC236}">
-                <a16:creationId xmlns:a16="http://schemas.microsoft.com/office/drawing/2014/main" id="{5015D93B-0501-4704-8B9D-29CCA8E494A3}"/>
+          <p:cNvPr id="36" name="Chevron 27">
+            <a:extLst>
+              <a:ext uri="{FF2B5EF4-FFF2-40B4-BE49-F238E27FC236}">
+                <a16:creationId xmlns:a16="http://schemas.microsoft.com/office/drawing/2014/main" id="{4A02F1C4-1022-41A5-AF61-357AF4C38AC2}"/>
               </a:ext>
             </a:extLst>
           </p:cNvPr>
@@ -15983,10 +15990,10 @@
       </p:sp>
       <p:sp>
         <p:nvSpPr>
-          <p:cNvPr id="28" name="Chevron 27">
-            <a:extLst>
-              <a:ext uri="{FF2B5EF4-FFF2-40B4-BE49-F238E27FC236}">
-                <a16:creationId xmlns:a16="http://schemas.microsoft.com/office/drawing/2014/main" id="{B9C49CFF-18B0-4AEC-BADB-2717B4CA8BBD}"/>
+          <p:cNvPr id="37" name="Chevron 27">
+            <a:extLst>
+              <a:ext uri="{FF2B5EF4-FFF2-40B4-BE49-F238E27FC236}">
+                <a16:creationId xmlns:a16="http://schemas.microsoft.com/office/drawing/2014/main" id="{B0A050AF-27CB-47DC-AFDC-0FBAF0635CE3}"/>
               </a:ext>
             </a:extLst>
           </p:cNvPr>
@@ -15995,7 +16002,7 @@
         </p:nvSpPr>
         <p:spPr>
           <a:xfrm>
-            <a:off x="6666707" y="6317891"/>
+            <a:off x="8265038" y="6302533"/>
             <a:ext cx="796323" cy="247736"/>
           </a:xfrm>
           <a:prstGeom prst="chevron">
@@ -16039,10 +16046,10 @@
       </p:sp>
       <p:sp>
         <p:nvSpPr>
-          <p:cNvPr id="29" name="Chevron 27">
-            <a:extLst>
-              <a:ext uri="{FF2B5EF4-FFF2-40B4-BE49-F238E27FC236}">
-                <a16:creationId xmlns:a16="http://schemas.microsoft.com/office/drawing/2014/main" id="{AF5BBCC6-C182-42F5-B7B3-B314D4BCD478}"/>
+          <p:cNvPr id="38" name="Chevron 27">
+            <a:extLst>
+              <a:ext uri="{FF2B5EF4-FFF2-40B4-BE49-F238E27FC236}">
+                <a16:creationId xmlns:a16="http://schemas.microsoft.com/office/drawing/2014/main" id="{BEE9B928-402C-4D5A-A871-F73D9E4C22A1}"/>
               </a:ext>
             </a:extLst>
           </p:cNvPr>
@@ -16095,10 +16102,10 @@
       </p:sp>
       <p:sp>
         <p:nvSpPr>
-          <p:cNvPr id="30" name="Chevron 27">
-            <a:extLst>
-              <a:ext uri="{FF2B5EF4-FFF2-40B4-BE49-F238E27FC236}">
-                <a16:creationId xmlns:a16="http://schemas.microsoft.com/office/drawing/2014/main" id="{CD9FD450-D236-4C07-8A3D-4AA0A87C4F8B}"/>
+          <p:cNvPr id="39" name="Chevron 27">
+            <a:extLst>
+              <a:ext uri="{FF2B5EF4-FFF2-40B4-BE49-F238E27FC236}">
+                <a16:creationId xmlns:a16="http://schemas.microsoft.com/office/drawing/2014/main" id="{347969AC-8619-40E0-AB51-98B17EC61F7D}"/>
               </a:ext>
             </a:extLst>
           </p:cNvPr>
@@ -16151,10 +16158,10 @@
       </p:sp>
       <p:sp>
         <p:nvSpPr>
-          <p:cNvPr id="31" name="Chevron 27">
-            <a:extLst>
-              <a:ext uri="{FF2B5EF4-FFF2-40B4-BE49-F238E27FC236}">
-                <a16:creationId xmlns:a16="http://schemas.microsoft.com/office/drawing/2014/main" id="{42D84A2B-F412-4AAF-85D6-8D86D3BC8F1E}"/>
+          <p:cNvPr id="40" name="Chevron 27">
+            <a:extLst>
+              <a:ext uri="{FF2B5EF4-FFF2-40B4-BE49-F238E27FC236}">
+                <a16:creationId xmlns:a16="http://schemas.microsoft.com/office/drawing/2014/main" id="{49651F3A-E85D-4B84-B76D-7A5443C1BFFC}"/>
               </a:ext>
             </a:extLst>
           </p:cNvPr>
@@ -16205,10 +16212,142 @@
           </a:p>
         </p:txBody>
       </p:sp>
+      <p:pic>
+        <p:nvPicPr>
+          <p:cNvPr id="3" name="Image 2" descr="Une image contenant équipement électronique, circuit&#10;&#10;Description générée avec un niveau de confiance élevé">
+            <a:extLst>
+              <a:ext uri="{FF2B5EF4-FFF2-40B4-BE49-F238E27FC236}">
+                <a16:creationId xmlns:a16="http://schemas.microsoft.com/office/drawing/2014/main" id="{D46783FE-9067-44E2-A401-97FC9F396C40}"/>
+              </a:ext>
+            </a:extLst>
+          </p:cNvPr>
+          <p:cNvPicPr>
+            <a:picLocks noChangeAspect="1"/>
+          </p:cNvPicPr>
+          <p:nvPr/>
+        </p:nvPicPr>
+        <p:blipFill rotWithShape="1">
+          <a:blip r:embed="rId5">
+            <a:extLst>
+              <a:ext uri="{28A0092B-C50C-407E-A947-70E740481C1C}">
+                <a14:useLocalDpi xmlns:a14="http://schemas.microsoft.com/office/drawing/2010/main" val="0"/>
+              </a:ext>
+            </a:extLst>
+          </a:blip>
+          <a:srcRect l="53824"/>
+          <a:stretch/>
+        </p:blipFill>
+        <p:spPr>
+          <a:xfrm>
+            <a:off x="910332" y="1927886"/>
+            <a:ext cx="3958419" cy="3200400"/>
+          </a:xfrm>
+          <a:prstGeom prst="rect">
+            <a:avLst/>
+          </a:prstGeom>
+        </p:spPr>
+      </p:pic>
+      <p:sp>
+        <p:nvSpPr>
+          <p:cNvPr id="4" name="Rectangle 3">
+            <a:extLst>
+              <a:ext uri="{FF2B5EF4-FFF2-40B4-BE49-F238E27FC236}">
+                <a16:creationId xmlns:a16="http://schemas.microsoft.com/office/drawing/2014/main" id="{D6216651-C296-4C47-B8EF-93800D3788E0}"/>
+              </a:ext>
+            </a:extLst>
+          </p:cNvPr>
+          <p:cNvSpPr/>
+          <p:nvPr/>
+        </p:nvSpPr>
+        <p:spPr>
+          <a:xfrm>
+            <a:off x="1410511" y="1927886"/>
+            <a:ext cx="1021404" cy="708294"/>
+          </a:xfrm>
+          <a:prstGeom prst="rect">
+            <a:avLst/>
+          </a:prstGeom>
+          <a:solidFill>
+            <a:schemeClr val="bg1"/>
+          </a:solidFill>
+          <a:ln>
+            <a:solidFill>
+              <a:schemeClr val="bg1"/>
+            </a:solidFill>
+          </a:ln>
+        </p:spPr>
+        <p:style>
+          <a:lnRef idx="2">
+            <a:schemeClr val="accent1">
+              <a:shade val="50000"/>
+            </a:schemeClr>
+          </a:lnRef>
+          <a:fillRef idx="1">
+            <a:schemeClr val="accent1"/>
+          </a:fillRef>
+          <a:effectRef idx="0">
+            <a:schemeClr val="accent1"/>
+          </a:effectRef>
+          <a:fontRef idx="minor">
+            <a:schemeClr val="lt1"/>
+          </a:fontRef>
+        </p:style>
+        <p:txBody>
+          <a:bodyPr rtlCol="0" anchor="ctr"/>
+          <a:lstStyle/>
+          <a:p>
+            <a:pPr algn="ctr"/>
+            <a:endParaRPr lang="fr-FR"/>
+          </a:p>
+        </p:txBody>
+      </p:sp>
+      <p:sp>
+        <p:nvSpPr>
+          <p:cNvPr id="41" name="ZoneTexte 40">
+            <a:extLst>
+              <a:ext uri="{FF2B5EF4-FFF2-40B4-BE49-F238E27FC236}">
+                <a16:creationId xmlns:a16="http://schemas.microsoft.com/office/drawing/2014/main" id="{29EB082E-54A5-449A-8E40-DA678FBA99DD}"/>
+              </a:ext>
+            </a:extLst>
+          </p:cNvPr>
+          <p:cNvSpPr txBox="1"/>
+          <p:nvPr/>
+        </p:nvSpPr>
+        <p:spPr>
+          <a:xfrm>
+            <a:off x="2063114" y="5257423"/>
+            <a:ext cx="2314673" cy="369332"/>
+          </a:xfrm>
+          <a:prstGeom prst="rect">
+            <a:avLst/>
+          </a:prstGeom>
+          <a:noFill/>
+        </p:spPr>
+        <p:txBody>
+          <a:bodyPr wrap="square" rtlCol="0">
+            <a:spAutoFit/>
+          </a:bodyPr>
+          <a:lstStyle/>
+          <a:p>
+            <a:pPr algn="ctr"/>
+            <a:r>
+              <a:rPr lang="fr-FR" i="1" dirty="0">
+                <a:solidFill>
+                  <a:schemeClr val="tx1">
+                    <a:lumMod val="50000"/>
+                    <a:lumOff val="50000"/>
+                  </a:schemeClr>
+                </a:solidFill>
+              </a:rPr>
+              <a:t>Shield + Arduino</a:t>
+            </a:r>
+          </a:p>
+        </p:txBody>
+      </p:sp>
     </p:spTree>
     <p:extLst>
       <p:ext uri="{BB962C8B-B14F-4D97-AF65-F5344CB8AC3E}">
-        <p14:creationId xmlns:p14="http://schemas.microsoft.com/office/powerpoint/2010/main" val="2389366711"/>
+        <p14:creationId xmlns:p14="http://schemas.microsoft.com/office/powerpoint/2010/main" val="1380369082"/>
       </p:ext>
     </p:extLst>
   </p:cSld>
@@ -16675,8 +16814,8 @@
         </p:nvSpPr>
         <p:spPr>
           <a:xfrm>
-            <a:off x="3424147" y="523056"/>
-            <a:ext cx="5334886" cy="769441"/>
+            <a:off x="3610620" y="537156"/>
+            <a:ext cx="4970760" cy="769441"/>
           </a:xfrm>
           <a:prstGeom prst="rect">
             <a:avLst/>
@@ -16721,11 +16860,46 @@
                 <a:ea typeface="+mn-ea"/>
                 <a:cs typeface="+mn-cs"/>
               </a:rPr>
-              <a:t>Comment y accéder ?</a:t>
+              <a:t>Base de données</a:t>
             </a:r>
           </a:p>
         </p:txBody>
       </p:sp>
+      <p:pic>
+        <p:nvPicPr>
+          <p:cNvPr id="21" name="Image 20">
+            <a:extLst>
+              <a:ext uri="{FF2B5EF4-FFF2-40B4-BE49-F238E27FC236}">
+                <a16:creationId xmlns:a16="http://schemas.microsoft.com/office/drawing/2014/main" id="{3EA42D52-CF19-486F-9B97-2DFA691BBDE6}"/>
+              </a:ext>
+            </a:extLst>
+          </p:cNvPr>
+          <p:cNvPicPr>
+            <a:picLocks noChangeAspect="1"/>
+          </p:cNvPicPr>
+          <p:nvPr/>
+        </p:nvPicPr>
+        <p:blipFill rotWithShape="1">
+          <a:blip r:embed="rId4">
+            <a:extLst>
+              <a:ext uri="{28A0092B-C50C-407E-A947-70E740481C1C}">
+                <a14:useLocalDpi xmlns:a14="http://schemas.microsoft.com/office/drawing/2010/main" val="0"/>
+              </a:ext>
+            </a:extLst>
+          </a:blip>
+          <a:srcRect l="6990" t="5348" r="6847" b="5239"/>
+          <a:stretch/>
+        </p:blipFill>
+        <p:spPr>
+          <a:xfrm>
+            <a:off x="1653628" y="1401718"/>
+            <a:ext cx="8884744" cy="4782963"/>
+          </a:xfrm>
+          <a:prstGeom prst="rect">
+            <a:avLst/>
+          </a:prstGeom>
+        </p:spPr>
+      </p:pic>
       <p:sp>
         <p:nvSpPr>
           <p:cNvPr id="15" name="Chevron 27">
@@ -17403,226 +17577,10 @@
           </a:p>
         </p:txBody>
       </p:sp>
-      <p:pic>
-        <p:nvPicPr>
-          <p:cNvPr id="33" name="Image 32" descr="Une image contenant objet&#10;&#10;Description générée avec un niveau de confiance élevé">
-            <a:extLst>
-              <a:ext uri="{FF2B5EF4-FFF2-40B4-BE49-F238E27FC236}">
-                <a16:creationId xmlns:a16="http://schemas.microsoft.com/office/drawing/2014/main" id="{23E65D42-5AE9-4C26-8755-8547169E5C98}"/>
-              </a:ext>
-            </a:extLst>
-          </p:cNvPr>
-          <p:cNvPicPr>
-            <a:picLocks noChangeAspect="1"/>
-          </p:cNvPicPr>
-          <p:nvPr/>
-        </p:nvPicPr>
-        <p:blipFill>
-          <a:blip r:embed="rId4">
-            <a:extLst>
-              <a:ext uri="{28A0092B-C50C-407E-A947-70E740481C1C}">
-                <a14:useLocalDpi xmlns:a14="http://schemas.microsoft.com/office/drawing/2010/main" val="0"/>
-              </a:ext>
-            </a:extLst>
-          </a:blip>
-          <a:stretch>
-            <a:fillRect/>
-          </a:stretch>
-        </p:blipFill>
-        <p:spPr>
-          <a:xfrm>
-            <a:off x="4789307" y="2245285"/>
-            <a:ext cx="2397311" cy="1601791"/>
-          </a:xfrm>
-          <a:prstGeom prst="rect">
-            <a:avLst/>
-          </a:prstGeom>
-        </p:spPr>
-      </p:pic>
-      <p:pic>
-        <p:nvPicPr>
-          <p:cNvPr id="34" name="Image 33">
-            <a:extLst>
-              <a:ext uri="{FF2B5EF4-FFF2-40B4-BE49-F238E27FC236}">
-                <a16:creationId xmlns:a16="http://schemas.microsoft.com/office/drawing/2014/main" id="{8F14F848-51BC-45E3-BC90-BC9B0A0A57C0}"/>
-              </a:ext>
-            </a:extLst>
-          </p:cNvPr>
-          <p:cNvPicPr>
-            <a:picLocks noChangeAspect="1"/>
-          </p:cNvPicPr>
-          <p:nvPr/>
-        </p:nvPicPr>
-        <p:blipFill>
-          <a:blip r:embed="rId5">
-            <a:extLst>
-              <a:ext uri="{28A0092B-C50C-407E-A947-70E740481C1C}">
-                <a14:useLocalDpi xmlns:a14="http://schemas.microsoft.com/office/drawing/2010/main" val="0"/>
-              </a:ext>
-            </a:extLst>
-          </a:blip>
-          <a:stretch>
-            <a:fillRect/>
-          </a:stretch>
-        </p:blipFill>
-        <p:spPr>
-          <a:xfrm>
-            <a:off x="1340237" y="1987879"/>
-            <a:ext cx="2116602" cy="2116602"/>
-          </a:xfrm>
-          <a:prstGeom prst="rect">
-            <a:avLst/>
-          </a:prstGeom>
-        </p:spPr>
-      </p:pic>
-      <p:pic>
-        <p:nvPicPr>
-          <p:cNvPr id="35" name="Image 34">
-            <a:extLst>
-              <a:ext uri="{FF2B5EF4-FFF2-40B4-BE49-F238E27FC236}">
-                <a16:creationId xmlns:a16="http://schemas.microsoft.com/office/drawing/2014/main" id="{B288872C-B711-4AC9-B347-DA7C9A7AA1DD}"/>
-              </a:ext>
-            </a:extLst>
-          </p:cNvPr>
-          <p:cNvPicPr>
-            <a:picLocks noChangeAspect="1"/>
-          </p:cNvPicPr>
-          <p:nvPr/>
-        </p:nvPicPr>
-        <p:blipFill>
-          <a:blip r:embed="rId6">
-            <a:extLst>
-              <a:ext uri="{28A0092B-C50C-407E-A947-70E740481C1C}">
-                <a14:useLocalDpi xmlns:a14="http://schemas.microsoft.com/office/drawing/2010/main" val="0"/>
-              </a:ext>
-            </a:extLst>
-          </a:blip>
-          <a:stretch>
-            <a:fillRect/>
-          </a:stretch>
-        </p:blipFill>
-        <p:spPr>
-          <a:xfrm>
-            <a:off x="5632618" y="4785764"/>
-            <a:ext cx="916340" cy="916340"/>
-          </a:xfrm>
-          <a:prstGeom prst="rect">
-            <a:avLst/>
-          </a:prstGeom>
-        </p:spPr>
-      </p:pic>
-      <p:pic>
-        <p:nvPicPr>
-          <p:cNvPr id="3" name="Image 2" descr="Une image contenant équipement électronique&#10;&#10;Description générée avec un niveau de confiance élevé">
-            <a:extLst>
-              <a:ext uri="{FF2B5EF4-FFF2-40B4-BE49-F238E27FC236}">
-                <a16:creationId xmlns:a16="http://schemas.microsoft.com/office/drawing/2014/main" id="{632000CF-6636-4AAC-8FDA-25A98A4F2866}"/>
-              </a:ext>
-            </a:extLst>
-          </p:cNvPr>
-          <p:cNvPicPr>
-            <a:picLocks noChangeAspect="1"/>
-          </p:cNvPicPr>
-          <p:nvPr/>
-        </p:nvPicPr>
-        <p:blipFill>
-          <a:blip r:embed="rId7">
-            <a:extLst>
-              <a:ext uri="{28A0092B-C50C-407E-A947-70E740481C1C}">
-                <a14:useLocalDpi xmlns:a14="http://schemas.microsoft.com/office/drawing/2010/main" val="0"/>
-              </a:ext>
-            </a:extLst>
-          </a:blip>
-          <a:stretch>
-            <a:fillRect/>
-          </a:stretch>
-        </p:blipFill>
-        <p:spPr>
-          <a:xfrm>
-            <a:off x="8055464" y="1420559"/>
-            <a:ext cx="3251242" cy="3251242"/>
-          </a:xfrm>
-          <a:prstGeom prst="rect">
-            <a:avLst/>
-          </a:prstGeom>
-        </p:spPr>
-      </p:pic>
-      <p:pic>
-        <p:nvPicPr>
-          <p:cNvPr id="36" name="Image 35">
-            <a:extLst>
-              <a:ext uri="{FF2B5EF4-FFF2-40B4-BE49-F238E27FC236}">
-                <a16:creationId xmlns:a16="http://schemas.microsoft.com/office/drawing/2014/main" id="{A8CC9B3A-C813-4E70-801F-A87E5A48209A}"/>
-              </a:ext>
-            </a:extLst>
-          </p:cNvPr>
-          <p:cNvPicPr>
-            <a:picLocks noChangeAspect="1"/>
-          </p:cNvPicPr>
-          <p:nvPr/>
-        </p:nvPicPr>
-        <p:blipFill>
-          <a:blip r:embed="rId8">
-            <a:extLst>
-              <a:ext uri="{28A0092B-C50C-407E-A947-70E740481C1C}">
-                <a14:useLocalDpi xmlns:a14="http://schemas.microsoft.com/office/drawing/2010/main" val="0"/>
-              </a:ext>
-            </a:extLst>
-          </a:blip>
-          <a:stretch>
-            <a:fillRect/>
-          </a:stretch>
-        </p:blipFill>
-        <p:spPr>
-          <a:xfrm rot="10963417" flipV="1">
-            <a:off x="6935474" y="3986233"/>
-            <a:ext cx="1371134" cy="1371134"/>
-          </a:xfrm>
-          <a:prstGeom prst="rect">
-            <a:avLst/>
-          </a:prstGeom>
-        </p:spPr>
-      </p:pic>
-      <p:pic>
-        <p:nvPicPr>
-          <p:cNvPr id="37" name="Image 36">
-            <a:extLst>
-              <a:ext uri="{FF2B5EF4-FFF2-40B4-BE49-F238E27FC236}">
-                <a16:creationId xmlns:a16="http://schemas.microsoft.com/office/drawing/2014/main" id="{3CE07C82-D67E-434D-A111-5658BADA2FA7}"/>
-              </a:ext>
-            </a:extLst>
-          </p:cNvPr>
-          <p:cNvPicPr>
-            <a:picLocks noChangeAspect="1"/>
-          </p:cNvPicPr>
-          <p:nvPr/>
-        </p:nvPicPr>
-        <p:blipFill>
-          <a:blip r:embed="rId8">
-            <a:extLst>
-              <a:ext uri="{28A0092B-C50C-407E-A947-70E740481C1C}">
-                <a14:useLocalDpi xmlns:a14="http://schemas.microsoft.com/office/drawing/2010/main" val="0"/>
-              </a:ext>
-            </a:extLst>
-          </a:blip>
-          <a:stretch>
-            <a:fillRect/>
-          </a:stretch>
-        </p:blipFill>
-        <p:spPr>
-          <a:xfrm rot="14446170" flipH="1">
-            <a:off x="3579848" y="3641831"/>
-            <a:ext cx="1438430" cy="1438430"/>
-          </a:xfrm>
-          <a:prstGeom prst="rect">
-            <a:avLst/>
-          </a:prstGeom>
-        </p:spPr>
-      </p:pic>
     </p:spTree>
     <p:extLst>
       <p:ext uri="{BB962C8B-B14F-4D97-AF65-F5344CB8AC3E}">
-        <p14:creationId xmlns:p14="http://schemas.microsoft.com/office/powerpoint/2010/main" val="2782190892"/>
+        <p14:creationId xmlns:p14="http://schemas.microsoft.com/office/powerpoint/2010/main" val="2389366711"/>
       </p:ext>
     </p:extLst>
   </p:cSld>
@@ -18089,8 +18047,8 @@
         </p:nvSpPr>
         <p:spPr>
           <a:xfrm>
-            <a:off x="3610620" y="537156"/>
-            <a:ext cx="4970760" cy="769441"/>
+            <a:off x="3424147" y="523056"/>
+            <a:ext cx="5334886" cy="769441"/>
           </a:xfrm>
           <a:prstGeom prst="rect">
             <a:avLst/>
@@ -18135,89 +18093,17 @@
                 <a:ea typeface="+mn-ea"/>
                 <a:cs typeface="+mn-cs"/>
               </a:rPr>
-              <a:t>Application Web</a:t>
+              <a:t>Comment y accéder ?</a:t>
             </a:r>
           </a:p>
         </p:txBody>
       </p:sp>
-      <p:pic>
-        <p:nvPicPr>
-          <p:cNvPr id="5" name="Image 4" descr="Une image contenant intérieur, capture d’écran, équipement électronique, ordinateur&#10;&#10;Description générée avec un niveau de confiance élevé">
-            <a:extLst>
-              <a:ext uri="{FF2B5EF4-FFF2-40B4-BE49-F238E27FC236}">
-                <a16:creationId xmlns:a16="http://schemas.microsoft.com/office/drawing/2014/main" id="{2474D461-2AE1-4182-A7AB-6504694F525C}"/>
-              </a:ext>
-            </a:extLst>
-          </p:cNvPr>
-          <p:cNvPicPr>
-            <a:picLocks noChangeAspect="1"/>
-          </p:cNvPicPr>
-          <p:nvPr/>
-        </p:nvPicPr>
-        <p:blipFill>
-          <a:blip r:embed="rId4">
-            <a:extLst>
-              <a:ext uri="{28A0092B-C50C-407E-A947-70E740481C1C}">
-                <a14:useLocalDpi xmlns:a14="http://schemas.microsoft.com/office/drawing/2010/main" val="0"/>
-              </a:ext>
-            </a:extLst>
-          </a:blip>
-          <a:stretch>
-            <a:fillRect/>
-          </a:stretch>
-        </p:blipFill>
-        <p:spPr>
-          <a:xfrm>
-            <a:off x="-1681670" y="2121300"/>
-            <a:ext cx="10151230" cy="3178668"/>
-          </a:xfrm>
-          <a:prstGeom prst="rect">
-            <a:avLst/>
-          </a:prstGeom>
-        </p:spPr>
-      </p:pic>
-      <p:pic>
-        <p:nvPicPr>
-          <p:cNvPr id="7" name="Image 6" descr="Une image contenant objet&#10;&#10;Description générée avec un niveau de confiance élevé">
-            <a:extLst>
-              <a:ext uri="{FF2B5EF4-FFF2-40B4-BE49-F238E27FC236}">
-                <a16:creationId xmlns:a16="http://schemas.microsoft.com/office/drawing/2014/main" id="{C8FFEF68-07B6-44BE-942E-F17DA617F07F}"/>
-              </a:ext>
-            </a:extLst>
-          </p:cNvPr>
-          <p:cNvPicPr>
-            <a:picLocks noChangeAspect="1"/>
-          </p:cNvPicPr>
-          <p:nvPr/>
-        </p:nvPicPr>
-        <p:blipFill>
-          <a:blip r:embed="rId5">
-            <a:extLst>
-              <a:ext uri="{28A0092B-C50C-407E-A947-70E740481C1C}">
-                <a14:useLocalDpi xmlns:a14="http://schemas.microsoft.com/office/drawing/2010/main" val="0"/>
-              </a:ext>
-            </a:extLst>
-          </a:blip>
-          <a:stretch>
-            <a:fillRect/>
-          </a:stretch>
-        </p:blipFill>
-        <p:spPr>
-          <a:xfrm>
-            <a:off x="6184069" y="2108843"/>
-            <a:ext cx="2397311" cy="1601791"/>
-          </a:xfrm>
-          <a:prstGeom prst="rect">
-            <a:avLst/>
-          </a:prstGeom>
-        </p:spPr>
-      </p:pic>
       <p:sp>
         <p:nvSpPr>
-          <p:cNvPr id="17" name="Chevron 27">
-            <a:extLst>
-              <a:ext uri="{FF2B5EF4-FFF2-40B4-BE49-F238E27FC236}">
-                <a16:creationId xmlns:a16="http://schemas.microsoft.com/office/drawing/2014/main" id="{04816164-3C34-4BBA-BB35-2461A0F1F61E}"/>
+          <p:cNvPr id="15" name="Chevron 27">
+            <a:extLst>
+              <a:ext uri="{FF2B5EF4-FFF2-40B4-BE49-F238E27FC236}">
+                <a16:creationId xmlns:a16="http://schemas.microsoft.com/office/drawing/2014/main" id="{CBE81A27-AFE2-4B7C-8F89-8E2783264290}"/>
               </a:ext>
             </a:extLst>
           </p:cNvPr>
@@ -18226,7 +18112,7 @@
         </p:nvSpPr>
         <p:spPr>
           <a:xfrm>
-            <a:off x="8451111" y="6317891"/>
+            <a:off x="7566190" y="6317891"/>
             <a:ext cx="1528493" cy="247736"/>
           </a:xfrm>
           <a:prstGeom prst="chevron">
@@ -18275,10 +18161,10 @@
       </p:sp>
       <p:sp>
         <p:nvSpPr>
-          <p:cNvPr id="18" name="Chevron 27">
-            <a:extLst>
-              <a:ext uri="{FF2B5EF4-FFF2-40B4-BE49-F238E27FC236}">
-                <a16:creationId xmlns:a16="http://schemas.microsoft.com/office/drawing/2014/main" id="{4CBFBE11-335A-46E9-B1ED-B8C7675DA68E}"/>
+          <p:cNvPr id="17" name="Chevron 27">
+            <a:extLst>
+              <a:ext uri="{FF2B5EF4-FFF2-40B4-BE49-F238E27FC236}">
+                <a16:creationId xmlns:a16="http://schemas.microsoft.com/office/drawing/2014/main" id="{63C86950-CF9C-4EE6-8A31-B76BDB2C082A}"/>
               </a:ext>
             </a:extLst>
           </p:cNvPr>
@@ -18331,10 +18217,10 @@
       </p:sp>
       <p:sp>
         <p:nvSpPr>
-          <p:cNvPr id="19" name="Chevron 27">
-            <a:extLst>
-              <a:ext uri="{FF2B5EF4-FFF2-40B4-BE49-F238E27FC236}">
-                <a16:creationId xmlns:a16="http://schemas.microsoft.com/office/drawing/2014/main" id="{B6186EBA-FA72-4588-A4AC-424B432E1804}"/>
+          <p:cNvPr id="18" name="Chevron 27">
+            <a:extLst>
+              <a:ext uri="{FF2B5EF4-FFF2-40B4-BE49-F238E27FC236}">
+                <a16:creationId xmlns:a16="http://schemas.microsoft.com/office/drawing/2014/main" id="{E42A5D13-D301-4D6E-B886-D2EDDA651598}"/>
               </a:ext>
             </a:extLst>
           </p:cNvPr>
@@ -18387,10 +18273,10 @@
       </p:sp>
       <p:sp>
         <p:nvSpPr>
-          <p:cNvPr id="21" name="Chevron 27">
-            <a:extLst>
-              <a:ext uri="{FF2B5EF4-FFF2-40B4-BE49-F238E27FC236}">
-                <a16:creationId xmlns:a16="http://schemas.microsoft.com/office/drawing/2014/main" id="{4E7A86EC-9E17-43CC-93B6-BA275B5B37AA}"/>
+          <p:cNvPr id="19" name="Chevron 27">
+            <a:extLst>
+              <a:ext uri="{FF2B5EF4-FFF2-40B4-BE49-F238E27FC236}">
+                <a16:creationId xmlns:a16="http://schemas.microsoft.com/office/drawing/2014/main" id="{4477BF0A-78EC-4400-BCA6-57AFCDCF96BC}"/>
               </a:ext>
             </a:extLst>
           </p:cNvPr>
@@ -18446,7 +18332,7 @@
           <p:cNvPr id="22" name="Chevron 27">
             <a:extLst>
               <a:ext uri="{FF2B5EF4-FFF2-40B4-BE49-F238E27FC236}">
-                <a16:creationId xmlns:a16="http://schemas.microsoft.com/office/drawing/2014/main" id="{B00BF254-8AFC-418C-8526-7BF890303C6C}"/>
+                <a16:creationId xmlns:a16="http://schemas.microsoft.com/office/drawing/2014/main" id="{3890119A-37AE-43C3-AA6A-82D5A0AD80C2}"/>
               </a:ext>
             </a:extLst>
           </p:cNvPr>
@@ -18502,7 +18388,7 @@
           <p:cNvPr id="24" name="Chevron 27">
             <a:extLst>
               <a:ext uri="{FF2B5EF4-FFF2-40B4-BE49-F238E27FC236}">
-                <a16:creationId xmlns:a16="http://schemas.microsoft.com/office/drawing/2014/main" id="{870C7D09-205A-4787-B1F4-0C7D2364CF48}"/>
+                <a16:creationId xmlns:a16="http://schemas.microsoft.com/office/drawing/2014/main" id="{161D449B-8836-4ED8-BEE9-8BE8E5E1584A}"/>
               </a:ext>
             </a:extLst>
           </p:cNvPr>
@@ -18558,7 +18444,7 @@
           <p:cNvPr id="25" name="Chevron 27">
             <a:extLst>
               <a:ext uri="{FF2B5EF4-FFF2-40B4-BE49-F238E27FC236}">
-                <a16:creationId xmlns:a16="http://schemas.microsoft.com/office/drawing/2014/main" id="{E58BB1F0-3F30-403A-8F7E-B22B304BDC13}"/>
+                <a16:creationId xmlns:a16="http://schemas.microsoft.com/office/drawing/2014/main" id="{206D55AF-9574-4180-9DAD-D2AEEE5A2C40}"/>
               </a:ext>
             </a:extLst>
           </p:cNvPr>
@@ -18614,7 +18500,7 @@
           <p:cNvPr id="27" name="Chevron 27">
             <a:extLst>
               <a:ext uri="{FF2B5EF4-FFF2-40B4-BE49-F238E27FC236}">
-                <a16:creationId xmlns:a16="http://schemas.microsoft.com/office/drawing/2014/main" id="{4A559009-86CC-4B81-98C5-E23983698746}"/>
+                <a16:creationId xmlns:a16="http://schemas.microsoft.com/office/drawing/2014/main" id="{5015D93B-0501-4704-8B9D-29CCA8E494A3}"/>
               </a:ext>
             </a:extLst>
           </p:cNvPr>
@@ -18670,7 +18556,7 @@
           <p:cNvPr id="28" name="Chevron 27">
             <a:extLst>
               <a:ext uri="{FF2B5EF4-FFF2-40B4-BE49-F238E27FC236}">
-                <a16:creationId xmlns:a16="http://schemas.microsoft.com/office/drawing/2014/main" id="{82C0A29D-1293-4D63-A3C7-FE0ABB10A277}"/>
+                <a16:creationId xmlns:a16="http://schemas.microsoft.com/office/drawing/2014/main" id="{B9C49CFF-18B0-4AEC-BADB-2717B4CA8BBD}"/>
               </a:ext>
             </a:extLst>
           </p:cNvPr>
@@ -18726,7 +18612,7 @@
           <p:cNvPr id="29" name="Chevron 27">
             <a:extLst>
               <a:ext uri="{FF2B5EF4-FFF2-40B4-BE49-F238E27FC236}">
-                <a16:creationId xmlns:a16="http://schemas.microsoft.com/office/drawing/2014/main" id="{72C693BC-11ED-415B-85C8-8E41D0EAC336}"/>
+                <a16:creationId xmlns:a16="http://schemas.microsoft.com/office/drawing/2014/main" id="{AF5BBCC6-C182-42F5-B7B3-B314D4BCD478}"/>
               </a:ext>
             </a:extLst>
           </p:cNvPr>
@@ -18735,7 +18621,7 @@
         </p:nvSpPr>
         <p:spPr>
           <a:xfrm>
-            <a:off x="7566190" y="6326658"/>
+            <a:off x="9158837" y="6317891"/>
             <a:ext cx="796323" cy="247736"/>
           </a:xfrm>
           <a:prstGeom prst="chevron">
@@ -18782,7 +18668,7 @@
           <p:cNvPr id="30" name="Chevron 27">
             <a:extLst>
               <a:ext uri="{FF2B5EF4-FFF2-40B4-BE49-F238E27FC236}">
-                <a16:creationId xmlns:a16="http://schemas.microsoft.com/office/drawing/2014/main" id="{7E84DB4E-36BE-46B1-AF8F-CCA5C1E8ECBC}"/>
+                <a16:creationId xmlns:a16="http://schemas.microsoft.com/office/drawing/2014/main" id="{CD9FD450-D236-4C07-8A3D-4AA0A87C4F8B}"/>
               </a:ext>
             </a:extLst>
           </p:cNvPr>
@@ -18838,7 +18724,7 @@
           <p:cNvPr id="31" name="Chevron 27">
             <a:extLst>
               <a:ext uri="{FF2B5EF4-FFF2-40B4-BE49-F238E27FC236}">
-                <a16:creationId xmlns:a16="http://schemas.microsoft.com/office/drawing/2014/main" id="{D46BC951-6C02-4B1A-BD76-3D50FB685361}"/>
+                <a16:creationId xmlns:a16="http://schemas.microsoft.com/office/drawing/2014/main" id="{42D84A2B-F412-4AAF-85D6-8D86D3BC8F1E}"/>
               </a:ext>
             </a:extLst>
           </p:cNvPr>
@@ -18891,10 +18777,10 @@
       </p:sp>
       <p:pic>
         <p:nvPicPr>
-          <p:cNvPr id="33" name="Image 32">
-            <a:extLst>
-              <a:ext uri="{FF2B5EF4-FFF2-40B4-BE49-F238E27FC236}">
-                <a16:creationId xmlns:a16="http://schemas.microsoft.com/office/drawing/2014/main" id="{02422B00-F565-495F-A598-8EA6E0CA6BB3}"/>
+          <p:cNvPr id="33" name="Image 32" descr="Une image contenant objet&#10;&#10;Description générée avec un niveau de confiance élevé">
+            <a:extLst>
+              <a:ext uri="{FF2B5EF4-FFF2-40B4-BE49-F238E27FC236}">
+                <a16:creationId xmlns:a16="http://schemas.microsoft.com/office/drawing/2014/main" id="{23E65D42-5AE9-4C26-8755-8547169E5C98}"/>
               </a:ext>
             </a:extLst>
           </p:cNvPr>
@@ -18904,7 +18790,7 @@
           <p:nvPr/>
         </p:nvPicPr>
         <p:blipFill>
-          <a:blip r:embed="rId6">
+          <a:blip r:embed="rId4">
             <a:extLst>
               <a:ext uri="{28A0092B-C50C-407E-A947-70E740481C1C}">
                 <a14:useLocalDpi xmlns:a14="http://schemas.microsoft.com/office/drawing/2010/main" val="0"/>
@@ -18917,8 +18803,188 @@
         </p:blipFill>
         <p:spPr>
           <a:xfrm>
-            <a:off x="8962124" y="4255130"/>
-            <a:ext cx="1437921" cy="1437921"/>
+            <a:off x="4789307" y="2245285"/>
+            <a:ext cx="2397311" cy="1601791"/>
+          </a:xfrm>
+          <a:prstGeom prst="rect">
+            <a:avLst/>
+          </a:prstGeom>
+        </p:spPr>
+      </p:pic>
+      <p:pic>
+        <p:nvPicPr>
+          <p:cNvPr id="34" name="Image 33">
+            <a:extLst>
+              <a:ext uri="{FF2B5EF4-FFF2-40B4-BE49-F238E27FC236}">
+                <a16:creationId xmlns:a16="http://schemas.microsoft.com/office/drawing/2014/main" id="{8F14F848-51BC-45E3-BC90-BC9B0A0A57C0}"/>
+              </a:ext>
+            </a:extLst>
+          </p:cNvPr>
+          <p:cNvPicPr>
+            <a:picLocks noChangeAspect="1"/>
+          </p:cNvPicPr>
+          <p:nvPr/>
+        </p:nvPicPr>
+        <p:blipFill>
+          <a:blip r:embed="rId5">
+            <a:extLst>
+              <a:ext uri="{28A0092B-C50C-407E-A947-70E740481C1C}">
+                <a14:useLocalDpi xmlns:a14="http://schemas.microsoft.com/office/drawing/2010/main" val="0"/>
+              </a:ext>
+            </a:extLst>
+          </a:blip>
+          <a:stretch>
+            <a:fillRect/>
+          </a:stretch>
+        </p:blipFill>
+        <p:spPr>
+          <a:xfrm>
+            <a:off x="1340237" y="1987879"/>
+            <a:ext cx="2116602" cy="2116602"/>
+          </a:xfrm>
+          <a:prstGeom prst="rect">
+            <a:avLst/>
+          </a:prstGeom>
+        </p:spPr>
+      </p:pic>
+      <p:pic>
+        <p:nvPicPr>
+          <p:cNvPr id="35" name="Image 34">
+            <a:extLst>
+              <a:ext uri="{FF2B5EF4-FFF2-40B4-BE49-F238E27FC236}">
+                <a16:creationId xmlns:a16="http://schemas.microsoft.com/office/drawing/2014/main" id="{B288872C-B711-4AC9-B347-DA7C9A7AA1DD}"/>
+              </a:ext>
+            </a:extLst>
+          </p:cNvPr>
+          <p:cNvPicPr>
+            <a:picLocks noChangeAspect="1"/>
+          </p:cNvPicPr>
+          <p:nvPr/>
+        </p:nvPicPr>
+        <p:blipFill>
+          <a:blip r:embed="rId6">
+            <a:extLst>
+              <a:ext uri="{28A0092B-C50C-407E-A947-70E740481C1C}">
+                <a14:useLocalDpi xmlns:a14="http://schemas.microsoft.com/office/drawing/2010/main" val="0"/>
+              </a:ext>
+            </a:extLst>
+          </a:blip>
+          <a:stretch>
+            <a:fillRect/>
+          </a:stretch>
+        </p:blipFill>
+        <p:spPr>
+          <a:xfrm>
+            <a:off x="5632618" y="4785764"/>
+            <a:ext cx="916340" cy="916340"/>
+          </a:xfrm>
+          <a:prstGeom prst="rect">
+            <a:avLst/>
+          </a:prstGeom>
+        </p:spPr>
+      </p:pic>
+      <p:pic>
+        <p:nvPicPr>
+          <p:cNvPr id="3" name="Image 2" descr="Une image contenant équipement électronique&#10;&#10;Description générée avec un niveau de confiance élevé">
+            <a:extLst>
+              <a:ext uri="{FF2B5EF4-FFF2-40B4-BE49-F238E27FC236}">
+                <a16:creationId xmlns:a16="http://schemas.microsoft.com/office/drawing/2014/main" id="{632000CF-6636-4AAC-8FDA-25A98A4F2866}"/>
+              </a:ext>
+            </a:extLst>
+          </p:cNvPr>
+          <p:cNvPicPr>
+            <a:picLocks noChangeAspect="1"/>
+          </p:cNvPicPr>
+          <p:nvPr/>
+        </p:nvPicPr>
+        <p:blipFill>
+          <a:blip r:embed="rId7">
+            <a:extLst>
+              <a:ext uri="{28A0092B-C50C-407E-A947-70E740481C1C}">
+                <a14:useLocalDpi xmlns:a14="http://schemas.microsoft.com/office/drawing/2010/main" val="0"/>
+              </a:ext>
+            </a:extLst>
+          </a:blip>
+          <a:stretch>
+            <a:fillRect/>
+          </a:stretch>
+        </p:blipFill>
+        <p:spPr>
+          <a:xfrm>
+            <a:off x="8055464" y="1420559"/>
+            <a:ext cx="3251242" cy="3251242"/>
+          </a:xfrm>
+          <a:prstGeom prst="rect">
+            <a:avLst/>
+          </a:prstGeom>
+        </p:spPr>
+      </p:pic>
+      <p:pic>
+        <p:nvPicPr>
+          <p:cNvPr id="36" name="Image 35">
+            <a:extLst>
+              <a:ext uri="{FF2B5EF4-FFF2-40B4-BE49-F238E27FC236}">
+                <a16:creationId xmlns:a16="http://schemas.microsoft.com/office/drawing/2014/main" id="{A8CC9B3A-C813-4E70-801F-A87E5A48209A}"/>
+              </a:ext>
+            </a:extLst>
+          </p:cNvPr>
+          <p:cNvPicPr>
+            <a:picLocks noChangeAspect="1"/>
+          </p:cNvPicPr>
+          <p:nvPr/>
+        </p:nvPicPr>
+        <p:blipFill>
+          <a:blip r:embed="rId8">
+            <a:extLst>
+              <a:ext uri="{28A0092B-C50C-407E-A947-70E740481C1C}">
+                <a14:useLocalDpi xmlns:a14="http://schemas.microsoft.com/office/drawing/2010/main" val="0"/>
+              </a:ext>
+            </a:extLst>
+          </a:blip>
+          <a:stretch>
+            <a:fillRect/>
+          </a:stretch>
+        </p:blipFill>
+        <p:spPr>
+          <a:xfrm rot="10963417" flipV="1">
+            <a:off x="6935474" y="3986233"/>
+            <a:ext cx="1371134" cy="1371134"/>
+          </a:xfrm>
+          <a:prstGeom prst="rect">
+            <a:avLst/>
+          </a:prstGeom>
+        </p:spPr>
+      </p:pic>
+      <p:pic>
+        <p:nvPicPr>
+          <p:cNvPr id="37" name="Image 36">
+            <a:extLst>
+              <a:ext uri="{FF2B5EF4-FFF2-40B4-BE49-F238E27FC236}">
+                <a16:creationId xmlns:a16="http://schemas.microsoft.com/office/drawing/2014/main" id="{3CE07C82-D67E-434D-A111-5658BADA2FA7}"/>
+              </a:ext>
+            </a:extLst>
+          </p:cNvPr>
+          <p:cNvPicPr>
+            <a:picLocks noChangeAspect="1"/>
+          </p:cNvPicPr>
+          <p:nvPr/>
+        </p:nvPicPr>
+        <p:blipFill>
+          <a:blip r:embed="rId8">
+            <a:extLst>
+              <a:ext uri="{28A0092B-C50C-407E-A947-70E740481C1C}">
+                <a14:useLocalDpi xmlns:a14="http://schemas.microsoft.com/office/drawing/2010/main" val="0"/>
+              </a:ext>
+            </a:extLst>
+          </a:blip>
+          <a:stretch>
+            <a:fillRect/>
+          </a:stretch>
+        </p:blipFill>
+        <p:spPr>
+          <a:xfrm rot="14446170" flipH="1">
+            <a:off x="3579848" y="3641831"/>
+            <a:ext cx="1438430" cy="1438430"/>
           </a:xfrm>
           <a:prstGeom prst="rect">
             <a:avLst/>
@@ -18928,7 +18994,7 @@
     </p:spTree>
     <p:extLst>
       <p:ext uri="{BB962C8B-B14F-4D97-AF65-F5344CB8AC3E}">
-        <p14:creationId xmlns:p14="http://schemas.microsoft.com/office/powerpoint/2010/main" val="2975497934"/>
+        <p14:creationId xmlns:p14="http://schemas.microsoft.com/office/powerpoint/2010/main" val="2782190892"/>
       </p:ext>
     </p:extLst>
   </p:cSld>
@@ -20192,9 +20258,9 @@
           <p:nvPr/>
         </p:nvCxnSpPr>
         <p:spPr>
-          <a:xfrm flipV="1">
-            <a:off x="1082434" y="956588"/>
-            <a:ext cx="1145681" cy="3776"/>
+          <a:xfrm>
+            <a:off x="1082434" y="938268"/>
+            <a:ext cx="1146585" cy="0"/>
           </a:xfrm>
           <a:prstGeom prst="line">
             <a:avLst/>
@@ -20405,12 +20471,77 @@
           </a:fontRef>
         </p:style>
       </p:cxnSp>
+      <p:sp>
+        <p:nvSpPr>
+          <p:cNvPr id="9" name="ZoneTexte 8">
+            <a:extLst>
+              <a:ext uri="{FF2B5EF4-FFF2-40B4-BE49-F238E27FC236}">
+                <a16:creationId xmlns:a16="http://schemas.microsoft.com/office/drawing/2014/main" id="{82010251-0AD2-4DAA-8E6B-7CA6A2301A9E}"/>
+              </a:ext>
+            </a:extLst>
+          </p:cNvPr>
+          <p:cNvSpPr txBox="1"/>
+          <p:nvPr/>
+        </p:nvSpPr>
+        <p:spPr>
+          <a:xfrm>
+            <a:off x="3610620" y="537156"/>
+            <a:ext cx="4970760" cy="769441"/>
+          </a:xfrm>
+          <a:prstGeom prst="rect">
+            <a:avLst/>
+          </a:prstGeom>
+          <a:noFill/>
+        </p:spPr>
+        <p:txBody>
+          <a:bodyPr wrap="square" rtlCol="0">
+            <a:spAutoFit/>
+          </a:bodyPr>
+          <a:lstStyle/>
+          <a:p>
+            <a:pPr marL="0" marR="0" lvl="0" indent="0" algn="ctr" defTabSz="914400" rtl="0" eaLnBrk="1" fontAlgn="auto" latinLnBrk="0" hangingPunct="1">
+              <a:lnSpc>
+                <a:spcPct val="100000"/>
+              </a:lnSpc>
+              <a:spcBef>
+                <a:spcPts val="0"/>
+              </a:spcBef>
+              <a:spcAft>
+                <a:spcPts val="0"/>
+              </a:spcAft>
+              <a:buClrTx/>
+              <a:buSzTx/>
+              <a:buFontTx/>
+              <a:buNone/>
+              <a:tabLst/>
+              <a:defRPr/>
+            </a:pPr>
+            <a:r>
+              <a:rPr kumimoji="0" lang="fr-FR" sz="4400" b="0" i="0" u="none" strike="noStrike" kern="1200" cap="none" spc="0" normalizeH="0" baseline="0" noProof="0" dirty="0">
+                <a:ln>
+                  <a:noFill/>
+                </a:ln>
+                <a:solidFill>
+                  <a:prstClr val="black"/>
+                </a:solidFill>
+                <a:effectLst/>
+                <a:uLnTx/>
+                <a:uFillTx/>
+                <a:latin typeface="Berlin Sans FB" panose="020E0602020502020306" pitchFamily="34" charset="0"/>
+                <a:ea typeface="+mn-ea"/>
+                <a:cs typeface="+mn-cs"/>
+              </a:rPr>
+              <a:t>Application Web</a:t>
+            </a:r>
+          </a:p>
+        </p:txBody>
+      </p:sp>
       <p:pic>
         <p:nvPicPr>
-          <p:cNvPr id="3" name="Image 2" descr="Une image contenant capture d’écran&#10;&#10;Description générée avec un niveau de confiance très élevé">
-            <a:extLst>
-              <a:ext uri="{FF2B5EF4-FFF2-40B4-BE49-F238E27FC236}">
-                <a16:creationId xmlns:a16="http://schemas.microsoft.com/office/drawing/2014/main" id="{7E51CA30-423A-4041-A289-8B7ACE40A439}"/>
+          <p:cNvPr id="5" name="Image 4" descr="Une image contenant intérieur, capture d’écran, équipement électronique, ordinateur&#10;&#10;Description générée avec un niveau de confiance élevé">
+            <a:extLst>
+              <a:ext uri="{FF2B5EF4-FFF2-40B4-BE49-F238E27FC236}">
+                <a16:creationId xmlns:a16="http://schemas.microsoft.com/office/drawing/2014/main" id="{2474D461-2AE1-4182-A7AB-6504694F525C}"/>
               </a:ext>
             </a:extLst>
           </p:cNvPr>
@@ -20433,8 +20564,8 @@
         </p:blipFill>
         <p:spPr>
           <a:xfrm>
-            <a:off x="1041674" y="1159275"/>
-            <a:ext cx="5630327" cy="4341795"/>
+            <a:off x="-1681670" y="2121300"/>
+            <a:ext cx="10151230" cy="3178668"/>
           </a:xfrm>
           <a:prstGeom prst="rect">
             <a:avLst/>
@@ -20443,10 +20574,10 @@
       </p:pic>
       <p:pic>
         <p:nvPicPr>
-          <p:cNvPr id="6" name="Image 5">
-            <a:extLst>
-              <a:ext uri="{FF2B5EF4-FFF2-40B4-BE49-F238E27FC236}">
-                <a16:creationId xmlns:a16="http://schemas.microsoft.com/office/drawing/2014/main" id="{62381C27-7C19-4630-A36E-43F5624E59E8}"/>
+          <p:cNvPr id="7" name="Image 6" descr="Une image contenant objet&#10;&#10;Description générée avec un niveau de confiance élevé">
+            <a:extLst>
+              <a:ext uri="{FF2B5EF4-FFF2-40B4-BE49-F238E27FC236}">
+                <a16:creationId xmlns:a16="http://schemas.microsoft.com/office/drawing/2014/main" id="{C8FFEF68-07B6-44BE-942E-F17DA617F07F}"/>
               </a:ext>
             </a:extLst>
           </p:cNvPr>
@@ -20469,8 +20600,8 @@
         </p:blipFill>
         <p:spPr>
           <a:xfrm>
-            <a:off x="1041674" y="5501070"/>
-            <a:ext cx="5630327" cy="727729"/>
+            <a:off x="6184069" y="2108843"/>
+            <a:ext cx="2397311" cy="1601791"/>
           </a:xfrm>
           <a:prstGeom prst="rect">
             <a:avLst/>
@@ -20479,178 +20610,19 @@
       </p:pic>
       <p:sp>
         <p:nvSpPr>
-          <p:cNvPr id="21" name="ZoneTexte 20">
-            <a:extLst>
-              <a:ext uri="{FF2B5EF4-FFF2-40B4-BE49-F238E27FC236}">
-                <a16:creationId xmlns:a16="http://schemas.microsoft.com/office/drawing/2014/main" id="{DDAC49D4-EC74-4389-9FC7-A85C374B282F}"/>
-              </a:ext>
-            </a:extLst>
-          </p:cNvPr>
-          <p:cNvSpPr txBox="1"/>
+          <p:cNvPr id="17" name="Chevron 27">
+            <a:extLst>
+              <a:ext uri="{FF2B5EF4-FFF2-40B4-BE49-F238E27FC236}">
+                <a16:creationId xmlns:a16="http://schemas.microsoft.com/office/drawing/2014/main" id="{04816164-3C34-4BBA-BB35-2461A0F1F61E}"/>
+              </a:ext>
+            </a:extLst>
+          </p:cNvPr>
+          <p:cNvSpPr/>
           <p:nvPr/>
         </p:nvSpPr>
         <p:spPr>
           <a:xfrm>
-            <a:off x="7744979" y="2393462"/>
-            <a:ext cx="2314673" cy="923330"/>
-          </a:xfrm>
-          <a:prstGeom prst="rect">
-            <a:avLst/>
-          </a:prstGeom>
-          <a:noFill/>
-        </p:spPr>
-        <p:txBody>
-          <a:bodyPr wrap="square" rtlCol="0">
-            <a:spAutoFit/>
-          </a:bodyPr>
-          <a:lstStyle/>
-          <a:p>
-            <a:pPr marL="285750" indent="-285750">
-              <a:buFontTx/>
-              <a:buChar char="-"/>
-            </a:pPr>
-            <a:r>
-              <a:rPr lang="fr-FR" i="1" dirty="0">
-                <a:solidFill>
-                  <a:schemeClr val="tx1">
-                    <a:lumMod val="50000"/>
-                    <a:lumOff val="50000"/>
-                  </a:schemeClr>
-                </a:solidFill>
-              </a:rPr>
-              <a:t>Choix du capteur</a:t>
-            </a:r>
-          </a:p>
-          <a:p>
-            <a:pPr marL="285750" indent="-285750">
-              <a:buFontTx/>
-              <a:buChar char="-"/>
-            </a:pPr>
-            <a:r>
-              <a:rPr lang="fr-FR" i="1" dirty="0">
-                <a:solidFill>
-                  <a:schemeClr val="tx1">
-                    <a:lumMod val="50000"/>
-                    <a:lumOff val="50000"/>
-                  </a:schemeClr>
-                </a:solidFill>
-              </a:rPr>
-              <a:t>Choix de la période</a:t>
-            </a:r>
-          </a:p>
-          <a:p>
-            <a:pPr marL="285750" indent="-285750" algn="ctr">
-              <a:buFontTx/>
-              <a:buChar char="-"/>
-            </a:pPr>
-            <a:endParaRPr lang="fr-FR" i="1" dirty="0">
-              <a:solidFill>
-                <a:schemeClr val="tx1">
-                  <a:lumMod val="50000"/>
-                  <a:lumOff val="50000"/>
-                </a:schemeClr>
-              </a:solidFill>
-            </a:endParaRPr>
-          </a:p>
-        </p:txBody>
-      </p:sp>
-      <p:sp>
-        <p:nvSpPr>
-          <p:cNvPr id="22" name="ZoneTexte 21">
-            <a:extLst>
-              <a:ext uri="{FF2B5EF4-FFF2-40B4-BE49-F238E27FC236}">
-                <a16:creationId xmlns:a16="http://schemas.microsoft.com/office/drawing/2014/main" id="{7A4EF1AD-65E8-4D30-9779-DC18D2AC7B2C}"/>
-              </a:ext>
-            </a:extLst>
-          </p:cNvPr>
-          <p:cNvSpPr txBox="1"/>
-          <p:nvPr/>
-        </p:nvSpPr>
-        <p:spPr>
-          <a:xfrm>
-            <a:off x="7744979" y="4321723"/>
-            <a:ext cx="2668528" cy="646331"/>
-          </a:xfrm>
-          <a:prstGeom prst="rect">
-            <a:avLst/>
-          </a:prstGeom>
-          <a:noFill/>
-        </p:spPr>
-        <p:txBody>
-          <a:bodyPr wrap="square" rtlCol="0">
-            <a:spAutoFit/>
-          </a:bodyPr>
-          <a:lstStyle/>
-          <a:p>
-            <a:pPr marL="285750" indent="-285750">
-              <a:buFontTx/>
-              <a:buChar char="-"/>
-            </a:pPr>
-            <a:r>
-              <a:rPr lang="fr-FR" i="1" dirty="0">
-                <a:solidFill>
-                  <a:schemeClr val="tx1">
-                    <a:lumMod val="50000"/>
-                    <a:lumOff val="50000"/>
-                  </a:schemeClr>
-                </a:solidFill>
-              </a:rPr>
-              <a:t>Affichage de la courbe en fonction des valeurs</a:t>
-            </a:r>
-          </a:p>
-        </p:txBody>
-      </p:sp>
-      <p:pic>
-        <p:nvPicPr>
-          <p:cNvPr id="13" name="Image 12">
-            <a:extLst>
-              <a:ext uri="{FF2B5EF4-FFF2-40B4-BE49-F238E27FC236}">
-                <a16:creationId xmlns:a16="http://schemas.microsoft.com/office/drawing/2014/main" id="{4A909C3E-9FB8-43B5-9524-0388CC422D49}"/>
-              </a:ext>
-            </a:extLst>
-          </p:cNvPr>
-          <p:cNvPicPr>
-            <a:picLocks noChangeAspect="1"/>
-          </p:cNvPicPr>
-          <p:nvPr/>
-        </p:nvPicPr>
-        <p:blipFill>
-          <a:blip r:embed="rId6">
-            <a:extLst>
-              <a:ext uri="{28A0092B-C50C-407E-A947-70E740481C1C}">
-                <a14:useLocalDpi xmlns:a14="http://schemas.microsoft.com/office/drawing/2010/main" val="0"/>
-              </a:ext>
-            </a:extLst>
-          </a:blip>
-          <a:stretch>
-            <a:fillRect/>
-          </a:stretch>
-        </p:blipFill>
-        <p:spPr>
-          <a:xfrm rot="9982948">
-            <a:off x="5287608" y="332331"/>
-            <a:ext cx="2310538" cy="2310538"/>
-          </a:xfrm>
-          <a:prstGeom prst="rect">
-            <a:avLst/>
-          </a:prstGeom>
-        </p:spPr>
-      </p:pic>
-      <p:sp>
-        <p:nvSpPr>
-          <p:cNvPr id="24" name="Chevron 27">
-            <a:extLst>
-              <a:ext uri="{FF2B5EF4-FFF2-40B4-BE49-F238E27FC236}">
-                <a16:creationId xmlns:a16="http://schemas.microsoft.com/office/drawing/2014/main" id="{0648CBCF-96CA-42B9-BC67-2F44367768FD}"/>
-              </a:ext>
-            </a:extLst>
-          </p:cNvPr>
-          <p:cNvSpPr/>
-          <p:nvPr/>
-        </p:nvSpPr>
-        <p:spPr>
-          <a:xfrm>
-            <a:off x="8426667" y="6317891"/>
+            <a:off x="8451111" y="6317891"/>
             <a:ext cx="1528493" cy="247736"/>
           </a:xfrm>
           <a:prstGeom prst="chevron">
@@ -20699,10 +20671,10 @@
       </p:sp>
       <p:sp>
         <p:nvSpPr>
-          <p:cNvPr id="25" name="Chevron 27">
-            <a:extLst>
-              <a:ext uri="{FF2B5EF4-FFF2-40B4-BE49-F238E27FC236}">
-                <a16:creationId xmlns:a16="http://schemas.microsoft.com/office/drawing/2014/main" id="{DC00DFC5-AF5E-4B87-853A-C5F32C23D1E7}"/>
+          <p:cNvPr id="18" name="Chevron 27">
+            <a:extLst>
+              <a:ext uri="{FF2B5EF4-FFF2-40B4-BE49-F238E27FC236}">
+                <a16:creationId xmlns:a16="http://schemas.microsoft.com/office/drawing/2014/main" id="{4CBFBE11-335A-46E9-B1ED-B8C7675DA68E}"/>
               </a:ext>
             </a:extLst>
           </p:cNvPr>
@@ -20755,10 +20727,10 @@
       </p:sp>
       <p:sp>
         <p:nvSpPr>
-          <p:cNvPr id="27" name="Chevron 27">
-            <a:extLst>
-              <a:ext uri="{FF2B5EF4-FFF2-40B4-BE49-F238E27FC236}">
-                <a16:creationId xmlns:a16="http://schemas.microsoft.com/office/drawing/2014/main" id="{F373AAF7-5D03-49BD-B401-267A7E974241}"/>
+          <p:cNvPr id="19" name="Chevron 27">
+            <a:extLst>
+              <a:ext uri="{FF2B5EF4-FFF2-40B4-BE49-F238E27FC236}">
+                <a16:creationId xmlns:a16="http://schemas.microsoft.com/office/drawing/2014/main" id="{B6186EBA-FA72-4588-A4AC-424B432E1804}"/>
               </a:ext>
             </a:extLst>
           </p:cNvPr>
@@ -20811,10 +20783,10 @@
       </p:sp>
       <p:sp>
         <p:nvSpPr>
-          <p:cNvPr id="28" name="Chevron 27">
-            <a:extLst>
-              <a:ext uri="{FF2B5EF4-FFF2-40B4-BE49-F238E27FC236}">
-                <a16:creationId xmlns:a16="http://schemas.microsoft.com/office/drawing/2014/main" id="{5A5E2809-B4D2-41F8-BF66-62F90D23FF5C}"/>
+          <p:cNvPr id="21" name="Chevron 27">
+            <a:extLst>
+              <a:ext uri="{FF2B5EF4-FFF2-40B4-BE49-F238E27FC236}">
+                <a16:creationId xmlns:a16="http://schemas.microsoft.com/office/drawing/2014/main" id="{4E7A86EC-9E17-43CC-93B6-BA275B5B37AA}"/>
               </a:ext>
             </a:extLst>
           </p:cNvPr>
@@ -20867,10 +20839,10 @@
       </p:sp>
       <p:sp>
         <p:nvSpPr>
-          <p:cNvPr id="29" name="Chevron 27">
-            <a:extLst>
-              <a:ext uri="{FF2B5EF4-FFF2-40B4-BE49-F238E27FC236}">
-                <a16:creationId xmlns:a16="http://schemas.microsoft.com/office/drawing/2014/main" id="{54DE0835-3F13-4DE8-85AA-E5D6F1CEFDB8}"/>
+          <p:cNvPr id="22" name="Chevron 27">
+            <a:extLst>
+              <a:ext uri="{FF2B5EF4-FFF2-40B4-BE49-F238E27FC236}">
+                <a16:creationId xmlns:a16="http://schemas.microsoft.com/office/drawing/2014/main" id="{B00BF254-8AFC-418C-8526-7BF890303C6C}"/>
               </a:ext>
             </a:extLst>
           </p:cNvPr>
@@ -20923,10 +20895,10 @@
       </p:sp>
       <p:sp>
         <p:nvSpPr>
-          <p:cNvPr id="30" name="Chevron 27">
-            <a:extLst>
-              <a:ext uri="{FF2B5EF4-FFF2-40B4-BE49-F238E27FC236}">
-                <a16:creationId xmlns:a16="http://schemas.microsoft.com/office/drawing/2014/main" id="{823AD879-BA9E-4C29-AD42-7DA35CF9E06E}"/>
+          <p:cNvPr id="24" name="Chevron 27">
+            <a:extLst>
+              <a:ext uri="{FF2B5EF4-FFF2-40B4-BE49-F238E27FC236}">
+                <a16:creationId xmlns:a16="http://schemas.microsoft.com/office/drawing/2014/main" id="{870C7D09-205A-4787-B1F4-0C7D2364CF48}"/>
               </a:ext>
             </a:extLst>
           </p:cNvPr>
@@ -20979,10 +20951,10 @@
       </p:sp>
       <p:sp>
         <p:nvSpPr>
-          <p:cNvPr id="31" name="Chevron 27">
-            <a:extLst>
-              <a:ext uri="{FF2B5EF4-FFF2-40B4-BE49-F238E27FC236}">
-                <a16:creationId xmlns:a16="http://schemas.microsoft.com/office/drawing/2014/main" id="{1C2222B0-F964-4C5E-B079-2BCD0E288239}"/>
+          <p:cNvPr id="25" name="Chevron 27">
+            <a:extLst>
+              <a:ext uri="{FF2B5EF4-FFF2-40B4-BE49-F238E27FC236}">
+                <a16:creationId xmlns:a16="http://schemas.microsoft.com/office/drawing/2014/main" id="{E58BB1F0-3F30-403A-8F7E-B22B304BDC13}"/>
               </a:ext>
             </a:extLst>
           </p:cNvPr>
@@ -21035,10 +21007,10 @@
       </p:sp>
       <p:sp>
         <p:nvSpPr>
-          <p:cNvPr id="33" name="Chevron 27">
-            <a:extLst>
-              <a:ext uri="{FF2B5EF4-FFF2-40B4-BE49-F238E27FC236}">
-                <a16:creationId xmlns:a16="http://schemas.microsoft.com/office/drawing/2014/main" id="{355B9B19-7897-485B-B120-2E5AEA4EC13B}"/>
+          <p:cNvPr id="27" name="Chevron 27">
+            <a:extLst>
+              <a:ext uri="{FF2B5EF4-FFF2-40B4-BE49-F238E27FC236}">
+                <a16:creationId xmlns:a16="http://schemas.microsoft.com/office/drawing/2014/main" id="{4A559009-86CC-4B81-98C5-E23983698746}"/>
               </a:ext>
             </a:extLst>
           </p:cNvPr>
@@ -21091,10 +21063,10 @@
       </p:sp>
       <p:sp>
         <p:nvSpPr>
-          <p:cNvPr id="34" name="Chevron 27">
-            <a:extLst>
-              <a:ext uri="{FF2B5EF4-FFF2-40B4-BE49-F238E27FC236}">
-                <a16:creationId xmlns:a16="http://schemas.microsoft.com/office/drawing/2014/main" id="{3BFDC3B5-A455-4E8C-909D-F3C30204F46C}"/>
+          <p:cNvPr id="28" name="Chevron 27">
+            <a:extLst>
+              <a:ext uri="{FF2B5EF4-FFF2-40B4-BE49-F238E27FC236}">
+                <a16:creationId xmlns:a16="http://schemas.microsoft.com/office/drawing/2014/main" id="{82C0A29D-1293-4D63-A3C7-FE0ABB10A277}"/>
               </a:ext>
             </a:extLst>
           </p:cNvPr>
@@ -21147,10 +21119,10 @@
       </p:sp>
       <p:sp>
         <p:nvSpPr>
-          <p:cNvPr id="35" name="Chevron 27">
-            <a:extLst>
-              <a:ext uri="{FF2B5EF4-FFF2-40B4-BE49-F238E27FC236}">
-                <a16:creationId xmlns:a16="http://schemas.microsoft.com/office/drawing/2014/main" id="{A67F23A2-F68D-40D4-994A-94EBEC22ECFF}"/>
+          <p:cNvPr id="29" name="Chevron 27">
+            <a:extLst>
+              <a:ext uri="{FF2B5EF4-FFF2-40B4-BE49-F238E27FC236}">
+                <a16:creationId xmlns:a16="http://schemas.microsoft.com/office/drawing/2014/main" id="{72C693BC-11ED-415B-85C8-8E41D0EAC336}"/>
               </a:ext>
             </a:extLst>
           </p:cNvPr>
@@ -21159,7 +21131,7 @@
         </p:nvSpPr>
         <p:spPr>
           <a:xfrm>
-            <a:off x="7566190" y="6317891"/>
+            <a:off x="7566190" y="6326658"/>
             <a:ext cx="796323" cy="247736"/>
           </a:xfrm>
           <a:prstGeom prst="chevron">
@@ -21203,10 +21175,10 @@
       </p:sp>
       <p:sp>
         <p:nvSpPr>
-          <p:cNvPr id="36" name="Chevron 27">
-            <a:extLst>
-              <a:ext uri="{FF2B5EF4-FFF2-40B4-BE49-F238E27FC236}">
-                <a16:creationId xmlns:a16="http://schemas.microsoft.com/office/drawing/2014/main" id="{49199E45-B01D-48EF-BA69-011E727D594B}"/>
+          <p:cNvPr id="30" name="Chevron 27">
+            <a:extLst>
+              <a:ext uri="{FF2B5EF4-FFF2-40B4-BE49-F238E27FC236}">
+                <a16:creationId xmlns:a16="http://schemas.microsoft.com/office/drawing/2014/main" id="{7E84DB4E-36BE-46B1-AF8F-CCA5C1E8ECBC}"/>
               </a:ext>
             </a:extLst>
           </p:cNvPr>
@@ -21259,10 +21231,10 @@
       </p:sp>
       <p:sp>
         <p:nvSpPr>
-          <p:cNvPr id="37" name="Chevron 27">
-            <a:extLst>
-              <a:ext uri="{FF2B5EF4-FFF2-40B4-BE49-F238E27FC236}">
-                <a16:creationId xmlns:a16="http://schemas.microsoft.com/office/drawing/2014/main" id="{657ADDF5-449B-4033-B1EE-4C415C6ED4FD}"/>
+          <p:cNvPr id="31" name="Chevron 27">
+            <a:extLst>
+              <a:ext uri="{FF2B5EF4-FFF2-40B4-BE49-F238E27FC236}">
+                <a16:creationId xmlns:a16="http://schemas.microsoft.com/office/drawing/2014/main" id="{D46BC951-6C02-4B1A-BD76-3D50FB685361}"/>
               </a:ext>
             </a:extLst>
           </p:cNvPr>
@@ -21313,10 +21285,46 @@
           </a:p>
         </p:txBody>
       </p:sp>
+      <p:pic>
+        <p:nvPicPr>
+          <p:cNvPr id="33" name="Image 32">
+            <a:extLst>
+              <a:ext uri="{FF2B5EF4-FFF2-40B4-BE49-F238E27FC236}">
+                <a16:creationId xmlns:a16="http://schemas.microsoft.com/office/drawing/2014/main" id="{02422B00-F565-495F-A598-8EA6E0CA6BB3}"/>
+              </a:ext>
+            </a:extLst>
+          </p:cNvPr>
+          <p:cNvPicPr>
+            <a:picLocks noChangeAspect="1"/>
+          </p:cNvPicPr>
+          <p:nvPr/>
+        </p:nvPicPr>
+        <p:blipFill>
+          <a:blip r:embed="rId6">
+            <a:extLst>
+              <a:ext uri="{28A0092B-C50C-407E-A947-70E740481C1C}">
+                <a14:useLocalDpi xmlns:a14="http://schemas.microsoft.com/office/drawing/2010/main" val="0"/>
+              </a:ext>
+            </a:extLst>
+          </a:blip>
+          <a:stretch>
+            <a:fillRect/>
+          </a:stretch>
+        </p:blipFill>
+        <p:spPr>
+          <a:xfrm>
+            <a:off x="8962124" y="4255130"/>
+            <a:ext cx="1437921" cy="1437921"/>
+          </a:xfrm>
+          <a:prstGeom prst="rect">
+            <a:avLst/>
+          </a:prstGeom>
+        </p:spPr>
+      </p:pic>
     </p:spTree>
     <p:extLst>
       <p:ext uri="{BB962C8B-B14F-4D97-AF65-F5344CB8AC3E}">
-        <p14:creationId xmlns:p14="http://schemas.microsoft.com/office/powerpoint/2010/main" val="2397071566"/>
+        <p14:creationId xmlns:p14="http://schemas.microsoft.com/office/powerpoint/2010/main" val="2975497934"/>
       </p:ext>
     </p:extLst>
   </p:cSld>
@@ -21556,6 +21564,1370 @@
           <p:nvPr/>
         </p:nvCxnSpPr>
         <p:spPr>
+          <a:xfrm flipV="1">
+            <a:off x="1082434" y="956588"/>
+            <a:ext cx="1145681" cy="3776"/>
+          </a:xfrm>
+          <a:prstGeom prst="line">
+            <a:avLst/>
+          </a:prstGeom>
+        </p:spPr>
+        <p:style>
+          <a:lnRef idx="3">
+            <a:schemeClr val="dk1"/>
+          </a:lnRef>
+          <a:fillRef idx="0">
+            <a:schemeClr val="dk1"/>
+          </a:fillRef>
+          <a:effectRef idx="2">
+            <a:schemeClr val="dk1"/>
+          </a:effectRef>
+          <a:fontRef idx="minor">
+            <a:schemeClr val="tx1"/>
+          </a:fontRef>
+        </p:style>
+      </p:cxnSp>
+      <p:cxnSp>
+        <p:nvCxnSpPr>
+          <p:cNvPr id="51" name="Connecteur droit 50">
+            <a:extLst>
+              <a:ext uri="{FF2B5EF4-FFF2-40B4-BE49-F238E27FC236}">
+                <a16:creationId xmlns:a16="http://schemas.microsoft.com/office/drawing/2014/main" id="{C035BFA6-ECBF-4775-BA81-19D2CA41AA8D}"/>
+              </a:ext>
+            </a:extLst>
+          </p:cNvPr>
+          <p:cNvCxnSpPr>
+            <a:cxnSpLocks/>
+          </p:cNvCxnSpPr>
+          <p:nvPr/>
+        </p:nvCxnSpPr>
+        <p:spPr>
+          <a:xfrm>
+            <a:off x="9402704" y="465201"/>
+            <a:ext cx="344203" cy="495163"/>
+          </a:xfrm>
+          <a:prstGeom prst="line">
+            <a:avLst/>
+          </a:prstGeom>
+        </p:spPr>
+        <p:style>
+          <a:lnRef idx="3">
+            <a:schemeClr val="dk1"/>
+          </a:lnRef>
+          <a:fillRef idx="0">
+            <a:schemeClr val="dk1"/>
+          </a:fillRef>
+          <a:effectRef idx="2">
+            <a:schemeClr val="dk1"/>
+          </a:effectRef>
+          <a:fontRef idx="minor">
+            <a:schemeClr val="tx1"/>
+          </a:fontRef>
+        </p:style>
+      </p:cxnSp>
+      <p:cxnSp>
+        <p:nvCxnSpPr>
+          <p:cNvPr id="52" name="Connecteur droit 51">
+            <a:extLst>
+              <a:ext uri="{FF2B5EF4-FFF2-40B4-BE49-F238E27FC236}">
+                <a16:creationId xmlns:a16="http://schemas.microsoft.com/office/drawing/2014/main" id="{FA310BC7-694B-4984-99A2-61A1F4F6EBF9}"/>
+              </a:ext>
+            </a:extLst>
+          </p:cNvPr>
+          <p:cNvCxnSpPr>
+            <a:cxnSpLocks/>
+          </p:cNvCxnSpPr>
+          <p:nvPr/>
+        </p:nvCxnSpPr>
+        <p:spPr>
+          <a:xfrm flipH="1">
+            <a:off x="11370469" y="448308"/>
+            <a:ext cx="364332" cy="501657"/>
+          </a:xfrm>
+          <a:prstGeom prst="line">
+            <a:avLst/>
+          </a:prstGeom>
+        </p:spPr>
+        <p:style>
+          <a:lnRef idx="3">
+            <a:schemeClr val="dk1"/>
+          </a:lnRef>
+          <a:fillRef idx="0">
+            <a:schemeClr val="dk1"/>
+          </a:fillRef>
+          <a:effectRef idx="2">
+            <a:schemeClr val="dk1"/>
+          </a:effectRef>
+          <a:fontRef idx="minor">
+            <a:schemeClr val="tx1"/>
+          </a:fontRef>
+        </p:style>
+      </p:cxnSp>
+      <p:cxnSp>
+        <p:nvCxnSpPr>
+          <p:cNvPr id="53" name="Connecteur droit 52">
+            <a:extLst>
+              <a:ext uri="{FF2B5EF4-FFF2-40B4-BE49-F238E27FC236}">
+                <a16:creationId xmlns:a16="http://schemas.microsoft.com/office/drawing/2014/main" id="{BE0649BD-EE59-4DDA-960F-95B2572F9F13}"/>
+              </a:ext>
+            </a:extLst>
+          </p:cNvPr>
+          <p:cNvCxnSpPr>
+            <a:cxnSpLocks/>
+          </p:cNvCxnSpPr>
+          <p:nvPr/>
+        </p:nvCxnSpPr>
+        <p:spPr>
+          <a:xfrm>
+            <a:off x="9743203" y="949965"/>
+            <a:ext cx="1627266" cy="0"/>
+          </a:xfrm>
+          <a:prstGeom prst="line">
+            <a:avLst/>
+          </a:prstGeom>
+        </p:spPr>
+        <p:style>
+          <a:lnRef idx="3">
+            <a:schemeClr val="dk1"/>
+          </a:lnRef>
+          <a:fillRef idx="0">
+            <a:schemeClr val="dk1"/>
+          </a:fillRef>
+          <a:effectRef idx="2">
+            <a:schemeClr val="dk1"/>
+          </a:effectRef>
+          <a:fontRef idx="minor">
+            <a:schemeClr val="tx1"/>
+          </a:fontRef>
+        </p:style>
+      </p:cxnSp>
+      <p:cxnSp>
+        <p:nvCxnSpPr>
+          <p:cNvPr id="55" name="Connecteur droit 54">
+            <a:extLst>
+              <a:ext uri="{FF2B5EF4-FFF2-40B4-BE49-F238E27FC236}">
+                <a16:creationId xmlns:a16="http://schemas.microsoft.com/office/drawing/2014/main" id="{52AA9200-DAFA-4EEF-AC13-4C7CE82A59EC}"/>
+              </a:ext>
+            </a:extLst>
+          </p:cNvPr>
+          <p:cNvCxnSpPr>
+            <a:cxnSpLocks/>
+          </p:cNvCxnSpPr>
+          <p:nvPr/>
+        </p:nvCxnSpPr>
+        <p:spPr>
+          <a:xfrm>
+            <a:off x="11715750" y="454801"/>
+            <a:ext cx="476249" cy="10400"/>
+          </a:xfrm>
+          <a:prstGeom prst="line">
+            <a:avLst/>
+          </a:prstGeom>
+        </p:spPr>
+        <p:style>
+          <a:lnRef idx="3">
+            <a:schemeClr val="dk1"/>
+          </a:lnRef>
+          <a:fillRef idx="0">
+            <a:schemeClr val="dk1"/>
+          </a:fillRef>
+          <a:effectRef idx="2">
+            <a:schemeClr val="dk1"/>
+          </a:effectRef>
+          <a:fontRef idx="minor">
+            <a:schemeClr val="tx1"/>
+          </a:fontRef>
+        </p:style>
+      </p:cxnSp>
+      <p:cxnSp>
+        <p:nvCxnSpPr>
+          <p:cNvPr id="23" name="Connecteur droit 22">
+            <a:extLst>
+              <a:ext uri="{FF2B5EF4-FFF2-40B4-BE49-F238E27FC236}">
+                <a16:creationId xmlns:a16="http://schemas.microsoft.com/office/drawing/2014/main" id="{BCB092C8-0080-4E56-957E-0046D4C83988}"/>
+              </a:ext>
+            </a:extLst>
+          </p:cNvPr>
+          <p:cNvCxnSpPr>
+            <a:cxnSpLocks/>
+          </p:cNvCxnSpPr>
+          <p:nvPr/>
+        </p:nvCxnSpPr>
+        <p:spPr>
+          <a:xfrm flipH="1">
+            <a:off x="2216372" y="446356"/>
+            <a:ext cx="364332" cy="501657"/>
+          </a:xfrm>
+          <a:prstGeom prst="line">
+            <a:avLst/>
+          </a:prstGeom>
+        </p:spPr>
+        <p:style>
+          <a:lnRef idx="3">
+            <a:schemeClr val="dk1"/>
+          </a:lnRef>
+          <a:fillRef idx="0">
+            <a:schemeClr val="dk1"/>
+          </a:fillRef>
+          <a:effectRef idx="2">
+            <a:schemeClr val="dk1"/>
+          </a:effectRef>
+          <a:fontRef idx="minor">
+            <a:schemeClr val="tx1"/>
+          </a:fontRef>
+        </p:style>
+      </p:cxnSp>
+      <p:pic>
+        <p:nvPicPr>
+          <p:cNvPr id="3" name="Image 2" descr="Une image contenant capture d’écran&#10;&#10;Description générée avec un niveau de confiance très élevé">
+            <a:extLst>
+              <a:ext uri="{FF2B5EF4-FFF2-40B4-BE49-F238E27FC236}">
+                <a16:creationId xmlns:a16="http://schemas.microsoft.com/office/drawing/2014/main" id="{7E51CA30-423A-4041-A289-8B7ACE40A439}"/>
+              </a:ext>
+            </a:extLst>
+          </p:cNvPr>
+          <p:cNvPicPr>
+            <a:picLocks noChangeAspect="1"/>
+          </p:cNvPicPr>
+          <p:nvPr/>
+        </p:nvPicPr>
+        <p:blipFill>
+          <a:blip r:embed="rId4">
+            <a:extLst>
+              <a:ext uri="{28A0092B-C50C-407E-A947-70E740481C1C}">
+                <a14:useLocalDpi xmlns:a14="http://schemas.microsoft.com/office/drawing/2010/main" val="0"/>
+              </a:ext>
+            </a:extLst>
+          </a:blip>
+          <a:stretch>
+            <a:fillRect/>
+          </a:stretch>
+        </p:blipFill>
+        <p:spPr>
+          <a:xfrm>
+            <a:off x="1041674" y="1159275"/>
+            <a:ext cx="5630327" cy="4341795"/>
+          </a:xfrm>
+          <a:prstGeom prst="rect">
+            <a:avLst/>
+          </a:prstGeom>
+        </p:spPr>
+      </p:pic>
+      <p:pic>
+        <p:nvPicPr>
+          <p:cNvPr id="6" name="Image 5">
+            <a:extLst>
+              <a:ext uri="{FF2B5EF4-FFF2-40B4-BE49-F238E27FC236}">
+                <a16:creationId xmlns:a16="http://schemas.microsoft.com/office/drawing/2014/main" id="{62381C27-7C19-4630-A36E-43F5624E59E8}"/>
+              </a:ext>
+            </a:extLst>
+          </p:cNvPr>
+          <p:cNvPicPr>
+            <a:picLocks noChangeAspect="1"/>
+          </p:cNvPicPr>
+          <p:nvPr/>
+        </p:nvPicPr>
+        <p:blipFill>
+          <a:blip r:embed="rId5">
+            <a:extLst>
+              <a:ext uri="{28A0092B-C50C-407E-A947-70E740481C1C}">
+                <a14:useLocalDpi xmlns:a14="http://schemas.microsoft.com/office/drawing/2010/main" val="0"/>
+              </a:ext>
+            </a:extLst>
+          </a:blip>
+          <a:stretch>
+            <a:fillRect/>
+          </a:stretch>
+        </p:blipFill>
+        <p:spPr>
+          <a:xfrm>
+            <a:off x="1041674" y="5501070"/>
+            <a:ext cx="5630327" cy="727729"/>
+          </a:xfrm>
+          <a:prstGeom prst="rect">
+            <a:avLst/>
+          </a:prstGeom>
+        </p:spPr>
+      </p:pic>
+      <p:sp>
+        <p:nvSpPr>
+          <p:cNvPr id="21" name="ZoneTexte 20">
+            <a:extLst>
+              <a:ext uri="{FF2B5EF4-FFF2-40B4-BE49-F238E27FC236}">
+                <a16:creationId xmlns:a16="http://schemas.microsoft.com/office/drawing/2014/main" id="{DDAC49D4-EC74-4389-9FC7-A85C374B282F}"/>
+              </a:ext>
+            </a:extLst>
+          </p:cNvPr>
+          <p:cNvSpPr txBox="1"/>
+          <p:nvPr/>
+        </p:nvSpPr>
+        <p:spPr>
+          <a:xfrm>
+            <a:off x="7744979" y="2393462"/>
+            <a:ext cx="2314673" cy="923330"/>
+          </a:xfrm>
+          <a:prstGeom prst="rect">
+            <a:avLst/>
+          </a:prstGeom>
+          <a:noFill/>
+        </p:spPr>
+        <p:txBody>
+          <a:bodyPr wrap="square" rtlCol="0">
+            <a:spAutoFit/>
+          </a:bodyPr>
+          <a:lstStyle/>
+          <a:p>
+            <a:pPr marL="285750" indent="-285750">
+              <a:buFontTx/>
+              <a:buChar char="-"/>
+            </a:pPr>
+            <a:r>
+              <a:rPr lang="fr-FR" i="1" dirty="0">
+                <a:solidFill>
+                  <a:schemeClr val="tx1">
+                    <a:lumMod val="50000"/>
+                    <a:lumOff val="50000"/>
+                  </a:schemeClr>
+                </a:solidFill>
+              </a:rPr>
+              <a:t>Choix du capteur</a:t>
+            </a:r>
+          </a:p>
+          <a:p>
+            <a:pPr marL="285750" indent="-285750">
+              <a:buFontTx/>
+              <a:buChar char="-"/>
+            </a:pPr>
+            <a:r>
+              <a:rPr lang="fr-FR" i="1" dirty="0">
+                <a:solidFill>
+                  <a:schemeClr val="tx1">
+                    <a:lumMod val="50000"/>
+                    <a:lumOff val="50000"/>
+                  </a:schemeClr>
+                </a:solidFill>
+              </a:rPr>
+              <a:t>Choix de la période</a:t>
+            </a:r>
+          </a:p>
+          <a:p>
+            <a:pPr marL="285750" indent="-285750" algn="ctr">
+              <a:buFontTx/>
+              <a:buChar char="-"/>
+            </a:pPr>
+            <a:endParaRPr lang="fr-FR" i="1" dirty="0">
+              <a:solidFill>
+                <a:schemeClr val="tx1">
+                  <a:lumMod val="50000"/>
+                  <a:lumOff val="50000"/>
+                </a:schemeClr>
+              </a:solidFill>
+            </a:endParaRPr>
+          </a:p>
+        </p:txBody>
+      </p:sp>
+      <p:sp>
+        <p:nvSpPr>
+          <p:cNvPr id="22" name="ZoneTexte 21">
+            <a:extLst>
+              <a:ext uri="{FF2B5EF4-FFF2-40B4-BE49-F238E27FC236}">
+                <a16:creationId xmlns:a16="http://schemas.microsoft.com/office/drawing/2014/main" id="{7A4EF1AD-65E8-4D30-9779-DC18D2AC7B2C}"/>
+              </a:ext>
+            </a:extLst>
+          </p:cNvPr>
+          <p:cNvSpPr txBox="1"/>
+          <p:nvPr/>
+        </p:nvSpPr>
+        <p:spPr>
+          <a:xfrm>
+            <a:off x="7744979" y="4321723"/>
+            <a:ext cx="2668528" cy="646331"/>
+          </a:xfrm>
+          <a:prstGeom prst="rect">
+            <a:avLst/>
+          </a:prstGeom>
+          <a:noFill/>
+        </p:spPr>
+        <p:txBody>
+          <a:bodyPr wrap="square" rtlCol="0">
+            <a:spAutoFit/>
+          </a:bodyPr>
+          <a:lstStyle/>
+          <a:p>
+            <a:pPr marL="285750" indent="-285750">
+              <a:buFontTx/>
+              <a:buChar char="-"/>
+            </a:pPr>
+            <a:r>
+              <a:rPr lang="fr-FR" i="1" dirty="0">
+                <a:solidFill>
+                  <a:schemeClr val="tx1">
+                    <a:lumMod val="50000"/>
+                    <a:lumOff val="50000"/>
+                  </a:schemeClr>
+                </a:solidFill>
+              </a:rPr>
+              <a:t>Affichage de la courbe en fonction des valeurs</a:t>
+            </a:r>
+          </a:p>
+        </p:txBody>
+      </p:sp>
+      <p:pic>
+        <p:nvPicPr>
+          <p:cNvPr id="13" name="Image 12">
+            <a:extLst>
+              <a:ext uri="{FF2B5EF4-FFF2-40B4-BE49-F238E27FC236}">
+                <a16:creationId xmlns:a16="http://schemas.microsoft.com/office/drawing/2014/main" id="{4A909C3E-9FB8-43B5-9524-0388CC422D49}"/>
+              </a:ext>
+            </a:extLst>
+          </p:cNvPr>
+          <p:cNvPicPr>
+            <a:picLocks noChangeAspect="1"/>
+          </p:cNvPicPr>
+          <p:nvPr/>
+        </p:nvPicPr>
+        <p:blipFill>
+          <a:blip r:embed="rId6">
+            <a:extLst>
+              <a:ext uri="{28A0092B-C50C-407E-A947-70E740481C1C}">
+                <a14:useLocalDpi xmlns:a14="http://schemas.microsoft.com/office/drawing/2010/main" val="0"/>
+              </a:ext>
+            </a:extLst>
+          </a:blip>
+          <a:stretch>
+            <a:fillRect/>
+          </a:stretch>
+        </p:blipFill>
+        <p:spPr>
+          <a:xfrm rot="9982948">
+            <a:off x="5287608" y="332331"/>
+            <a:ext cx="2310538" cy="2310538"/>
+          </a:xfrm>
+          <a:prstGeom prst="rect">
+            <a:avLst/>
+          </a:prstGeom>
+        </p:spPr>
+      </p:pic>
+      <p:sp>
+        <p:nvSpPr>
+          <p:cNvPr id="24" name="Chevron 27">
+            <a:extLst>
+              <a:ext uri="{FF2B5EF4-FFF2-40B4-BE49-F238E27FC236}">
+                <a16:creationId xmlns:a16="http://schemas.microsoft.com/office/drawing/2014/main" id="{0648CBCF-96CA-42B9-BC67-2F44367768FD}"/>
+              </a:ext>
+            </a:extLst>
+          </p:cNvPr>
+          <p:cNvSpPr/>
+          <p:nvPr/>
+        </p:nvSpPr>
+        <p:spPr>
+          <a:xfrm>
+            <a:off x="8426667" y="6317891"/>
+            <a:ext cx="1528493" cy="247736"/>
+          </a:xfrm>
+          <a:prstGeom prst="chevron">
+            <a:avLst/>
+          </a:prstGeom>
+          <a:solidFill>
+            <a:schemeClr val="accent1">
+              <a:lumMod val="20000"/>
+              <a:lumOff val="80000"/>
+            </a:schemeClr>
+          </a:solidFill>
+          <a:ln>
+            <a:solidFill>
+              <a:schemeClr val="accent1"/>
+            </a:solidFill>
+          </a:ln>
+          <a:effectLst/>
+        </p:spPr>
+        <p:style>
+          <a:lnRef idx="1">
+            <a:schemeClr val="accent1"/>
+          </a:lnRef>
+          <a:fillRef idx="3">
+            <a:schemeClr val="accent1"/>
+          </a:fillRef>
+          <a:effectRef idx="2">
+            <a:schemeClr val="accent1"/>
+          </a:effectRef>
+          <a:fontRef idx="minor">
+            <a:schemeClr val="lt1"/>
+          </a:fontRef>
+        </p:style>
+        <p:txBody>
+          <a:bodyPr rtlCol="0" anchor="ctr"/>
+          <a:lstStyle/>
+          <a:p>
+            <a:pPr algn="ctr"/>
+            <a:endParaRPr lang="en-US" sz="1100" b="1" dirty="0">
+              <a:solidFill>
+                <a:schemeClr val="bg1"/>
+              </a:solidFill>
+              <a:latin typeface="Raleway" panose="020B0003030101060003" pitchFamily="34" charset="0"/>
+            </a:endParaRPr>
+          </a:p>
+        </p:txBody>
+      </p:sp>
+      <p:sp>
+        <p:nvSpPr>
+          <p:cNvPr id="25" name="Chevron 27">
+            <a:extLst>
+              <a:ext uri="{FF2B5EF4-FFF2-40B4-BE49-F238E27FC236}">
+                <a16:creationId xmlns:a16="http://schemas.microsoft.com/office/drawing/2014/main" id="{DC00DFC5-AF5E-4B87-853A-C5F32C23D1E7}"/>
+              </a:ext>
+            </a:extLst>
+          </p:cNvPr>
+          <p:cNvSpPr/>
+          <p:nvPr/>
+        </p:nvSpPr>
+        <p:spPr>
+          <a:xfrm>
+            <a:off x="2192028" y="6317891"/>
+            <a:ext cx="796323" cy="247736"/>
+          </a:xfrm>
+          <a:prstGeom prst="chevron">
+            <a:avLst/>
+          </a:prstGeom>
+          <a:noFill/>
+          <a:ln>
+            <a:solidFill>
+              <a:schemeClr val="accent1"/>
+            </a:solidFill>
+          </a:ln>
+          <a:effectLst/>
+        </p:spPr>
+        <p:style>
+          <a:lnRef idx="1">
+            <a:schemeClr val="accent1"/>
+          </a:lnRef>
+          <a:fillRef idx="3">
+            <a:schemeClr val="accent1"/>
+          </a:fillRef>
+          <a:effectRef idx="2">
+            <a:schemeClr val="accent1"/>
+          </a:effectRef>
+          <a:fontRef idx="minor">
+            <a:schemeClr val="lt1"/>
+          </a:fontRef>
+        </p:style>
+        <p:txBody>
+          <a:bodyPr rtlCol="0" anchor="ctr"/>
+          <a:lstStyle/>
+          <a:p>
+            <a:pPr algn="ctr"/>
+            <a:endParaRPr lang="en-US" sz="1100" b="1" dirty="0">
+              <a:solidFill>
+                <a:schemeClr val="bg1"/>
+              </a:solidFill>
+              <a:latin typeface="Raleway" panose="020B0003030101060003" pitchFamily="34" charset="0"/>
+            </a:endParaRPr>
+          </a:p>
+        </p:txBody>
+      </p:sp>
+      <p:sp>
+        <p:nvSpPr>
+          <p:cNvPr id="27" name="Chevron 27">
+            <a:extLst>
+              <a:ext uri="{FF2B5EF4-FFF2-40B4-BE49-F238E27FC236}">
+                <a16:creationId xmlns:a16="http://schemas.microsoft.com/office/drawing/2014/main" id="{F373AAF7-5D03-49BD-B401-267A7E974241}"/>
+              </a:ext>
+            </a:extLst>
+          </p:cNvPr>
+          <p:cNvSpPr/>
+          <p:nvPr/>
+        </p:nvSpPr>
+        <p:spPr>
+          <a:xfrm>
+            <a:off x="3085827" y="6317891"/>
+            <a:ext cx="796323" cy="247736"/>
+          </a:xfrm>
+          <a:prstGeom prst="chevron">
+            <a:avLst/>
+          </a:prstGeom>
+          <a:noFill/>
+          <a:ln>
+            <a:solidFill>
+              <a:schemeClr val="accent1"/>
+            </a:solidFill>
+          </a:ln>
+          <a:effectLst/>
+        </p:spPr>
+        <p:style>
+          <a:lnRef idx="1">
+            <a:schemeClr val="accent1"/>
+          </a:lnRef>
+          <a:fillRef idx="3">
+            <a:schemeClr val="accent1"/>
+          </a:fillRef>
+          <a:effectRef idx="2">
+            <a:schemeClr val="accent1"/>
+          </a:effectRef>
+          <a:fontRef idx="minor">
+            <a:schemeClr val="lt1"/>
+          </a:fontRef>
+        </p:style>
+        <p:txBody>
+          <a:bodyPr rtlCol="0" anchor="ctr"/>
+          <a:lstStyle/>
+          <a:p>
+            <a:pPr algn="ctr"/>
+            <a:endParaRPr lang="en-US" sz="1100" b="1" dirty="0">
+              <a:solidFill>
+                <a:schemeClr val="bg1"/>
+              </a:solidFill>
+              <a:latin typeface="Raleway" panose="020B0003030101060003" pitchFamily="34" charset="0"/>
+            </a:endParaRPr>
+          </a:p>
+        </p:txBody>
+      </p:sp>
+      <p:sp>
+        <p:nvSpPr>
+          <p:cNvPr id="28" name="Chevron 27">
+            <a:extLst>
+              <a:ext uri="{FF2B5EF4-FFF2-40B4-BE49-F238E27FC236}">
+                <a16:creationId xmlns:a16="http://schemas.microsoft.com/office/drawing/2014/main" id="{5A5E2809-B4D2-41F8-BF66-62F90D23FF5C}"/>
+              </a:ext>
+            </a:extLst>
+          </p:cNvPr>
+          <p:cNvSpPr/>
+          <p:nvPr/>
+        </p:nvSpPr>
+        <p:spPr>
+          <a:xfrm>
+            <a:off x="3979626" y="6326658"/>
+            <a:ext cx="796323" cy="247736"/>
+          </a:xfrm>
+          <a:prstGeom prst="chevron">
+            <a:avLst/>
+          </a:prstGeom>
+          <a:noFill/>
+          <a:ln>
+            <a:solidFill>
+              <a:schemeClr val="accent1"/>
+            </a:solidFill>
+          </a:ln>
+          <a:effectLst/>
+        </p:spPr>
+        <p:style>
+          <a:lnRef idx="1">
+            <a:schemeClr val="accent1"/>
+          </a:lnRef>
+          <a:fillRef idx="3">
+            <a:schemeClr val="accent1"/>
+          </a:fillRef>
+          <a:effectRef idx="2">
+            <a:schemeClr val="accent1"/>
+          </a:effectRef>
+          <a:fontRef idx="minor">
+            <a:schemeClr val="lt1"/>
+          </a:fontRef>
+        </p:style>
+        <p:txBody>
+          <a:bodyPr rtlCol="0" anchor="ctr"/>
+          <a:lstStyle/>
+          <a:p>
+            <a:pPr algn="ctr"/>
+            <a:endParaRPr lang="en-US" sz="1100" b="1" dirty="0">
+              <a:solidFill>
+                <a:schemeClr val="bg1"/>
+              </a:solidFill>
+              <a:latin typeface="Raleway" panose="020B0003030101060003" pitchFamily="34" charset="0"/>
+            </a:endParaRPr>
+          </a:p>
+        </p:txBody>
+      </p:sp>
+      <p:sp>
+        <p:nvSpPr>
+          <p:cNvPr id="29" name="Chevron 27">
+            <a:extLst>
+              <a:ext uri="{FF2B5EF4-FFF2-40B4-BE49-F238E27FC236}">
+                <a16:creationId xmlns:a16="http://schemas.microsoft.com/office/drawing/2014/main" id="{54DE0835-3F13-4DE8-85AA-E5D6F1CEFDB8}"/>
+              </a:ext>
+            </a:extLst>
+          </p:cNvPr>
+          <p:cNvSpPr/>
+          <p:nvPr/>
+        </p:nvSpPr>
+        <p:spPr>
+          <a:xfrm>
+            <a:off x="404430" y="6317891"/>
+            <a:ext cx="796323" cy="247736"/>
+          </a:xfrm>
+          <a:prstGeom prst="chevron">
+            <a:avLst/>
+          </a:prstGeom>
+          <a:noFill/>
+          <a:ln>
+            <a:solidFill>
+              <a:schemeClr val="accent1"/>
+            </a:solidFill>
+          </a:ln>
+          <a:effectLst/>
+        </p:spPr>
+        <p:style>
+          <a:lnRef idx="1">
+            <a:schemeClr val="accent1"/>
+          </a:lnRef>
+          <a:fillRef idx="3">
+            <a:schemeClr val="accent1"/>
+          </a:fillRef>
+          <a:effectRef idx="2">
+            <a:schemeClr val="accent1"/>
+          </a:effectRef>
+          <a:fontRef idx="minor">
+            <a:schemeClr val="lt1"/>
+          </a:fontRef>
+        </p:style>
+        <p:txBody>
+          <a:bodyPr rtlCol="0" anchor="ctr"/>
+          <a:lstStyle/>
+          <a:p>
+            <a:pPr algn="ctr"/>
+            <a:endParaRPr lang="en-US" sz="1100" b="1" dirty="0">
+              <a:solidFill>
+                <a:schemeClr val="bg1"/>
+              </a:solidFill>
+              <a:latin typeface="Raleway" panose="020B0003030101060003" pitchFamily="34" charset="0"/>
+            </a:endParaRPr>
+          </a:p>
+        </p:txBody>
+      </p:sp>
+      <p:sp>
+        <p:nvSpPr>
+          <p:cNvPr id="30" name="Chevron 27">
+            <a:extLst>
+              <a:ext uri="{FF2B5EF4-FFF2-40B4-BE49-F238E27FC236}">
+                <a16:creationId xmlns:a16="http://schemas.microsoft.com/office/drawing/2014/main" id="{823AD879-BA9E-4C29-AD42-7DA35CF9E06E}"/>
+              </a:ext>
+            </a:extLst>
+          </p:cNvPr>
+          <p:cNvSpPr/>
+          <p:nvPr/>
+        </p:nvSpPr>
+        <p:spPr>
+          <a:xfrm>
+            <a:off x="1298229" y="6317891"/>
+            <a:ext cx="796323" cy="247736"/>
+          </a:xfrm>
+          <a:prstGeom prst="chevron">
+            <a:avLst/>
+          </a:prstGeom>
+          <a:noFill/>
+          <a:ln>
+            <a:solidFill>
+              <a:schemeClr val="accent1"/>
+            </a:solidFill>
+          </a:ln>
+          <a:effectLst/>
+        </p:spPr>
+        <p:style>
+          <a:lnRef idx="1">
+            <a:schemeClr val="accent1"/>
+          </a:lnRef>
+          <a:fillRef idx="3">
+            <a:schemeClr val="accent1"/>
+          </a:fillRef>
+          <a:effectRef idx="2">
+            <a:schemeClr val="accent1"/>
+          </a:effectRef>
+          <a:fontRef idx="minor">
+            <a:schemeClr val="lt1"/>
+          </a:fontRef>
+        </p:style>
+        <p:txBody>
+          <a:bodyPr rtlCol="0" anchor="ctr"/>
+          <a:lstStyle/>
+          <a:p>
+            <a:pPr algn="ctr"/>
+            <a:endParaRPr lang="en-US" sz="1100" b="1" dirty="0">
+              <a:solidFill>
+                <a:schemeClr val="bg1"/>
+              </a:solidFill>
+              <a:latin typeface="Raleway" panose="020B0003030101060003" pitchFamily="34" charset="0"/>
+            </a:endParaRPr>
+          </a:p>
+        </p:txBody>
+      </p:sp>
+      <p:sp>
+        <p:nvSpPr>
+          <p:cNvPr id="31" name="Chevron 27">
+            <a:extLst>
+              <a:ext uri="{FF2B5EF4-FFF2-40B4-BE49-F238E27FC236}">
+                <a16:creationId xmlns:a16="http://schemas.microsoft.com/office/drawing/2014/main" id="{1C2222B0-F964-4C5E-B079-2BCD0E288239}"/>
+              </a:ext>
+            </a:extLst>
+          </p:cNvPr>
+          <p:cNvSpPr/>
+          <p:nvPr/>
+        </p:nvSpPr>
+        <p:spPr>
+          <a:xfrm>
+            <a:off x="4873425" y="6317891"/>
+            <a:ext cx="796323" cy="247736"/>
+          </a:xfrm>
+          <a:prstGeom prst="chevron">
+            <a:avLst/>
+          </a:prstGeom>
+          <a:noFill/>
+          <a:ln>
+            <a:solidFill>
+              <a:schemeClr val="accent1"/>
+            </a:solidFill>
+          </a:ln>
+          <a:effectLst/>
+        </p:spPr>
+        <p:style>
+          <a:lnRef idx="1">
+            <a:schemeClr val="accent1"/>
+          </a:lnRef>
+          <a:fillRef idx="3">
+            <a:schemeClr val="accent1"/>
+          </a:fillRef>
+          <a:effectRef idx="2">
+            <a:schemeClr val="accent1"/>
+          </a:effectRef>
+          <a:fontRef idx="minor">
+            <a:schemeClr val="lt1"/>
+          </a:fontRef>
+        </p:style>
+        <p:txBody>
+          <a:bodyPr rtlCol="0" anchor="ctr"/>
+          <a:lstStyle/>
+          <a:p>
+            <a:pPr algn="ctr"/>
+            <a:endParaRPr lang="en-US" sz="1100" b="1" dirty="0">
+              <a:solidFill>
+                <a:schemeClr val="bg1"/>
+              </a:solidFill>
+              <a:latin typeface="Raleway" panose="020B0003030101060003" pitchFamily="34" charset="0"/>
+            </a:endParaRPr>
+          </a:p>
+        </p:txBody>
+      </p:sp>
+      <p:sp>
+        <p:nvSpPr>
+          <p:cNvPr id="33" name="Chevron 27">
+            <a:extLst>
+              <a:ext uri="{FF2B5EF4-FFF2-40B4-BE49-F238E27FC236}">
+                <a16:creationId xmlns:a16="http://schemas.microsoft.com/office/drawing/2014/main" id="{355B9B19-7897-485B-B120-2E5AEA4EC13B}"/>
+              </a:ext>
+            </a:extLst>
+          </p:cNvPr>
+          <p:cNvSpPr/>
+          <p:nvPr/>
+        </p:nvSpPr>
+        <p:spPr>
+          <a:xfrm>
+            <a:off x="5767224" y="6317891"/>
+            <a:ext cx="796323" cy="247736"/>
+          </a:xfrm>
+          <a:prstGeom prst="chevron">
+            <a:avLst/>
+          </a:prstGeom>
+          <a:noFill/>
+          <a:ln>
+            <a:solidFill>
+              <a:schemeClr val="accent1"/>
+            </a:solidFill>
+          </a:ln>
+          <a:effectLst/>
+        </p:spPr>
+        <p:style>
+          <a:lnRef idx="1">
+            <a:schemeClr val="accent1"/>
+          </a:lnRef>
+          <a:fillRef idx="3">
+            <a:schemeClr val="accent1"/>
+          </a:fillRef>
+          <a:effectRef idx="2">
+            <a:schemeClr val="accent1"/>
+          </a:effectRef>
+          <a:fontRef idx="minor">
+            <a:schemeClr val="lt1"/>
+          </a:fontRef>
+        </p:style>
+        <p:txBody>
+          <a:bodyPr rtlCol="0" anchor="ctr"/>
+          <a:lstStyle/>
+          <a:p>
+            <a:pPr algn="ctr"/>
+            <a:endParaRPr lang="en-US" sz="1100" b="1" dirty="0">
+              <a:solidFill>
+                <a:schemeClr val="bg1"/>
+              </a:solidFill>
+              <a:latin typeface="Raleway" panose="020B0003030101060003" pitchFamily="34" charset="0"/>
+            </a:endParaRPr>
+          </a:p>
+        </p:txBody>
+      </p:sp>
+      <p:sp>
+        <p:nvSpPr>
+          <p:cNvPr id="34" name="Chevron 27">
+            <a:extLst>
+              <a:ext uri="{FF2B5EF4-FFF2-40B4-BE49-F238E27FC236}">
+                <a16:creationId xmlns:a16="http://schemas.microsoft.com/office/drawing/2014/main" id="{3BFDC3B5-A455-4E8C-909D-F3C30204F46C}"/>
+              </a:ext>
+            </a:extLst>
+          </p:cNvPr>
+          <p:cNvSpPr/>
+          <p:nvPr/>
+        </p:nvSpPr>
+        <p:spPr>
+          <a:xfrm>
+            <a:off x="6666707" y="6317891"/>
+            <a:ext cx="796323" cy="247736"/>
+          </a:xfrm>
+          <a:prstGeom prst="chevron">
+            <a:avLst/>
+          </a:prstGeom>
+          <a:noFill/>
+          <a:ln>
+            <a:solidFill>
+              <a:schemeClr val="accent1"/>
+            </a:solidFill>
+          </a:ln>
+          <a:effectLst/>
+        </p:spPr>
+        <p:style>
+          <a:lnRef idx="1">
+            <a:schemeClr val="accent1"/>
+          </a:lnRef>
+          <a:fillRef idx="3">
+            <a:schemeClr val="accent1"/>
+          </a:fillRef>
+          <a:effectRef idx="2">
+            <a:schemeClr val="accent1"/>
+          </a:effectRef>
+          <a:fontRef idx="minor">
+            <a:schemeClr val="lt1"/>
+          </a:fontRef>
+        </p:style>
+        <p:txBody>
+          <a:bodyPr rtlCol="0" anchor="ctr"/>
+          <a:lstStyle/>
+          <a:p>
+            <a:pPr algn="ctr"/>
+            <a:endParaRPr lang="en-US" sz="1100" b="1" dirty="0">
+              <a:solidFill>
+                <a:schemeClr val="bg1"/>
+              </a:solidFill>
+              <a:latin typeface="Raleway" panose="020B0003030101060003" pitchFamily="34" charset="0"/>
+            </a:endParaRPr>
+          </a:p>
+        </p:txBody>
+      </p:sp>
+      <p:sp>
+        <p:nvSpPr>
+          <p:cNvPr id="35" name="Chevron 27">
+            <a:extLst>
+              <a:ext uri="{FF2B5EF4-FFF2-40B4-BE49-F238E27FC236}">
+                <a16:creationId xmlns:a16="http://schemas.microsoft.com/office/drawing/2014/main" id="{A67F23A2-F68D-40D4-994A-94EBEC22ECFF}"/>
+              </a:ext>
+            </a:extLst>
+          </p:cNvPr>
+          <p:cNvSpPr/>
+          <p:nvPr/>
+        </p:nvSpPr>
+        <p:spPr>
+          <a:xfrm>
+            <a:off x="7566190" y="6317891"/>
+            <a:ext cx="796323" cy="247736"/>
+          </a:xfrm>
+          <a:prstGeom prst="chevron">
+            <a:avLst/>
+          </a:prstGeom>
+          <a:noFill/>
+          <a:ln>
+            <a:solidFill>
+              <a:schemeClr val="accent1"/>
+            </a:solidFill>
+          </a:ln>
+          <a:effectLst/>
+        </p:spPr>
+        <p:style>
+          <a:lnRef idx="1">
+            <a:schemeClr val="accent1"/>
+          </a:lnRef>
+          <a:fillRef idx="3">
+            <a:schemeClr val="accent1"/>
+          </a:fillRef>
+          <a:effectRef idx="2">
+            <a:schemeClr val="accent1"/>
+          </a:effectRef>
+          <a:fontRef idx="minor">
+            <a:schemeClr val="lt1"/>
+          </a:fontRef>
+        </p:style>
+        <p:txBody>
+          <a:bodyPr rtlCol="0" anchor="ctr"/>
+          <a:lstStyle/>
+          <a:p>
+            <a:pPr algn="ctr"/>
+            <a:endParaRPr lang="en-US" sz="1100" b="1" dirty="0">
+              <a:solidFill>
+                <a:schemeClr val="bg1"/>
+              </a:solidFill>
+              <a:latin typeface="Raleway" panose="020B0003030101060003" pitchFamily="34" charset="0"/>
+            </a:endParaRPr>
+          </a:p>
+        </p:txBody>
+      </p:sp>
+      <p:sp>
+        <p:nvSpPr>
+          <p:cNvPr id="36" name="Chevron 27">
+            <a:extLst>
+              <a:ext uri="{FF2B5EF4-FFF2-40B4-BE49-F238E27FC236}">
+                <a16:creationId xmlns:a16="http://schemas.microsoft.com/office/drawing/2014/main" id="{49199E45-B01D-48EF-BA69-011E727D594B}"/>
+              </a:ext>
+            </a:extLst>
+          </p:cNvPr>
+          <p:cNvSpPr/>
+          <p:nvPr/>
+        </p:nvSpPr>
+        <p:spPr>
+          <a:xfrm>
+            <a:off x="10039132" y="6317891"/>
+            <a:ext cx="796323" cy="247736"/>
+          </a:xfrm>
+          <a:prstGeom prst="chevron">
+            <a:avLst/>
+          </a:prstGeom>
+          <a:noFill/>
+          <a:ln>
+            <a:solidFill>
+              <a:schemeClr val="accent1"/>
+            </a:solidFill>
+          </a:ln>
+          <a:effectLst/>
+        </p:spPr>
+        <p:style>
+          <a:lnRef idx="1">
+            <a:schemeClr val="accent1"/>
+          </a:lnRef>
+          <a:fillRef idx="3">
+            <a:schemeClr val="accent1"/>
+          </a:fillRef>
+          <a:effectRef idx="2">
+            <a:schemeClr val="accent1"/>
+          </a:effectRef>
+          <a:fontRef idx="minor">
+            <a:schemeClr val="lt1"/>
+          </a:fontRef>
+        </p:style>
+        <p:txBody>
+          <a:bodyPr rtlCol="0" anchor="ctr"/>
+          <a:lstStyle/>
+          <a:p>
+            <a:pPr algn="ctr"/>
+            <a:endParaRPr lang="en-US" sz="1100" b="1" dirty="0">
+              <a:solidFill>
+                <a:schemeClr val="bg1"/>
+              </a:solidFill>
+              <a:latin typeface="Raleway" panose="020B0003030101060003" pitchFamily="34" charset="0"/>
+            </a:endParaRPr>
+          </a:p>
+        </p:txBody>
+      </p:sp>
+      <p:sp>
+        <p:nvSpPr>
+          <p:cNvPr id="37" name="Chevron 27">
+            <a:extLst>
+              <a:ext uri="{FF2B5EF4-FFF2-40B4-BE49-F238E27FC236}">
+                <a16:creationId xmlns:a16="http://schemas.microsoft.com/office/drawing/2014/main" id="{657ADDF5-449B-4033-B1EE-4C415C6ED4FD}"/>
+              </a:ext>
+            </a:extLst>
+          </p:cNvPr>
+          <p:cNvSpPr/>
+          <p:nvPr/>
+        </p:nvSpPr>
+        <p:spPr>
+          <a:xfrm>
+            <a:off x="10919427" y="6317891"/>
+            <a:ext cx="796323" cy="247736"/>
+          </a:xfrm>
+          <a:prstGeom prst="chevron">
+            <a:avLst/>
+          </a:prstGeom>
+          <a:noFill/>
+          <a:ln>
+            <a:solidFill>
+              <a:schemeClr val="accent1"/>
+            </a:solidFill>
+          </a:ln>
+          <a:effectLst/>
+        </p:spPr>
+        <p:style>
+          <a:lnRef idx="1">
+            <a:schemeClr val="accent1"/>
+          </a:lnRef>
+          <a:fillRef idx="3">
+            <a:schemeClr val="accent1"/>
+          </a:fillRef>
+          <a:effectRef idx="2">
+            <a:schemeClr val="accent1"/>
+          </a:effectRef>
+          <a:fontRef idx="minor">
+            <a:schemeClr val="lt1"/>
+          </a:fontRef>
+        </p:style>
+        <p:txBody>
+          <a:bodyPr rtlCol="0" anchor="ctr"/>
+          <a:lstStyle/>
+          <a:p>
+            <a:pPr algn="ctr"/>
+            <a:endParaRPr lang="en-US" sz="1100" b="1" dirty="0">
+              <a:solidFill>
+                <a:schemeClr val="bg1"/>
+              </a:solidFill>
+              <a:latin typeface="Raleway" panose="020B0003030101060003" pitchFamily="34" charset="0"/>
+            </a:endParaRPr>
+          </a:p>
+        </p:txBody>
+      </p:sp>
+    </p:spTree>
+    <p:extLst>
+      <p:ext uri="{BB962C8B-B14F-4D97-AF65-F5344CB8AC3E}">
+        <p14:creationId xmlns:p14="http://schemas.microsoft.com/office/powerpoint/2010/main" val="2397071566"/>
+      </p:ext>
+    </p:extLst>
+  </p:cSld>
+  <p:clrMapOvr>
+    <a:masterClrMapping/>
+  </p:clrMapOvr>
+  <mc:AlternateContent xmlns:mc="http://schemas.openxmlformats.org/markup-compatibility/2006" xmlns:p14="http://schemas.microsoft.com/office/powerpoint/2010/main">
+    <mc:Choice Requires="p14">
+      <p:transition spd="slow">
+        <p14:reveal/>
+      </p:transition>
+    </mc:Choice>
+    <mc:Fallback xmlns="">
+      <p:transition spd="slow">
+        <p:fade/>
+      </p:transition>
+    </mc:Fallback>
+  </mc:AlternateContent>
+</p:sld>
+</file>
+
+<file path=ppt/slides/slide22.xml><?xml version="1.0" encoding="utf-8"?>
+<p:sld xmlns:a="http://schemas.openxmlformats.org/drawingml/2006/main" xmlns:r="http://schemas.openxmlformats.org/officeDocument/2006/relationships" xmlns:p="http://schemas.openxmlformats.org/presentationml/2006/main">
+  <p:cSld>
+    <p:spTree>
+      <p:nvGrpSpPr>
+        <p:cNvPr id="1" name=""/>
+        <p:cNvGrpSpPr/>
+        <p:nvPr/>
+      </p:nvGrpSpPr>
+      <p:grpSpPr>
+        <a:xfrm>
+          <a:off x="0" y="0"/>
+          <a:ext cx="0" cy="0"/>
+          <a:chOff x="0" y="0"/>
+          <a:chExt cx="0" cy="0"/>
+        </a:xfrm>
+      </p:grpSpPr>
+      <p:pic>
+        <p:nvPicPr>
+          <p:cNvPr id="8" name="Image 7">
+            <a:extLst>
+              <a:ext uri="{FF2B5EF4-FFF2-40B4-BE49-F238E27FC236}">
+                <a16:creationId xmlns:a16="http://schemas.microsoft.com/office/drawing/2014/main" id="{2BB825C5-31DA-4A56-85EA-536DBF510A31}"/>
+              </a:ext>
+            </a:extLst>
+          </p:cNvPr>
+          <p:cNvPicPr>
+            <a:picLocks noChangeAspect="1"/>
+          </p:cNvPicPr>
+          <p:nvPr/>
+        </p:nvPicPr>
+        <p:blipFill>
+          <a:blip r:embed="rId2">
+            <a:extLst>
+              <a:ext uri="{28A0092B-C50C-407E-A947-70E740481C1C}">
+                <a14:useLocalDpi xmlns:a14="http://schemas.microsoft.com/office/drawing/2010/main" val="0"/>
+              </a:ext>
+            </a:extLst>
+          </a:blip>
+          <a:stretch>
+            <a:fillRect/>
+          </a:stretch>
+        </p:blipFill>
+        <p:spPr>
+          <a:xfrm>
+            <a:off x="1068751" y="66457"/>
+            <a:ext cx="1259497" cy="776690"/>
+          </a:xfrm>
+          <a:prstGeom prst="rect">
+            <a:avLst/>
+          </a:prstGeom>
+        </p:spPr>
+      </p:pic>
+      <p:pic>
+        <p:nvPicPr>
+          <p:cNvPr id="10" name="Image 9">
+            <a:extLst>
+              <a:ext uri="{FF2B5EF4-FFF2-40B4-BE49-F238E27FC236}">
+                <a16:creationId xmlns:a16="http://schemas.microsoft.com/office/drawing/2014/main" id="{8EE7436F-49F2-41E0-93E4-D247B4705294}"/>
+              </a:ext>
+            </a:extLst>
+          </p:cNvPr>
+          <p:cNvPicPr>
+            <a:picLocks noChangeAspect="1"/>
+          </p:cNvPicPr>
+          <p:nvPr/>
+        </p:nvPicPr>
+        <p:blipFill>
+          <a:blip r:embed="rId3">
+            <a:extLst>
+              <a:ext uri="{28A0092B-C50C-407E-A947-70E740481C1C}">
+                <a14:useLocalDpi xmlns:a14="http://schemas.microsoft.com/office/drawing/2010/main" val="0"/>
+              </a:ext>
+            </a:extLst>
+          </a:blip>
+          <a:stretch>
+            <a:fillRect/>
+          </a:stretch>
+        </p:blipFill>
+        <p:spPr>
+          <a:xfrm>
+            <a:off x="9681085" y="238153"/>
+            <a:ext cx="1802101" cy="569807"/>
+          </a:xfrm>
+          <a:prstGeom prst="rect">
+            <a:avLst/>
+          </a:prstGeom>
+        </p:spPr>
+      </p:pic>
+      <p:cxnSp>
+        <p:nvCxnSpPr>
+          <p:cNvPr id="16" name="Connecteur droit 15">
+            <a:extLst>
+              <a:ext uri="{FF2B5EF4-FFF2-40B4-BE49-F238E27FC236}">
+                <a16:creationId xmlns:a16="http://schemas.microsoft.com/office/drawing/2014/main" id="{7319284A-BD6F-4A96-8E2B-E0A4B52E53C6}"/>
+              </a:ext>
+            </a:extLst>
+          </p:cNvPr>
+          <p:cNvCxnSpPr>
+            <a:cxnSpLocks/>
+          </p:cNvCxnSpPr>
+          <p:nvPr/>
+        </p:nvCxnSpPr>
+        <p:spPr>
+          <a:xfrm flipV="1">
+            <a:off x="0" y="454803"/>
+            <a:ext cx="738231" cy="1798"/>
+          </a:xfrm>
+          <a:prstGeom prst="line">
+            <a:avLst/>
+          </a:prstGeom>
+        </p:spPr>
+        <p:style>
+          <a:lnRef idx="3">
+            <a:schemeClr val="dk1"/>
+          </a:lnRef>
+          <a:fillRef idx="0">
+            <a:schemeClr val="dk1"/>
+          </a:fillRef>
+          <a:effectRef idx="2">
+            <a:schemeClr val="dk1"/>
+          </a:effectRef>
+          <a:fontRef idx="minor">
+            <a:schemeClr val="tx1"/>
+          </a:fontRef>
+        </p:style>
+      </p:cxnSp>
+      <p:cxnSp>
+        <p:nvCxnSpPr>
+          <p:cNvPr id="20" name="Connecteur droit 19">
+            <a:extLst>
+              <a:ext uri="{FF2B5EF4-FFF2-40B4-BE49-F238E27FC236}">
+                <a16:creationId xmlns:a16="http://schemas.microsoft.com/office/drawing/2014/main" id="{08874CF7-F149-4C81-B61E-74E18342BA8A}"/>
+              </a:ext>
+            </a:extLst>
+          </p:cNvPr>
+          <p:cNvCxnSpPr>
+            <a:cxnSpLocks/>
+          </p:cNvCxnSpPr>
+          <p:nvPr/>
+        </p:nvCxnSpPr>
+        <p:spPr>
+          <a:xfrm>
+            <a:off x="2573222" y="454803"/>
+            <a:ext cx="6829482" cy="10398"/>
+          </a:xfrm>
+          <a:prstGeom prst="line">
+            <a:avLst/>
+          </a:prstGeom>
+        </p:spPr>
+        <p:style>
+          <a:lnRef idx="3">
+            <a:schemeClr val="dk1"/>
+          </a:lnRef>
+          <a:fillRef idx="0">
+            <a:schemeClr val="dk1"/>
+          </a:fillRef>
+          <a:effectRef idx="2">
+            <a:schemeClr val="dk1"/>
+          </a:effectRef>
+          <a:fontRef idx="minor">
+            <a:schemeClr val="tx1"/>
+          </a:fontRef>
+        </p:style>
+      </p:cxnSp>
+      <p:cxnSp>
+        <p:nvCxnSpPr>
+          <p:cNvPr id="26" name="Connecteur droit 25">
+            <a:extLst>
+              <a:ext uri="{FF2B5EF4-FFF2-40B4-BE49-F238E27FC236}">
+                <a16:creationId xmlns:a16="http://schemas.microsoft.com/office/drawing/2014/main" id="{BB3B35CC-057B-48C1-880F-3306A6559175}"/>
+              </a:ext>
+            </a:extLst>
+          </p:cNvPr>
+          <p:cNvCxnSpPr>
+            <a:cxnSpLocks/>
+          </p:cNvCxnSpPr>
+          <p:nvPr/>
+        </p:nvCxnSpPr>
+        <p:spPr>
+          <a:xfrm>
+            <a:off x="738231" y="454803"/>
+            <a:ext cx="344203" cy="484764"/>
+          </a:xfrm>
+          <a:prstGeom prst="line">
+            <a:avLst/>
+          </a:prstGeom>
+        </p:spPr>
+        <p:style>
+          <a:lnRef idx="3">
+            <a:schemeClr val="dk1"/>
+          </a:lnRef>
+          <a:fillRef idx="0">
+            <a:schemeClr val="dk1"/>
+          </a:fillRef>
+          <a:effectRef idx="2">
+            <a:schemeClr val="dk1"/>
+          </a:effectRef>
+          <a:fontRef idx="minor">
+            <a:schemeClr val="tx1"/>
+          </a:fontRef>
+        </p:style>
+      </p:cxnSp>
+      <p:cxnSp>
+        <p:nvCxnSpPr>
+          <p:cNvPr id="32" name="Connecteur droit 31">
+            <a:extLst>
+              <a:ext uri="{FF2B5EF4-FFF2-40B4-BE49-F238E27FC236}">
+                <a16:creationId xmlns:a16="http://schemas.microsoft.com/office/drawing/2014/main" id="{4AD96496-1EB6-4E48-9BB2-5C255495C686}"/>
+              </a:ext>
+            </a:extLst>
+          </p:cNvPr>
+          <p:cNvCxnSpPr>
+            <a:cxnSpLocks/>
+          </p:cNvCxnSpPr>
+          <p:nvPr/>
+        </p:nvCxnSpPr>
+        <p:spPr>
           <a:xfrm>
             <a:off x="1082434" y="938833"/>
             <a:ext cx="1146585" cy="0"/>
@@ -22657,7 +24029,7 @@
 </p:sld>
 </file>
 
-<file path=ppt/slides/slide22.xml><?xml version="1.0" encoding="utf-8"?>
+<file path=ppt/slides/slide23.xml><?xml version="1.0" encoding="utf-8"?>
 <p:sld xmlns:a="http://schemas.openxmlformats.org/drawingml/2006/main" xmlns:r="http://schemas.openxmlformats.org/officeDocument/2006/relationships" xmlns:p="http://schemas.openxmlformats.org/presentationml/2006/main">
   <p:cSld>
     <p:spTree>
@@ -24045,7 +25417,7 @@
 </p:sld>
 </file>
 
-<file path=ppt/slides/slide23.xml><?xml version="1.0" encoding="utf-8"?>
+<file path=ppt/slides/slide24.xml><?xml version="1.0" encoding="utf-8"?>
 <p:sld xmlns:a="http://schemas.openxmlformats.org/drawingml/2006/main" xmlns:r="http://schemas.openxmlformats.org/officeDocument/2006/relationships" xmlns:p="http://schemas.openxmlformats.org/presentationml/2006/main">
   <p:cSld>
     <p:spTree>
@@ -34691,7 +36063,7 @@
           <a:p>
             <a:r>
               <a:rPr lang="fr-FR" dirty="0"/>
-              <a:t>Bus CAN</a:t>
+              <a:t>Girouette</a:t>
             </a:r>
           </a:p>
           <a:p>
